--- a/2024/0430_VSLiveChicago/WindowsDev/VSLCH24_Building a Native App for Windows_AlvinAshcraft.pptx
+++ b/2024/0430_VSLiveChicago/WindowsDev/VSLCH24_Building a Native App for Windows_AlvinAshcraft.pptx
@@ -3659,7 +3659,7 @@
           <a:p>
             <a:fld id="{D088F999-7A4E-6B4F-9FED-EF75B73AD044}" type="datetimeFigureOut">
               <a:rPr lang="en-US" smtClean="0"/>
-              <a:t>4/6/24</a:t>
+              <a:t>4/27/2024</a:t>
             </a:fld>
             <a:endParaRPr lang="en-US"/>
           </a:p>
@@ -3827,7 +3827,7 @@
           <a:p>
             <a:fld id="{D088F999-7A4E-6B4F-9FED-EF75B73AD044}" type="datetimeFigureOut">
               <a:rPr lang="en-US" smtClean="0"/>
-              <a:t>4/6/24</a:t>
+              <a:t>4/27/2024</a:t>
             </a:fld>
             <a:endParaRPr lang="en-US"/>
           </a:p>
@@ -4005,7 +4005,7 @@
           <a:p>
             <a:fld id="{D088F999-7A4E-6B4F-9FED-EF75B73AD044}" type="datetimeFigureOut">
               <a:rPr lang="en-US" smtClean="0"/>
-              <a:t>4/6/24</a:t>
+              <a:t>4/27/2024</a:t>
             </a:fld>
             <a:endParaRPr lang="en-US"/>
           </a:p>
@@ -4174,7 +4174,7 @@
             <a:fld id="{3FE51E94-D08C-431E-88FC-7EB62E529A19}" type="datetimeFigureOut">
               <a:rPr lang="en-US" smtClean="0"/>
               <a:pPr/>
-              <a:t>4/6/24</a:t>
+              <a:t>4/27/2024</a:t>
             </a:fld>
             <a:endParaRPr lang="en-US"/>
           </a:p>
@@ -4343,7 +4343,7 @@
           <a:p>
             <a:fld id="{D088F999-7A4E-6B4F-9FED-EF75B73AD044}" type="datetimeFigureOut">
               <a:rPr lang="en-US" smtClean="0"/>
-              <a:t>4/6/24</a:t>
+              <a:t>4/27/2024</a:t>
             </a:fld>
             <a:endParaRPr lang="en-US"/>
           </a:p>
@@ -4588,7 +4588,7 @@
           <a:p>
             <a:fld id="{D088F999-7A4E-6B4F-9FED-EF75B73AD044}" type="datetimeFigureOut">
               <a:rPr lang="en-US" smtClean="0"/>
-              <a:t>4/6/24</a:t>
+              <a:t>4/27/2024</a:t>
             </a:fld>
             <a:endParaRPr lang="en-US"/>
           </a:p>
@@ -4873,7 +4873,7 @@
           <a:p>
             <a:fld id="{D088F999-7A4E-6B4F-9FED-EF75B73AD044}" type="datetimeFigureOut">
               <a:rPr lang="en-US" smtClean="0"/>
-              <a:t>4/6/24</a:t>
+              <a:t>4/27/2024</a:t>
             </a:fld>
             <a:endParaRPr lang="en-US"/>
           </a:p>
@@ -5292,7 +5292,7 @@
           <a:p>
             <a:fld id="{D088F999-7A4E-6B4F-9FED-EF75B73AD044}" type="datetimeFigureOut">
               <a:rPr lang="en-US" smtClean="0"/>
-              <a:t>4/6/24</a:t>
+              <a:t>4/27/2024</a:t>
             </a:fld>
             <a:endParaRPr lang="en-US"/>
           </a:p>
@@ -5409,7 +5409,7 @@
           <a:p>
             <a:fld id="{D088F999-7A4E-6B4F-9FED-EF75B73AD044}" type="datetimeFigureOut">
               <a:rPr lang="en-US" smtClean="0"/>
-              <a:t>4/6/24</a:t>
+              <a:t>4/27/2024</a:t>
             </a:fld>
             <a:endParaRPr lang="en-US"/>
           </a:p>
@@ -5504,7 +5504,7 @@
           <a:p>
             <a:fld id="{D088F999-7A4E-6B4F-9FED-EF75B73AD044}" type="datetimeFigureOut">
               <a:rPr lang="en-US" smtClean="0"/>
-              <a:t>4/6/24</a:t>
+              <a:t>4/27/2024</a:t>
             </a:fld>
             <a:endParaRPr lang="en-US"/>
           </a:p>
@@ -5779,7 +5779,7 @@
           <a:p>
             <a:fld id="{D088F999-7A4E-6B4F-9FED-EF75B73AD044}" type="datetimeFigureOut">
               <a:rPr lang="en-US" smtClean="0"/>
-              <a:t>4/6/24</a:t>
+              <a:t>4/27/2024</a:t>
             </a:fld>
             <a:endParaRPr lang="en-US"/>
           </a:p>
@@ -6031,7 +6031,7 @@
           <a:p>
             <a:fld id="{D088F999-7A4E-6B4F-9FED-EF75B73AD044}" type="datetimeFigureOut">
               <a:rPr lang="en-US" smtClean="0"/>
-              <a:t>4/6/24</a:t>
+              <a:t>4/27/2024</a:t>
             </a:fld>
             <a:endParaRPr lang="en-US"/>
           </a:p>
@@ -6251,7 +6251,7 @@
           <a:p>
             <a:fld id="{D088F999-7A4E-6B4F-9FED-EF75B73AD044}" type="datetimeFigureOut">
               <a:rPr lang="en-US" smtClean="0"/>
-              <a:t>4/6/24</a:t>
+              <a:t>4/27/2024</a:t>
             </a:fld>
             <a:endParaRPr lang="en-US"/>
           </a:p>
@@ -6768,7 +6768,7 @@
           <a:p>
             <a:fld id="{D088F999-7A4E-6B4F-9FED-EF75B73AD044}" type="datetimeFigureOut">
               <a:rPr lang="en-US" smtClean="0"/>
-              <a:t>4/6/24</a:t>
+              <a:t>4/27/2024</a:t>
             </a:fld>
             <a:endParaRPr lang="en-US"/>
           </a:p>
@@ -8398,7 +8398,7 @@
           <a:p>
             <a:r>
               <a:rPr lang="en-US" sz="3600" dirty="0"/>
-              <a:t>WinUI 3 + Windows App SDK Advantages</a:t>
+              <a:t>WinUI + Windows App SDK Advantages</a:t>
             </a:r>
           </a:p>
         </p:txBody>
@@ -8515,7 +8515,7 @@
             <a:pPr lvl="1"/>
             <a:r>
               <a:rPr lang="en-US" dirty="0"/>
-              <a:t>Windows File Explorer, Apple Music &amp; Adobe Fresco</a:t>
+              <a:t>Windows File Explorer, Apple Music, Apple TV, Apple Devices &amp; Adobe Fresco</a:t>
             </a:r>
           </a:p>
         </p:txBody>
@@ -8573,7 +8573,7 @@
           <a:p>
             <a:r>
               <a:rPr lang="en-US" dirty="0"/>
-              <a:t>WinUI 3 Drawbacks &amp; Demo</a:t>
+              <a:t>WinUI Drawbacks &amp; Demo</a:t>
             </a:r>
           </a:p>
         </p:txBody>
@@ -8663,7 +8663,7 @@
             <a:pPr lvl="1"/>
             <a:r>
               <a:rPr lang="en-US" dirty="0"/>
-              <a:t>There are work-arounds (see my WinUI 3 book)</a:t>
+              <a:t>There are work-arounds (see my book, Learn WinUI 3)</a:t>
             </a:r>
           </a:p>
         </p:txBody>
@@ -10663,7 +10663,7 @@
 </file>
 
 <file path=ppt/slides/slide4.xml><?xml version="1.0" encoding="utf-8"?>
-<p:sld xmlns:a="http://schemas.openxmlformats.org/drawingml/2006/main" xmlns:r="http://schemas.openxmlformats.org/officeDocument/2006/relationships" xmlns:p="http://schemas.openxmlformats.org/presentationml/2006/main">
+<p:sld xmlns:a="http://schemas.openxmlformats.org/drawingml/2006/main" xmlns:r="http://schemas.openxmlformats.org/officeDocument/2006/relationships" xmlns:p="http://schemas.openxmlformats.org/presentationml/2006/main" show="0">
   <p:cSld>
     <p:spTree>
       <p:nvGrpSpPr>
@@ -11485,7 +11485,7 @@
             <a:pPr lvl="1"/>
             <a:r>
               <a:rPr lang="en-US" dirty="0"/>
-              <a:t>WinUI 3 &amp; Windows App SDK</a:t>
+              <a:t>WinUI &amp; Windows App SDK</a:t>
             </a:r>
           </a:p>
           <a:p>
@@ -13457,4 +13457,10 @@
   <a:objectDefaults/>
   <a:extraClrSchemeLst/>
 </a:theme>
+</file>
+
+<file path=docMetadata/LabelInfo.xml><?xml version="1.0" encoding="utf-8"?>
+<clbl:labelList xmlns:clbl="http://schemas.microsoft.com/office/2020/mipLabelMetadata">
+  <clbl:label id="{f42aa342-8706-4288-bd11-ebb85995028c}" enabled="1" method="Standard" siteId="{72f988bf-86f1-41af-91ab-2d7cd011db47}" removed="0"/>
+</clbl:labelList>
 </file>
--- a/2024/0430_VSLiveChicago/WindowsDev/VSLCH24_Building a Native App for Windows_AlvinAshcraft.pptx
+++ b/2024/0430_VSLiveChicago/WindowsDev/VSLCH24_Building a Native App for Windows_AlvinAshcraft.pptx
@@ -6,36 +6,35 @@
     <p:sldMasterId id="2147483760" r:id="rId2"/>
   </p:sldMasterIdLst>
   <p:notesMasterIdLst>
-    <p:notesMasterId r:id="rId27"/>
+    <p:notesMasterId r:id="rId26"/>
   </p:notesMasterIdLst>
   <p:handoutMasterIdLst>
-    <p:handoutMasterId r:id="rId28"/>
+    <p:handoutMasterId r:id="rId27"/>
   </p:handoutMasterIdLst>
   <p:sldIdLst>
     <p:sldId id="258" r:id="rId3"/>
     <p:sldId id="259" r:id="rId4"/>
     <p:sldId id="264" r:id="rId5"/>
-    <p:sldId id="277" r:id="rId6"/>
-    <p:sldId id="278" r:id="rId7"/>
-    <p:sldId id="279" r:id="rId8"/>
-    <p:sldId id="262" r:id="rId9"/>
-    <p:sldId id="280" r:id="rId10"/>
-    <p:sldId id="281" r:id="rId11"/>
-    <p:sldId id="282" r:id="rId12"/>
-    <p:sldId id="283" r:id="rId13"/>
-    <p:sldId id="284" r:id="rId14"/>
-    <p:sldId id="285" r:id="rId15"/>
-    <p:sldId id="286" r:id="rId16"/>
-    <p:sldId id="287" r:id="rId17"/>
-    <p:sldId id="288" r:id="rId18"/>
-    <p:sldId id="289" r:id="rId19"/>
-    <p:sldId id="290" r:id="rId20"/>
-    <p:sldId id="291" r:id="rId21"/>
-    <p:sldId id="292" r:id="rId22"/>
-    <p:sldId id="293" r:id="rId23"/>
-    <p:sldId id="294" r:id="rId24"/>
-    <p:sldId id="295" r:id="rId25"/>
-    <p:sldId id="263" r:id="rId26"/>
+    <p:sldId id="278" r:id="rId6"/>
+    <p:sldId id="279" r:id="rId7"/>
+    <p:sldId id="262" r:id="rId8"/>
+    <p:sldId id="280" r:id="rId9"/>
+    <p:sldId id="281" r:id="rId10"/>
+    <p:sldId id="282" r:id="rId11"/>
+    <p:sldId id="283" r:id="rId12"/>
+    <p:sldId id="284" r:id="rId13"/>
+    <p:sldId id="285" r:id="rId14"/>
+    <p:sldId id="286" r:id="rId15"/>
+    <p:sldId id="287" r:id="rId16"/>
+    <p:sldId id="288" r:id="rId17"/>
+    <p:sldId id="289" r:id="rId18"/>
+    <p:sldId id="290" r:id="rId19"/>
+    <p:sldId id="291" r:id="rId20"/>
+    <p:sldId id="292" r:id="rId21"/>
+    <p:sldId id="293" r:id="rId22"/>
+    <p:sldId id="294" r:id="rId23"/>
+    <p:sldId id="295" r:id="rId24"/>
+    <p:sldId id="263" r:id="rId25"/>
   </p:sldIdLst>
   <p:sldSz cx="9144000" cy="5143500" type="screen16x9"/>
   <p:notesSz cx="6858000" cy="9144000"/>
@@ -177,6 +176,14 @@
 </p:presentation>
 </file>
 
+<file path=ppt/revisionInfo.xml><?xml version="1.0" encoding="utf-8"?>
+<p1510:revInfo xmlns:a="http://schemas.openxmlformats.org/drawingml/2006/main" xmlns:r="http://schemas.openxmlformats.org/officeDocument/2006/relationships" xmlns:p1510="http://schemas.microsoft.com/office/powerpoint/2015/10/main">
+  <p1510:revLst>
+    <p1510:client id="{ACCBF089-4300-400D-B29C-146054B3DB8B}" v="1" dt="2024-04-28T14:46:24.414"/>
+  </p1510:revLst>
+</p1510:revInfo>
+</file>
+
 <file path=ppt/handoutMasters/handoutMaster1.xml><?xml version="1.0" encoding="utf-8"?>
 <p:handoutMaster xmlns:a="http://schemas.openxmlformats.org/drawingml/2006/main" xmlns:r="http://schemas.openxmlformats.org/officeDocument/2006/relationships" xmlns:p="http://schemas.openxmlformats.org/presentationml/2006/main">
   <p:cSld>
@@ -757,7 +764,7 @@
           <a:p>
             <a:r>
               <a:rPr lang="en-US" dirty="0"/>
-              <a:t>Like WinForms, it’s C# and VB only.</a:t>
+              <a:t>Like WinForms, it’s C# and VB only. There’s no C++. If you are a big F# fan, you could create a minimal UI project with only the C# views and create a separate F# project for your view models, business logic, and everything else.</a:t>
             </a:r>
           </a:p>
           <a:p>
@@ -783,7 +790,7 @@
             </a:pPr>
             <a:r>
               <a:rPr lang="en-US" dirty="0"/>
-              <a:t>The Windows theming and dark mode switching is still on the way. The current UI doesn’t look like Windows 10/11 out of the box yet. It still looks kind of like Vista, but that refresh is on the way. We’ll see how Fluent it looks when they’re done.</a:t>
+              <a:t>The Windows theming and dark mode switching is still on the way. The current UI doesn’t look like Windows 10/11 out of the box yet. It still looks a bit pre-Windows 10, but that refresh is on the way. We’ll see how close to Fluent Design it looks when they’re done with that refresh later this year.</a:t>
             </a:r>
           </a:p>
           <a:p>
@@ -826,7 +833,7 @@
             </a:pPr>
             <a:r>
               <a:rPr lang="en-US" dirty="0"/>
-              <a:t>It’s better for touch and pen than WinForms, but it wasn’t built for today’s devices like UWP and WinUI.</a:t>
+              <a:t>It’s better for touch and pen than WinForms, but it wasn’t built for today’s devices like WinUI.</a:t>
             </a:r>
           </a:p>
           <a:p>
@@ -1003,7 +1010,7 @@
           <a:p>
             <a:r>
               <a:rPr lang="en-US" dirty="0"/>
-              <a:t>Visual Studio has a XAML designer for drag &amp; drop UI building, although I prefer to code my own in the XAML markup. The designer tends to make UIs that are less responsive to resizing.</a:t>
+              <a:t>Visual Studio has a XAML designer for drag &amp; drop UI building, like WPF.</a:t>
             </a:r>
           </a:p>
           <a:p>
@@ -1021,7 +1028,7 @@
           <a:p>
             <a:r>
               <a:rPr lang="en-US" dirty="0"/>
-              <a:t>Like all XAML languages, you have data binding and MVVM.</a:t>
+              <a:t>Like all XAML languages, you have data binding and testability with MVVM.</a:t>
             </a:r>
           </a:p>
           <a:p>
@@ -1039,7 +1046,7 @@
           <a:p>
             <a:r>
               <a:rPr lang="en-US" dirty="0"/>
-              <a:t>UWP apps are sandboxed, which means they have limited access to the file system and other Windows resources. This provides users some additional security from bad actors.</a:t>
+              <a:t>UWP apps are sandboxed, which means they have limited access to the file system and other Windows resources. This provides users some additional security from bad actors. Like mobile apps, they need to declare any advanced capabilities or access required so users are aware of what data might be accessed.</a:t>
             </a:r>
           </a:p>
         </p:txBody>
@@ -1112,7 +1119,7 @@
           <a:p>
             <a:r>
               <a:rPr lang="en-US" dirty="0"/>
-              <a:t>Well, unless you have a great reason, I don’t recommend building a new UWP app today.</a:t>
+              <a:t>Well, unless you have a great reason, I don’t recommend building a new app with UWP today.</a:t>
             </a:r>
           </a:p>
           <a:p>
@@ -1121,7 +1128,7 @@
           <a:p>
             <a:r>
               <a:rPr lang="en-US" dirty="0"/>
-              <a:t>While it’s still going to be supported by Microsoft for the foreseeable future, it’s getting no new features. That includes WinUI 2 controls. They’re both only getting critical security updates and bug fixes.</a:t>
+              <a:t>While it’s still going to be supported by Microsoft for the foreseeable future, it’s getting no new features. That includes the WinUI 2 controls. They’re both only getting critical security updates and bug fixes.</a:t>
             </a:r>
           </a:p>
           <a:p>
@@ -1130,7 +1137,7 @@
           <a:p>
             <a:r>
               <a:rPr lang="en-US" dirty="0"/>
-              <a:t>While .NET Native is small and fast, it’s also aging. With UWP, you get no access to modern .NET or language features. In fact, you can’t use any C# language features beyond C# 8 (and we’re up to C# 12 now in .NET 8 – it’s always the .NET version plus 4).</a:t>
+              <a:t>While .NET Native is small and fast, it’s also aging. With UWP, you don’t’ get access to modern .NET or language features. In fact, you can’t officially use any C# language features beyond C# 8 (and we’re up to C# 12 now in .NET 8 – it’s always the .NET version plus 4). It requires some work-arounds, and you’re better off just choosing another UI framework.</a:t>
             </a:r>
           </a:p>
           <a:p>
@@ -1139,7 +1146,7 @@
           <a:p>
             <a:r>
               <a:rPr lang="en-US" dirty="0"/>
-              <a:t>While WinUI 2 has some Fluent design look &amp; feel, it’s Fluent 1.0 (Windows 10). The Windows 11 look is Fluent 2.0. You can’t get that in UWP without some work on your part to style it.</a:t>
+              <a:t>While WinUI 2 has some Fluent design look &amp; feel, it’s Fluent 1.0, which is the Windows 10 look and feel. The Windows 11 look is Fluent 2.0. You can’t get that in UWP without some work on your part to style it, or there may be some third-party options out there.</a:t>
             </a:r>
           </a:p>
           <a:p>
@@ -1148,7 +1155,7 @@
           <a:p>
             <a:r>
               <a:rPr lang="en-US" dirty="0"/>
-              <a:t>UWP relies on .NET Standard for shared libraries (NuGet packages), and Microsoft is moving away from that standard to just using .NET as the standard feature set across platforms. That leaves UWP behind.</a:t>
+              <a:t>UWP relies on .NET Standard for shared libraries, like when you’re creating or consuming NuGet packages, and Microsoft has been moving away from that .NET Standard. Today, just using modern .NET is the standard feature set across platforms. That move leaves UWP behind. In fact, the Microsoft Authentication Libraries (MSAL) just announced that they are dropping support for Xamarin and UWP in their NuGet packages moving forward. I expect others will follow suit.</a:t>
             </a:r>
           </a:p>
           <a:p>
@@ -1239,7 +1246,7 @@
           <a:p>
             <a:r>
               <a:rPr lang="en-US" dirty="0"/>
-              <a:t>WinUI 3 is the UI component of the Windows App SDK.</a:t>
+              <a:t>WinUI is the UI component of the Windows App SDK. The UI framework is technically called WinUI 3, but with WinUI 2 becoming a legacy product, the team is leaning into using simply WinUI as the name.</a:t>
             </a:r>
           </a:p>
           <a:p>
@@ -1257,7 +1264,7 @@
           <a:p>
             <a:r>
               <a:rPr lang="en-US" dirty="0"/>
-              <a:t>You get the features and controls of UWP without being coupled to a specific version of the Windows SDK. The Windows App SDK updates multiple times a year. Some of the recent updates brought XAML Islands, Theming, Notifications, improved windowing with </a:t>
+              <a:t>You get the features and controls of UWP without being coupled to a specific version of the Windows SDK. The Windows App SDK updates multiple times a year. Some of the recent updates brought XAML Islands, Theming, Notifications, improved multi-window support with </a:t>
             </a:r>
             <a:r>
               <a:rPr lang="en-US" dirty="0" err="1"/>
@@ -1265,7 +1272,7 @@
             </a:r>
             <a:r>
               <a:rPr lang="en-US" dirty="0"/>
-              <a:t>, and media controls. Version 1.5 will bring the much anticipated Maps control. It’s one of the top requested features. We’ll get to the other requests on the next slide.</a:t>
+              <a:t>, and media controls. Windows App SDK 1.5 brought the much-anticipated Maps control to WinUI. It was one of the top requested features. We’ll get to some other feature requests on the roadmap on the next slide.</a:t>
             </a:r>
           </a:p>
           <a:p>
@@ -1274,7 +1281,7 @@
           <a:p>
             <a:r>
               <a:rPr lang="en-US" dirty="0"/>
-              <a:t>You can check out the roadmap on GitHub.</a:t>
+              <a:t>You can check out the current Windows App SDK roadmap on GitHub.</a:t>
             </a:r>
           </a:p>
           <a:p>
@@ -1301,7 +1308,7 @@
           <a:p>
             <a:r>
               <a:rPr lang="en-US" dirty="0"/>
-              <a:t>You can also get even more free controls for WinUI with the Windows Community Toolkit and .NET Community Toolkit. I’ll talk about those next month or you can read about them in my WinUI 3 book.</a:t>
+              <a:t>You can also get even more free controls and components for WinUI with the Windows Community Toolkit and .NET Community Toolkit. You can read more about them in my WinUI 3 book.</a:t>
             </a:r>
           </a:p>
           <a:p>
@@ -1310,7 +1317,7 @@
           <a:p>
             <a:r>
               <a:rPr lang="en-US" dirty="0"/>
-              <a:t>Finally, Microsoft is really positioning WinUI 3 as the top choice for ISVs to build apps for Windows. You can see that commitment in their partnerships with Apple &amp; Adobe to bring high profile, first-class apps to Windows.</a:t>
+              <a:t>Finally, Microsoft is really positioning WinUI as the top choice for developers to build apps for Windows. You can see that commitment in their partnerships with Apple &amp; Adobe to bring high profile, first-class apps to Windows.</a:t>
             </a:r>
           </a:p>
         </p:txBody>
@@ -1374,7 +1381,7 @@
           <a:p>
             <a:r>
               <a:rPr lang="en-US" dirty="0"/>
-              <a:t>Let’s discuss a few drawbacks with WinUI 3.</a:t>
+              <a:t>Let’s discuss a few drawbacks with WinUI.</a:t>
             </a:r>
           </a:p>
           <a:p>
@@ -1391,7 +1398,7 @@
             </a:r>
             <a:r>
               <a:rPr lang="en-US" dirty="0"/>
-              <a:t> release three years ago. The product teams are aware that it’s wanted. To this point, it hasn’t made it onto the public roadmap.</a:t>
+              <a:t> release three years ago. The product teams are aware that it’s wanted. To this point, it hasn’t made it onto the public roadmap, and it requires partnering with the Visual Studio team to develop the feature.</a:t>
             </a:r>
           </a:p>
           <a:p>
@@ -1409,7 +1416,7 @@
           <a:p>
             <a:r>
               <a:rPr lang="en-US" dirty="0"/>
-              <a:t>Next, WinUI apps only support C# and C++. There’s no support for VB or F#.</a:t>
+              <a:t>Next, WinUI apps only support C# and C++. There’s no support for VB or F#. Like I mentioned with WPF, you could create a minimal UI project with only views, and reference a VB or F# project to access the view models and the rest of your code.</a:t>
             </a:r>
           </a:p>
           <a:p>
@@ -1418,7 +1425,7 @@
           <a:p>
             <a:r>
               <a:rPr lang="en-US" dirty="0"/>
-              <a:t>If you’re porting a UWP app to WinUI, you’ll have to leave the Xbox and HoloLens support behind. WinUI is Windows desktop only.</a:t>
+              <a:t>If you’re porting a UWP app to WinUI, you’ll have to leave the Xbox and HoloLens support behind. WinUI is Windows desktop only, unless you’re using something like Uno Platform.</a:t>
             </a:r>
           </a:p>
           <a:p>
@@ -1427,7 +1434,7 @@
           <a:p>
             <a:r>
               <a:rPr lang="en-US" dirty="0"/>
-              <a:t>Finally, another highly requested feature on the team’s GitHub repo is data validation for WinUI controls. This one could make it into the framework eventually, as there was an implementation started while WinUI 3’s first release was still in preview. If you pick up a copy of my WinUI book, I add data validation to an app with a workaround that’s easy to add to your own apps.</a:t>
+              <a:t>Finally, another highly requested feature on the team’s GitHub repo is data validation for WinUI controls. This one could make it into the framework eventually, as there was an implementation started while WinUI 3’s first release was still in preview. If you have a copy of my WinUI book, I added data validation to an app using a workaround that’s easy to add to your own apps.</a:t>
             </a:r>
           </a:p>
           <a:p>
@@ -1508,7 +1515,7 @@
             </a:r>
             <a:r>
               <a:rPr lang="en-US" dirty="0"/>
-              <a:t>.</a:t>
+              <a:t>, which is just days away from retirement.</a:t>
             </a:r>
           </a:p>
           <a:p>
@@ -1517,7 +1524,7 @@
           <a:p>
             <a:r>
               <a:rPr lang="en-US" dirty="0"/>
-              <a:t>MAUI apps can be deployed to Windows, Android, iOS, macOS, and Samsung Tizen devices (watches and TVs). Linux is often requested, but it’s not yet supported.</a:t>
+              <a:t>MAUI apps can be deployed to Windows, Android, iOS, macOS, and Samsung Tizen devices (watches and TVs). Linux support is often requested, but it’s not yet supported.</a:t>
             </a:r>
           </a:p>
           <a:p>
@@ -1526,7 +1533,7 @@
           <a:p>
             <a:r>
               <a:rPr lang="en-US" dirty="0"/>
-              <a:t>With MAUI, you can create a single codebase to target all platforms.</a:t>
+              <a:t>With MAUI, you can create a single codebase to target all their supported platforms.</a:t>
             </a:r>
           </a:p>
           <a:p>
@@ -1538,7 +1545,7 @@
           <a:p>
             <a:r>
               <a:rPr lang="en-US" dirty="0"/>
-              <a:t>  - MAUI also has helpers to wrap many common device functions (file system, camera, </a:t>
+              <a:t>  - MAUI also has helpers to wrap many common device functions (like accessing the file system, camera, location, </a:t>
             </a:r>
             <a:r>
               <a:rPr lang="en-US" dirty="0" err="1"/>
@@ -1569,7 +1576,7 @@
           <a:p>
             <a:r>
               <a:rPr lang="en-US" dirty="0"/>
-              <a:t>If you’ve built other XAML apps, picking up .NET MAUI is pretty simple. It supports MVVM for separate of concerns and data binding.</a:t>
+              <a:t>If you’ve built other XAML apps, picking up .NET MAUI is pretty simple. The layout, styling, and binding are all similar. Some controls have slightly different names. It supports MVVM for separate of concerns and data binding.</a:t>
             </a:r>
           </a:p>
           <a:p>
@@ -1587,7 +1594,7 @@
           <a:p>
             <a:r>
               <a:rPr lang="en-US" dirty="0"/>
-              <a:t>When MAUI apps are compiled and deployed to Windows, they’re WinUI under the covers.</a:t>
+              <a:t>When a MAUI app is compiled and deployed to Windows, it’s creating a WinUI app under the covers. So, the MAUI team is dependent on the WinUI team for any native Windows controls to be available. Having the Map control now available in WinUI helps MAUI developers too.</a:t>
             </a:r>
           </a:p>
           <a:p>
@@ -1596,7 +1603,7 @@
           <a:p>
             <a:r>
               <a:rPr lang="en-US" dirty="0"/>
-              <a:t>There’s also a Blazor Hybrid app template for .NET MAUI. This allows you to build your UI in Razor components which get hosted inside a custom WebView control in the MAUI host. We’ll also touch on Blazor Hybrid apps for desktop in a bit. You can take the same approach on desktop with WPF or WinForms WebView hosts.</a:t>
+              <a:t>There’s also a Blazor Hybrid app template for .NET MAUI. This allows you to build your UI with Razor components which get hosted inside a custom WebView control in the MAUI host app. We’ll also touch on building Blazor Hybrid apps for Windows later. You’ll see how you can take the Blazor Hybrid approach on desktop with WPF or WinForms WebView hosts.</a:t>
             </a:r>
           </a:p>
         </p:txBody>
@@ -1660,7 +1667,7 @@
           <a:p>
             <a:r>
               <a:rPr lang="en-US" dirty="0"/>
-              <a:t>MAUI drawbacks…</a:t>
+              <a:t>Some MAUI drawbacks…</a:t>
             </a:r>
           </a:p>
           <a:p>
@@ -1669,7 +1676,7 @@
           <a:p>
             <a:r>
               <a:rPr lang="en-US" dirty="0"/>
-              <a:t>The more platform-specific code your apps needs, the more complex it’s going to get. If you’re relying on device hardware access extensively, be prepared to have some per-platform implementations.</a:t>
+              <a:t>The more platform-specific code your apps needs, the more complex your project will get. If you’re relying extensively on device hardware features, be prepared to have some platform-specific implementations to maintain in your code.</a:t>
             </a:r>
           </a:p>
           <a:p>
@@ -1678,7 +1685,7 @@
           <a:p>
             <a:r>
               <a:rPr lang="en-US" dirty="0"/>
-              <a:t>Like WinUI, there’s no XAML designer to build your UI.</a:t>
+              <a:t>Like WinUI, there’s no XAML designer to build your UI. You will need to rely on Visual Studio Hot Reload.</a:t>
             </a:r>
           </a:p>
           <a:p>
@@ -1696,7 +1703,7 @@
           <a:p>
             <a:r>
               <a:rPr lang="en-US" dirty="0"/>
-              <a:t>More people are using MAUI for iOS &amp; Android than they are for Windows. The team’s top priority now is getting developers ported from Xamarin to MAUI, as support for Xamarin ends this spring. So, Windows features in the backlog are probably not high on the list.</a:t>
+              <a:t>Today, more developers are using MAUI for iOS &amp; Android than they are for Windows. The team’s top priority now is getting developers ported from Xamarin to MAUI, as support for Xamarin ends in a few days. So, Windows features and non-critical bugs in the backlog are probably not high on the list.</a:t>
             </a:r>
           </a:p>
           <a:p>
@@ -1813,7 +1820,7 @@
           <a:p>
             <a:r>
               <a:rPr lang="en-US" dirty="0"/>
-              <a:t>With Uno, you can use </a:t>
+              <a:t>With Uno, you can even use </a:t>
             </a:r>
             <a:r>
               <a:rPr lang="en-US" dirty="0" err="1"/>
@@ -1848,7 +1855,7 @@
           <a:p>
             <a:r>
               <a:rPr lang="en-US" dirty="0"/>
-              <a:t>They have a Figma plugin so your design team can design your app screens and generate your Uno pages.</a:t>
+              <a:t>Uno has a Figma plugin so your design team can design your app screens and generate your Uno pages.</a:t>
             </a:r>
           </a:p>
           <a:p>
@@ -1857,7 +1864,7 @@
           <a:p>
             <a:r>
               <a:rPr lang="en-US" dirty="0"/>
-              <a:t>Uno can create apps with Fluent, Material or Cupertino look and feel.</a:t>
+              <a:t>Uno can create apps with Microsoft Fluent, Google Material or Apple’s Cupertino look and feel.</a:t>
             </a:r>
           </a:p>
           <a:p>
@@ -1866,7 +1873,7 @@
           <a:p>
             <a:r>
               <a:rPr lang="en-US" dirty="0"/>
-              <a:t>Uno has plugins for Visual Studio, VS Code or JetBrains Rider. So, you can choose your preferred editor.</a:t>
+              <a:t>Uno has plugins for Visual Studio, VS Code or JetBrains Rider. So, you can build apps with your favorite editor or IDE.</a:t>
             </a:r>
           </a:p>
         </p:txBody>
@@ -1982,7 +1989,7 @@
           <a:p>
             <a:r>
               <a:rPr lang="en-US" dirty="0"/>
-              <a:t>Again there’s no XAML designer.</a:t>
+              <a:t>Like with WinUI and .NET MAUI, there’s no XAML designer.</a:t>
             </a:r>
           </a:p>
           <a:p>
@@ -1991,7 +1998,7 @@
           <a:p>
             <a:r>
               <a:rPr lang="en-US" dirty="0"/>
-              <a:t>The platform-specific code issue we’ve discussed with MAUI.</a:t>
+              <a:t>You have the platform-specific code issue we discussed with MAUI app development.</a:t>
             </a:r>
           </a:p>
           <a:p>
@@ -2000,7 +2007,7 @@
           <a:p>
             <a:r>
               <a:rPr lang="en-US" dirty="0"/>
-              <a:t>And the cross-platform vs native performance concerns we discussed with MAUI.</a:t>
+              <a:t>And there are similar cross-platform vs native performance concerns we discussed with MAUI.</a:t>
             </a:r>
           </a:p>
           <a:p>
@@ -2009,7 +2016,7 @@
           <a:p>
             <a:r>
               <a:rPr lang="en-US" dirty="0"/>
-              <a:t>Let’s take a quick look at the Uno version of our WinUI shopping list app.</a:t>
+              <a:t>Let’s take a quick look at the Uno version of our WinUI shopping list app. If there’s time, we’ll bring up the new project wizard to look at the options there.</a:t>
             </a:r>
           </a:p>
         </p:txBody>
@@ -2100,7 +2107,7 @@
           <a:p>
             <a:r>
               <a:rPr lang="en-US" dirty="0"/>
-              <a:t>  - You’re building web and using .NET.</a:t>
+              <a:t>  - You’re building web and using .NET. Your app can consume any other modern .NET libraries.</a:t>
             </a:r>
           </a:p>
           <a:p>
@@ -2201,78 +2208,34 @@
           <a:bodyPr/>
           <a:lstStyle/>
           <a:p>
-            <a:r>
-              <a:rPr lang="en-US" dirty="0"/>
-              <a:t>A little background about me…</a:t>
-            </a:r>
-          </a:p>
-          <a:p>
-            <a:endParaRPr lang="en-US" dirty="0"/>
-          </a:p>
-          <a:p>
-            <a:r>
-              <a:rPr lang="en-US" dirty="0"/>
-              <a:t>For those who don’t know me, I’ve been in the software industry since 1995, with most of that time (over 25) years spent as a developer and architect using various Microsoft technologies.</a:t>
-            </a:r>
-          </a:p>
-          <a:p>
-            <a:endParaRPr lang="en-US" dirty="0"/>
-          </a:p>
-          <a:p>
-            <a:r>
-              <a:rPr lang="en-US" dirty="0"/>
-              <a:t>Some of you may also be familiar with my blog, the Morning Dew, where I’ve been posting daily links for .NET developers since 2007.</a:t>
-            </a:r>
-          </a:p>
-          <a:p>
-            <a:endParaRPr lang="en-US" dirty="0"/>
-          </a:p>
-          <a:p>
-            <a:r>
-              <a:rPr lang="en-US" dirty="0"/>
-              <a:t>I also have three books from </a:t>
+            <a:pPr marL="0" marR="0" lvl="0" indent="0" algn="l" defTabSz="914400" rtl="0" eaLnBrk="1" fontAlgn="auto" latinLnBrk="0" hangingPunct="1">
+              <a:lnSpc>
+                <a:spcPct val="100000"/>
+              </a:lnSpc>
+              <a:spcBef>
+                <a:spcPts val="0"/>
+              </a:spcBef>
+              <a:spcAft>
+                <a:spcPts val="0"/>
+              </a:spcAft>
+              <a:buClrTx/>
+              <a:buSzTx/>
+              <a:buFontTx/>
+              <a:buNone/>
+              <a:tabLst/>
+              <a:defRPr/>
+            </a:pPr>
+            <a:r>
+              <a:rPr lang="en-US" dirty="0"/>
+              <a:t>Make sure you do your session surveys this week. </a:t>
             </a:r>
             <a:r>
               <a:rPr lang="en-US" dirty="0" err="1"/>
-              <a:t>Packt</a:t>
-            </a:r>
-            <a:r>
-              <a:rPr lang="en-US" dirty="0"/>
-              <a:t> Publishing. You can check those out on </a:t>
-            </a:r>
-            <a:r>
-              <a:rPr lang="en-US" dirty="0" err="1"/>
-              <a:t>Packt’s</a:t>
-            </a:r>
-            <a:r>
-              <a:rPr lang="en-US" dirty="0"/>
-              <a:t> website or on Amazon. Just search for my name.</a:t>
-            </a:r>
-          </a:p>
-          <a:p>
-            <a:endParaRPr lang="en-US" dirty="0"/>
-          </a:p>
-          <a:p>
-            <a:r>
-              <a:rPr lang="en-US" dirty="0"/>
-              <a:t>Writing those books led me to pivot my career to technical writing. I joined Microsoft two years ago as a content developer. I write documentation, training modules, and code samples on Microsoft Learn. I work on the Windows developer docs team, helping to maintain the docs for client apps and APIs. I have another talk I give about my work as a content developer and how anyone can contribute to content on Learn through GitHub issues and PRs.</a:t>
-            </a:r>
-          </a:p>
-          <a:p>
-            <a:endParaRPr lang="en-US" dirty="0"/>
-          </a:p>
-          <a:p>
-            <a:r>
-              <a:rPr lang="en-US" dirty="0"/>
-              <a:t>Finally, I’m one of the founding organizers of the </a:t>
-            </a:r>
-            <a:r>
-              <a:rPr lang="en-US" dirty="0" err="1"/>
-              <a:t>TechBash</a:t>
-            </a:r>
-            <a:r>
-              <a:rPr lang="en-US" dirty="0"/>
-              <a:t> developer conference. We’ve been running the event in the Poconos since 2016, and…</a:t>
+              <a:t>VSLive</a:t>
+            </a:r>
+            <a:r>
+              <a:rPr lang="en-US" dirty="0"/>
+              <a:t> and everyone speaking relies on your feedback to improve and give you the best event experience.</a:t>
             </a:r>
           </a:p>
         </p:txBody>
@@ -2280,7 +2243,7 @@
     </p:spTree>
     <p:extLst>
       <p:ext uri="{BB962C8B-B14F-4D97-AF65-F5344CB8AC3E}">
-        <p14:creationId xmlns:p14="http://schemas.microsoft.com/office/powerpoint/2010/main" val="1302815556"/>
+        <p14:creationId xmlns:p14="http://schemas.microsoft.com/office/powerpoint/2010/main" val="3256425515"/>
       </p:ext>
     </p:extLst>
   </p:cSld>
@@ -2420,6 +2383,15 @@
             <a:r>
               <a:rPr lang="en-US" dirty="0"/>
               <a:t>Do the current features of each platform meet your needs? Are missing features even on the roadmap?</a:t>
+            </a:r>
+          </a:p>
+          <a:p>
+            <a:endParaRPr lang="en-US" dirty="0"/>
+          </a:p>
+          <a:p>
+            <a:r>
+              <a:rPr lang="en-US" dirty="0"/>
+              <a:t>What does Microsoft recommend? Well, if WinUI and Windows App SDK has the features you need, you should choose that. It’s the hero framework moving forward. If it doesn’t have what you need, look at WPF. It’s still getting new features and is not going anywhere. Absolutely don’t want to touch XAML and love .NET? You can use C# Markup with Uno or MAUI (and get cross-platform options) or go with the tried-and-true WinForms option.</a:t>
             </a:r>
           </a:p>
         </p:txBody>
@@ -2590,6 +2562,87 @@
 </p:notes>
 </file>
 
+<file path=ppt/notesSlides/notesSlide23.xml><?xml version="1.0" encoding="utf-8"?>
+<p:notes xmlns:a="http://schemas.openxmlformats.org/drawingml/2006/main" xmlns:r="http://schemas.openxmlformats.org/officeDocument/2006/relationships" xmlns:p="http://schemas.openxmlformats.org/presentationml/2006/main">
+  <p:cSld>
+    <p:spTree>
+      <p:nvGrpSpPr>
+        <p:cNvPr id="1" name=""/>
+        <p:cNvGrpSpPr/>
+        <p:nvPr/>
+      </p:nvGrpSpPr>
+      <p:grpSpPr>
+        <a:xfrm>
+          <a:off x="0" y="0"/>
+          <a:ext cx="0" cy="0"/>
+          <a:chOff x="0" y="0"/>
+          <a:chExt cx="0" cy="0"/>
+        </a:xfrm>
+      </p:grpSpPr>
+      <p:sp>
+        <p:nvSpPr>
+          <p:cNvPr id="2" name="Slide Image Placeholder 1"/>
+          <p:cNvSpPr>
+            <a:spLocks noGrp="1" noRot="1" noChangeAspect="1"/>
+          </p:cNvSpPr>
+          <p:nvPr>
+            <p:ph type="sldImg"/>
+          </p:nvPr>
+        </p:nvSpPr>
+        <p:spPr/>
+      </p:sp>
+      <p:sp>
+        <p:nvSpPr>
+          <p:cNvPr id="3" name="Notes Placeholder 2"/>
+          <p:cNvSpPr>
+            <a:spLocks noGrp="1"/>
+          </p:cNvSpPr>
+          <p:nvPr>
+            <p:ph type="body" idx="1"/>
+          </p:nvPr>
+        </p:nvSpPr>
+        <p:spPr/>
+        <p:txBody>
+          <a:bodyPr/>
+          <a:lstStyle/>
+          <a:p>
+            <a:r>
+              <a:rPr lang="en-US" dirty="0"/>
+              <a:t>Don’t forget to do your session survey! It helps me improve and helps </a:t>
+            </a:r>
+            <a:r>
+              <a:rPr lang="en-US" dirty="0" err="1"/>
+              <a:t>VSLive</a:t>
+            </a:r>
+            <a:r>
+              <a:rPr lang="en-US" dirty="0"/>
+              <a:t> give you the best content year after year.</a:t>
+            </a:r>
+          </a:p>
+          <a:p>
+            <a:endParaRPr lang="en-US" dirty="0"/>
+          </a:p>
+          <a:p>
+            <a:r>
+              <a:rPr lang="en-US" dirty="0"/>
+              <a:t>Thanks again for coming!</a:t>
+            </a:r>
+          </a:p>
+        </p:txBody>
+      </p:sp>
+    </p:spTree>
+    <p:extLst>
+      <p:ext uri="{BB962C8B-B14F-4D97-AF65-F5344CB8AC3E}">
+        <p14:creationId xmlns:p14="http://schemas.microsoft.com/office/powerpoint/2010/main" val="4099316497"/>
+      </p:ext>
+    </p:extLst>
+  </p:cSld>
+  <p:clrMapOvr>
+    <a:masterClrMapping/>
+  </p:clrMapOvr>
+</p:notes>
+</file>
+
 <file path=ppt/notesSlides/notesSlide3.xml><?xml version="1.0" encoding="utf-8"?>
 <p:notes xmlns:a="http://schemas.openxmlformats.org/drawingml/2006/main" xmlns:r="http://schemas.openxmlformats.org/officeDocument/2006/relationships" xmlns:p="http://schemas.openxmlformats.org/presentationml/2006/main">
   <p:cSld>
@@ -2636,7 +2689,7 @@
           <a:p>
             <a:r>
               <a:rPr lang="en-US" dirty="0"/>
-              <a:t>Our next event, TechBash 2024, is coming up in September.</a:t>
+              <a:t>A little background about me…</a:t>
             </a:r>
           </a:p>
           <a:p>
@@ -2645,15 +2698,41 @@
           <a:p>
             <a:r>
               <a:rPr lang="en-US" dirty="0"/>
-              <a:t>It’s a conference at the Kalahari Resort in the Poconos with 3-day and 4-day options. We have an awesome time every year. It has the food, speakers, and content of a big event like </a:t>
+              <a:t>For those who don’t know me, I’ve been in the software industry since 1995, with most of that time (over 25) years spent as a developer and architect using various Microsoft technologies.</a:t>
+            </a:r>
+          </a:p>
+          <a:p>
+            <a:endParaRPr lang="en-US" dirty="0"/>
+          </a:p>
+          <a:p>
+            <a:r>
+              <a:rPr lang="en-US" dirty="0"/>
+              <a:t>Some of you may also be familiar with my blog, the Morning Dew, where I’ve been posting daily links for .NET developers since 2007.</a:t>
+            </a:r>
+          </a:p>
+          <a:p>
+            <a:endParaRPr lang="en-US" dirty="0"/>
+          </a:p>
+          <a:p>
+            <a:r>
+              <a:rPr lang="en-US" dirty="0"/>
+              <a:t>I also have three books from </a:t>
             </a:r>
             <a:r>
               <a:rPr lang="en-US" dirty="0" err="1"/>
-              <a:t>VSLive</a:t>
-            </a:r>
-            <a:r>
-              <a:rPr lang="en-US" dirty="0"/>
-              <a:t> or Microsoft Build with a size of a large code camp or other regional conference. You can bring your whole family for the water park, Thursday Game Night, and our Friday Family Day sessions for kids.</a:t>
+              <a:t>Packt</a:t>
+            </a:r>
+            <a:r>
+              <a:rPr lang="en-US" dirty="0"/>
+              <a:t> Publishing. You can check those out on </a:t>
+            </a:r>
+            <a:r>
+              <a:rPr lang="en-US" dirty="0" err="1"/>
+              <a:t>Packt’s</a:t>
+            </a:r>
+            <a:r>
+              <a:rPr lang="en-US" dirty="0"/>
+              <a:t> website or on Amazon. Just search for my name.</a:t>
             </a:r>
           </a:p>
           <a:p>
@@ -2662,46 +2741,32 @@
           <a:p>
             <a:r>
               <a:rPr lang="en-US" dirty="0"/>
-              <a:t>Early bird registration opened earlier this month and ends on May 21</a:t>
-            </a:r>
-            <a:r>
-              <a:rPr lang="en-US" baseline="30000" dirty="0"/>
-              <a:t>st</a:t>
-            </a:r>
-            <a:r>
-              <a:rPr lang="en-US" dirty="0"/>
-              <a:t>.</a:t>
-            </a:r>
-          </a:p>
-        </p:txBody>
-      </p:sp>
-      <p:sp>
-        <p:nvSpPr>
-          <p:cNvPr id="4" name="Slide Number Placeholder 3"/>
-          <p:cNvSpPr>
-            <a:spLocks noGrp="1"/>
-          </p:cNvSpPr>
-          <p:nvPr>
-            <p:ph type="sldNum" sz="quarter" idx="5"/>
-          </p:nvPr>
-        </p:nvSpPr>
-        <p:spPr/>
-        <p:txBody>
-          <a:bodyPr/>
-          <a:lstStyle/>
-          <a:p>
-            <a:fld id="{4417764B-67F0-44E0-8197-7599ED6060F2}" type="slidenum">
-              <a:rPr lang="en-US" smtClean="0"/>
-              <a:t>4</a:t>
-            </a:fld>
-            <a:endParaRPr lang="en-US"/>
+              <a:t>Writing those books led me to pivot my career to technical writing. I joined Microsoft two years ago as a content developer. I write documentation, training modules, and code samples on Microsoft Learn. I work on the Windows developer docs team, helping to maintain the docs for client apps and APIs. I have another talk I give about my work as a content developer and how anyone can contribute to content on Learn through GitHub issues and PRs.</a:t>
+            </a:r>
+          </a:p>
+          <a:p>
+            <a:endParaRPr lang="en-US" dirty="0"/>
+          </a:p>
+          <a:p>
+            <a:r>
+              <a:rPr lang="en-US" dirty="0"/>
+              <a:t>Finally, I’m one of the founding organizers of the </a:t>
+            </a:r>
+            <a:r>
+              <a:rPr lang="en-US" dirty="0" err="1"/>
+              <a:t>TechBash</a:t>
+            </a:r>
+            <a:r>
+              <a:rPr lang="en-US" dirty="0"/>
+              <a:t> developer conference. We’ve been running the event in the Poconos since 2016, and…</a:t>
+            </a:r>
           </a:p>
         </p:txBody>
       </p:sp>
     </p:spTree>
     <p:extLst>
       <p:ext uri="{BB962C8B-B14F-4D97-AF65-F5344CB8AC3E}">
-        <p14:creationId xmlns:p14="http://schemas.microsoft.com/office/powerpoint/2010/main" val="625774252"/>
+        <p14:creationId xmlns:p14="http://schemas.microsoft.com/office/powerpoint/2010/main" val="1302815556"/>
       </p:ext>
     </p:extLst>
   </p:cSld>
@@ -2766,7 +2831,7 @@
           <a:p>
             <a:r>
               <a:rPr lang="en-US" dirty="0"/>
-              <a:t>We’ll start with a brief review of the history of Windows development since the introduction of .NET.</a:t>
+              <a:t>We’ll start with a brief review of the history of Windows development since the introduction of .NET in the early 2000s.</a:t>
             </a:r>
           </a:p>
           <a:p>
@@ -3068,7 +3133,7 @@
           <a:p>
             <a:r>
               <a:rPr lang="en-US" dirty="0"/>
-              <a:t>The top right image is a screenshot of my Windows File Explorer in Windows 11. The new builds of Windows 11 have a File Explorer that is built with WinUI. Microsoft and some key partners like Apple and Adobe have been using WinUI 3 to create some desktop apps in the last year or so. The Apple Music app is the last image here. You can download that, as well as Apple TV and Apple Devices apps from the Microsoft Store. All three were built with WinUI 3 and the Windows App SDK. Adobe’s WinUI app is Fresco, if you want to check that out.</a:t>
+              <a:t>The top right image is a screenshot of my Windows File Explorer in Windows 11. The new builds of Windows 11 have a File Explorer that is built with WinUI. Microsoft and some key partners like Apple and Adobe have been using WinUI and Windows App SDK to create some desktop apps in the last year or so. The Apple Music app is the last image here. You can download Apple Music, as well as Apple TV and Apple Devices apps from the Microsoft Store. All three were built with WinUI. Adobe’s WinUI app is Fresco, you can check that out on the Microsoft Store.</a:t>
             </a:r>
           </a:p>
         </p:txBody>
@@ -3132,7 +3197,7 @@
           <a:p>
             <a:r>
               <a:rPr lang="en-US" dirty="0"/>
-              <a:t>Let’s get into the details, starting with WinForms…</a:t>
+              <a:t>Let’s get into the details of each framework, starting with Windows Forms…</a:t>
             </a:r>
           </a:p>
           <a:p>
@@ -3141,7 +3206,7 @@
           <a:p>
             <a:r>
               <a:rPr lang="en-US" dirty="0"/>
-              <a:t>Developers love WinForms because it lets you build simple apps fast. It has a visual drag &amp; drop designer to build your UI, and everything is C# (or VB) code. </a:t>
+              <a:t>Developers love WinForms because it lets you build simple apps fast. It has a visual drag &amp; drop designer to build your UI, and everything is C# (or VB) code. There’s no separate language or markup to construct the UI.</a:t>
             </a:r>
           </a:p>
           <a:p>
@@ -3150,7 +3215,7 @@
           <a:p>
             <a:r>
               <a:rPr lang="en-US" dirty="0"/>
-              <a:t>Like we saw on the last slide, there has been strong 3</a:t>
+              <a:t>As we saw on the previous slide, there has been strong 3</a:t>
             </a:r>
             <a:r>
               <a:rPr lang="en-US" baseline="30000" dirty="0"/>
@@ -3158,7 +3223,7 @@
             </a:r>
             <a:r>
               <a:rPr lang="en-US" dirty="0"/>
-              <a:t> party support for WinForms controls and other components for years.</a:t>
+              <a:t> party support for WinForms controls for years.</a:t>
             </a:r>
           </a:p>
           <a:p>
@@ -3167,7 +3232,7 @@
           <a:p>
             <a:r>
               <a:rPr lang="en-US" dirty="0"/>
-              <a:t>There are two options for creating a new WinForms project. Most of you will want to select the modern .NET option ( that’s .NET 8 today), but you still do have the options to create a new WinForms project on .NET Framework 4.8. If you have clients running unsupported Windows 7 machines, you can still build and maintain .NET client apps for them.</a:t>
+              <a:t>You have two options for creating a new WinForms project. Most of you will want to select the modern .NET option ( that’s .NET 8 today), but you still do have the option to create a new WinForms project on .NET Framework. If you have clients running unsupported Windows 7 machines, you can still build and maintain .NET client apps for them.</a:t>
             </a:r>
           </a:p>
           <a:p>
@@ -3176,7 +3241,7 @@
           <a:p>
             <a:r>
               <a:rPr lang="en-US" dirty="0"/>
-              <a:t>If you have existing .NET Framework WinForms apps, Microsoft has a .NET Upgrade tool you can use to move them to .NET 8. This tool can also upgrade legacy WPF apps to .NET 8 WPF, </a:t>
+              <a:t>If you have existing .NET Framework WinForms apps that you’d like to modernize, Microsoft has a .NET Upgrade tool you can use to move them to .NET 8 to take advantage of the performance and features of today’s .NET. This tool can also upgrade legacy WPF apps to .NET 8 WPF, </a:t>
             </a:r>
             <a:r>
               <a:rPr lang="en-US" dirty="0" err="1"/>
@@ -3184,7 +3249,7 @@
             </a:r>
             <a:r>
               <a:rPr lang="en-US" dirty="0"/>
-              <a:t> apps to .NET MAUI, or UWP apps to WinUI 3.</a:t>
+              <a:t> apps to .NET MAUI, or UWP apps to WinUI.</a:t>
             </a:r>
           </a:p>
           <a:p>
@@ -3202,7 +3267,7 @@
           <a:p>
             <a:r>
               <a:rPr lang="en-US" dirty="0"/>
-              <a:t>There’s no XAML, CSS, or any other UI language to learn. Every .NET developer can be a WinForms developers.</a:t>
+              <a:t>Because there’s no XAML, CSS, or any other UI language to learn. Every .NET developer can be a WinForms developers.</a:t>
             </a:r>
           </a:p>
         </p:txBody>
@@ -3266,7 +3331,7 @@
           <a:p>
             <a:r>
               <a:rPr lang="en-US" dirty="0"/>
-              <a:t>Let’s briefly touch on a few reasons why you may decide not to choose Windows Forms, and then we’ll look at the code.</a:t>
+              <a:t>Let’s briefly touch on a few reasons why you may decide not to choose Windows Forms, and then we’ll look at some code.</a:t>
             </a:r>
           </a:p>
           <a:p>
@@ -3275,7 +3340,7 @@
           <a:p>
             <a:r>
               <a:rPr lang="en-US" dirty="0"/>
-              <a:t>Without any custom theming applied, it looks dated. It’s had some updates to improve the UI a bit since Windows XP, but you won’t be implementing Microsoft Fluent Design or Google’s Material Design in a WinForms app any time soon.</a:t>
+              <a:t>Without any custom theming applied, WinForms looks dated. It’s had some updates to improve the UI a bit since Windows XP, but you won’t be implementing Microsoft Fluent Design or Google’s Material Design in a WinForms app any time soon.</a:t>
             </a:r>
           </a:p>
           <a:p>
@@ -3284,7 +3349,7 @@
           <a:p>
             <a:r>
               <a:rPr lang="en-US" dirty="0"/>
-              <a:t>The XAML-based languages can take advantage of rendering on modern GPUs, improving the performance of complex UIs.</a:t>
+              <a:t>The XAML-based frameworks can take advantage of rendering on modern GPUs, improving the performance of complex UIs.</a:t>
             </a:r>
           </a:p>
           <a:p>
@@ -3302,7 +3367,7 @@
           <a:p>
             <a:r>
               <a:rPr lang="en-US" dirty="0"/>
-              <a:t>There’s no built-in support for switching between light &amp; dark themes when users update their Windows theme. We saw that there are some 3</a:t>
+              <a:t>There’s no built-in support for switching between light &amp; dark themes when users update their Windows theme. We saw earlier that there are some 3</a:t>
             </a:r>
             <a:r>
               <a:rPr lang="en-US" baseline="30000" dirty="0"/>
@@ -3319,7 +3384,7 @@
           <a:p>
             <a:r>
               <a:rPr lang="en-US" dirty="0"/>
-              <a:t>It’s also not great for touch input or ink support with pen input on touch devices.</a:t>
+              <a:t>It’s also not the best choice if touch input or ink are important to your users.</a:t>
             </a:r>
           </a:p>
           <a:p>
@@ -3392,7 +3457,7 @@
           <a:p>
             <a:r>
               <a:rPr lang="en-US" dirty="0"/>
-              <a:t>Next up is WPF…</a:t>
+              <a:t>Next up is the Windows Presentation Foundation or WPF…</a:t>
             </a:r>
           </a:p>
           <a:p>
@@ -3410,7 +3475,7 @@
           <a:p>
             <a:r>
               <a:rPr lang="en-US" dirty="0"/>
-              <a:t>Visual Studio provides a UI designer for WPF, as well as XAML Hot Reload for making simple changes while debugging without having to stop and start your debugging session. It also has tool to debug data binding errors and for analyzing the WPF visual tree – that’s the hierarchy of controls/elements in the UI.</a:t>
+              <a:t>Visual Studio provides a UI designer for WPF, as well as XAML Hot Reload for making simple UI changes while debugging without having to stop and start your debugging session. Visual Studio doesn’t always generate the best XAML when adding or moving items in the designer, but it’s a great tool for learning or to use as a preview tool when manually editing the XAML.</a:t>
             </a:r>
           </a:p>
           <a:p>
@@ -3419,24 +3484,33 @@
           <a:p>
             <a:r>
               <a:rPr lang="en-US" dirty="0"/>
-              <a:t>As previously mentioned, XAML-based UIs are GPU accelerated, being rendered on in the DirectX pipeline.</a:t>
+              <a:t>As I mentioned on the WinForms slide, XAML-based UIs are GPU accelerated, being rendered on in the DirectX pipeline. This helps with UI rendering performance.</a:t>
             </a:r>
           </a:p>
           <a:p>
             <a:endParaRPr lang="en-US" dirty="0"/>
           </a:p>
           <a:p>
-            <a:r>
-              <a:rPr lang="en-US" dirty="0"/>
-              <a:t>Data binding in WPF is extremely powerful and lends itself to using the Model-View-</a:t>
-            </a:r>
-            <a:r>
-              <a:rPr lang="en-US" dirty="0" err="1"/>
-              <a:t>ViewModel</a:t>
-            </a:r>
-            <a:r>
-              <a:rPr lang="en-US" dirty="0"/>
-              <a:t> (or MVVM) pattern. If you catch my session here next month, we’ll spend some time talking about the advantages of MVVM with WinUI.</a:t>
+            <a:pPr marL="0" marR="0" lvl="0" indent="0" algn="l" defTabSz="914400" rtl="0" eaLnBrk="1" fontAlgn="auto" latinLnBrk="0" hangingPunct="1">
+              <a:lnSpc>
+                <a:spcPct val="100000"/>
+              </a:lnSpc>
+              <a:spcBef>
+                <a:spcPts val="0"/>
+              </a:spcBef>
+              <a:spcAft>
+                <a:spcPts val="0"/>
+              </a:spcAft>
+              <a:buClrTx/>
+              <a:buSzTx/>
+              <a:buFontTx/>
+              <a:buNone/>
+              <a:tabLst/>
+              <a:defRPr/>
+            </a:pPr>
+            <a:r>
+              <a:rPr lang="en-US" dirty="0"/>
+              <a:t>Data binding in WPF is extremely powerful and lends itself to using the Model-View-ViewModel (or MVVM) pattern. Visual Studio also has tools for debugging data binding errors and for analyzing the WPF visual tree – that’s the hierarchy of controls/elements in the UI.</a:t>
             </a:r>
           </a:p>
           <a:p>
@@ -3445,7 +3519,7 @@
           <a:p>
             <a:r>
               <a:rPr lang="en-US" dirty="0"/>
-              <a:t>Like WinForms, WPF has .NET and .NET Framework project options and extensive 3</a:t>
+              <a:t>Like WinForms, WPF has modern .NET and .NET Framework project options and extensive 3</a:t>
             </a:r>
             <a:r>
               <a:rPr lang="en-US" baseline="30000" dirty="0"/>
@@ -3453,7 +3527,7 @@
             </a:r>
             <a:r>
               <a:rPr lang="en-US" dirty="0"/>
-              <a:t> party product support. It’s under active development, and if you check out the roadmap on GitHub, you’ll see that they’re working on built-in theming support for Windows 11.</a:t>
+              <a:t> party product support. It’s under active development, and if you check out the roadmap on GitHub, you’ll see that they’re working on built-in theming support for Windows 11. WPF apps will finally have a more modern look out-of-the-box.</a:t>
             </a:r>
           </a:p>
           <a:p>
@@ -3659,7 +3733,7 @@
           <a:p>
             <a:fld id="{D088F999-7A4E-6B4F-9FED-EF75B73AD044}" type="datetimeFigureOut">
               <a:rPr lang="en-US" smtClean="0"/>
-              <a:t>4/27/2024</a:t>
+              <a:t>4/28/2024</a:t>
             </a:fld>
             <a:endParaRPr lang="en-US"/>
           </a:p>
@@ -3827,7 +3901,7 @@
           <a:p>
             <a:fld id="{D088F999-7A4E-6B4F-9FED-EF75B73AD044}" type="datetimeFigureOut">
               <a:rPr lang="en-US" smtClean="0"/>
-              <a:t>4/27/2024</a:t>
+              <a:t>4/28/2024</a:t>
             </a:fld>
             <a:endParaRPr lang="en-US"/>
           </a:p>
@@ -4005,7 +4079,7 @@
           <a:p>
             <a:fld id="{D088F999-7A4E-6B4F-9FED-EF75B73AD044}" type="datetimeFigureOut">
               <a:rPr lang="en-US" smtClean="0"/>
-              <a:t>4/27/2024</a:t>
+              <a:t>4/28/2024</a:t>
             </a:fld>
             <a:endParaRPr lang="en-US"/>
           </a:p>
@@ -4174,7 +4248,7 @@
             <a:fld id="{3FE51E94-D08C-431E-88FC-7EB62E529A19}" type="datetimeFigureOut">
               <a:rPr lang="en-US" smtClean="0"/>
               <a:pPr/>
-              <a:t>4/27/2024</a:t>
+              <a:t>4/28/2024</a:t>
             </a:fld>
             <a:endParaRPr lang="en-US"/>
           </a:p>
@@ -4343,7 +4417,7 @@
           <a:p>
             <a:fld id="{D088F999-7A4E-6B4F-9FED-EF75B73AD044}" type="datetimeFigureOut">
               <a:rPr lang="en-US" smtClean="0"/>
-              <a:t>4/27/2024</a:t>
+              <a:t>4/28/2024</a:t>
             </a:fld>
             <a:endParaRPr lang="en-US"/>
           </a:p>
@@ -4588,7 +4662,7 @@
           <a:p>
             <a:fld id="{D088F999-7A4E-6B4F-9FED-EF75B73AD044}" type="datetimeFigureOut">
               <a:rPr lang="en-US" smtClean="0"/>
-              <a:t>4/27/2024</a:t>
+              <a:t>4/28/2024</a:t>
             </a:fld>
             <a:endParaRPr lang="en-US"/>
           </a:p>
@@ -4873,7 +4947,7 @@
           <a:p>
             <a:fld id="{D088F999-7A4E-6B4F-9FED-EF75B73AD044}" type="datetimeFigureOut">
               <a:rPr lang="en-US" smtClean="0"/>
-              <a:t>4/27/2024</a:t>
+              <a:t>4/28/2024</a:t>
             </a:fld>
             <a:endParaRPr lang="en-US"/>
           </a:p>
@@ -5292,7 +5366,7 @@
           <a:p>
             <a:fld id="{D088F999-7A4E-6B4F-9FED-EF75B73AD044}" type="datetimeFigureOut">
               <a:rPr lang="en-US" smtClean="0"/>
-              <a:t>4/27/2024</a:t>
+              <a:t>4/28/2024</a:t>
             </a:fld>
             <a:endParaRPr lang="en-US"/>
           </a:p>
@@ -5409,7 +5483,7 @@
           <a:p>
             <a:fld id="{D088F999-7A4E-6B4F-9FED-EF75B73AD044}" type="datetimeFigureOut">
               <a:rPr lang="en-US" smtClean="0"/>
-              <a:t>4/27/2024</a:t>
+              <a:t>4/28/2024</a:t>
             </a:fld>
             <a:endParaRPr lang="en-US"/>
           </a:p>
@@ -5504,7 +5578,7 @@
           <a:p>
             <a:fld id="{D088F999-7A4E-6B4F-9FED-EF75B73AD044}" type="datetimeFigureOut">
               <a:rPr lang="en-US" smtClean="0"/>
-              <a:t>4/27/2024</a:t>
+              <a:t>4/28/2024</a:t>
             </a:fld>
             <a:endParaRPr lang="en-US"/>
           </a:p>
@@ -5779,7 +5853,7 @@
           <a:p>
             <a:fld id="{D088F999-7A4E-6B4F-9FED-EF75B73AD044}" type="datetimeFigureOut">
               <a:rPr lang="en-US" smtClean="0"/>
-              <a:t>4/27/2024</a:t>
+              <a:t>4/28/2024</a:t>
             </a:fld>
             <a:endParaRPr lang="en-US"/>
           </a:p>
@@ -6031,7 +6105,7 @@
           <a:p>
             <a:fld id="{D088F999-7A4E-6B4F-9FED-EF75B73AD044}" type="datetimeFigureOut">
               <a:rPr lang="en-US" smtClean="0"/>
-              <a:t>4/27/2024</a:t>
+              <a:t>4/28/2024</a:t>
             </a:fld>
             <a:endParaRPr lang="en-US"/>
           </a:p>
@@ -6251,7 +6325,7 @@
           <a:p>
             <a:fld id="{D088F999-7A4E-6B4F-9FED-EF75B73AD044}" type="datetimeFigureOut">
               <a:rPr lang="en-US" smtClean="0"/>
-              <a:t>4/27/2024</a:t>
+              <a:t>4/28/2024</a:t>
             </a:fld>
             <a:endParaRPr lang="en-US"/>
           </a:p>
@@ -6768,7 +6842,7 @@
           <a:p>
             <a:fld id="{D088F999-7A4E-6B4F-9FED-EF75B73AD044}" type="datetimeFigureOut">
               <a:rPr lang="en-US" smtClean="0"/>
-              <a:t>4/27/2024</a:t>
+              <a:t>4/28/2024</a:t>
             </a:fld>
             <a:endParaRPr lang="en-US"/>
           </a:p>
@@ -7746,7 +7820,7 @@
           <p:cNvPr id="2" name="Title 1">
             <a:extLst>
               <a:ext uri="{FF2B5EF4-FFF2-40B4-BE49-F238E27FC236}">
-                <a16:creationId xmlns:a16="http://schemas.microsoft.com/office/drawing/2014/main" id="{BE4103FA-2CCD-5FD0-F164-8B2FE2D92898}"/>
+                <a16:creationId xmlns:a16="http://schemas.microsoft.com/office/drawing/2014/main" id="{9C586F44-24BD-8354-F8B9-E741BA981EEF}"/>
               </a:ext>
             </a:extLst>
           </p:cNvPr>
@@ -7764,7 +7838,7 @@
           <a:p>
             <a:r>
               <a:rPr lang="en-US" dirty="0"/>
-              <a:t>WPF Advantages</a:t>
+              <a:t>WPF Drawbacks &amp; Demo</a:t>
             </a:r>
           </a:p>
         </p:txBody>
@@ -7774,7 +7848,7 @@
           <p:cNvPr id="3" name="Content Placeholder 2">
             <a:extLst>
               <a:ext uri="{FF2B5EF4-FFF2-40B4-BE49-F238E27FC236}">
-                <a16:creationId xmlns:a16="http://schemas.microsoft.com/office/drawing/2014/main" id="{1F4F14DB-B52A-E858-E88B-90E67F70DE32}"/>
+                <a16:creationId xmlns:a16="http://schemas.microsoft.com/office/drawing/2014/main" id="{A208F6D6-3F6E-3C9A-8203-971B72BF413C}"/>
               </a:ext>
             </a:extLst>
           </p:cNvPr>
@@ -7788,79 +7862,50 @@
         <p:spPr/>
         <p:txBody>
           <a:bodyPr>
-            <a:normAutofit fontScale="70000" lnSpcReduction="20000"/>
+            <a:normAutofit fontScale="85000" lnSpcReduction="10000"/>
           </a:bodyPr>
           <a:lstStyle/>
           <a:p>
             <a:r>
               <a:rPr lang="en-US" dirty="0"/>
-              <a:t>Extensible Application Markup Language (XAML) designer</a:t>
-            </a:r>
-          </a:p>
-          <a:p>
-            <a:r>
-              <a:rPr lang="en-US" dirty="0"/>
-              <a:t>XAML Hot Reload for UI debugging</a:t>
-            </a:r>
-          </a:p>
-          <a:p>
-            <a:r>
-              <a:rPr lang="en-US" dirty="0"/>
-              <a:t>GPU Accelerated UI – DirectX pipeline</a:t>
-            </a:r>
-          </a:p>
-          <a:p>
-            <a:r>
-              <a:rPr lang="en-US" dirty="0"/>
-              <a:t>Rich data binding with MVVM pattern</a:t>
-            </a:r>
-          </a:p>
-          <a:p>
-            <a:r>
-              <a:rPr lang="en-US" dirty="0"/>
-              <a:t>Modern and legacy support (.NET Framework and modern .NET)</a:t>
-            </a:r>
-          </a:p>
-          <a:p>
-            <a:r>
-              <a:rPr lang="en-US" dirty="0"/>
-              <a:t>3rd Party control and library support (Theming)</a:t>
-            </a:r>
-          </a:p>
-          <a:p>
-            <a:r>
-              <a:rPr lang="en-US" dirty="0"/>
-              <a:t>Active development</a:t>
+              <a:t>XAML learning curve</a:t>
+            </a:r>
+          </a:p>
+          <a:p>
+            <a:r>
+              <a:rPr lang="en-US" dirty="0"/>
+              <a:t>No C++ support</a:t>
+            </a:r>
+          </a:p>
+          <a:p>
+            <a:r>
+              <a:rPr lang="en-US" dirty="0"/>
+              <a:t>No dark mode switching (yet)</a:t>
+            </a:r>
+          </a:p>
+          <a:p>
+            <a:r>
+              <a:rPr lang="en-US" dirty="0"/>
+              <a:t>No current support for Fluent Design</a:t>
             </a:r>
           </a:p>
           <a:p>
             <a:pPr lvl="1"/>
             <a:r>
               <a:rPr lang="en-US" dirty="0"/>
-              <a:t>Roadmap: </a:t>
-            </a:r>
-            <a:r>
-              <a:rPr lang="en-US" dirty="0">
-                <a:hlinkClick r:id="rId3"/>
-              </a:rPr>
-              <a:t>https://github.com/dotnet/wpf/blob/main/roadmap.md</a:t>
-            </a:r>
-            <a:r>
-              <a:rPr lang="en-US" dirty="0"/>
-              <a:t> </a:t>
-            </a:r>
-          </a:p>
-          <a:p>
-            <a:pPr lvl="1"/>
-            <a:r>
-              <a:rPr lang="en-US" dirty="0"/>
-              <a:t>Windows 11 theming support</a:t>
-            </a:r>
-          </a:p>
-          <a:p>
-            <a:r>
-              <a:rPr lang="en-US" dirty="0"/>
-              <a:t>Positioned as a great choice to build native Enterprise apps</a:t>
+              <a:t>Default UI still looks like Windows Vista</a:t>
+            </a:r>
+          </a:p>
+          <a:p>
+            <a:r>
+              <a:rPr lang="en-US" dirty="0"/>
+              <a:t>Better for Touch and Pen input but not best in class</a:t>
+            </a:r>
+          </a:p>
+          <a:p>
+            <a:r>
+              <a:rPr lang="en-US" dirty="0"/>
+              <a:t>UI Performance Not as optimized as UWP/WinUI</a:t>
             </a:r>
           </a:p>
         </p:txBody>
@@ -7868,7 +7913,7 @@
     </p:spTree>
     <p:extLst>
       <p:ext uri="{BB962C8B-B14F-4D97-AF65-F5344CB8AC3E}">
-        <p14:creationId xmlns:p14="http://schemas.microsoft.com/office/powerpoint/2010/main" val="2385626814"/>
+        <p14:creationId xmlns:p14="http://schemas.microsoft.com/office/powerpoint/2010/main" val="974411094"/>
       </p:ext>
     </p:extLst>
   </p:cSld>
@@ -7900,7 +7945,7 @@
           <p:cNvPr id="2" name="Title 1">
             <a:extLst>
               <a:ext uri="{FF2B5EF4-FFF2-40B4-BE49-F238E27FC236}">
-                <a16:creationId xmlns:a16="http://schemas.microsoft.com/office/drawing/2014/main" id="{9C586F44-24BD-8354-F8B9-E741BA981EEF}"/>
+                <a16:creationId xmlns:a16="http://schemas.microsoft.com/office/drawing/2014/main" id="{ED5D97E7-1E71-0798-0A8B-07C808A7E35D}"/>
               </a:ext>
             </a:extLst>
           </p:cNvPr>
@@ -7913,12 +7958,14 @@
         </p:nvSpPr>
         <p:spPr/>
         <p:txBody>
-          <a:bodyPr/>
+          <a:bodyPr>
+            <a:normAutofit/>
+          </a:bodyPr>
           <a:lstStyle/>
           <a:p>
             <a:r>
               <a:rPr lang="en-US" dirty="0"/>
-              <a:t>WPF Drawbacks &amp; Demo</a:t>
+              <a:t>UWP Advantages</a:t>
             </a:r>
           </a:p>
         </p:txBody>
@@ -7928,7 +7975,7 @@
           <p:cNvPr id="3" name="Content Placeholder 2">
             <a:extLst>
               <a:ext uri="{FF2B5EF4-FFF2-40B4-BE49-F238E27FC236}">
-                <a16:creationId xmlns:a16="http://schemas.microsoft.com/office/drawing/2014/main" id="{A208F6D6-3F6E-3C9A-8203-971B72BF413C}"/>
+                <a16:creationId xmlns:a16="http://schemas.microsoft.com/office/drawing/2014/main" id="{AECE6A3F-2DF2-36FD-71B5-2A94CEF82E80}"/>
               </a:ext>
             </a:extLst>
           </p:cNvPr>
@@ -7942,58 +7989,145 @@
         <p:spPr/>
         <p:txBody>
           <a:bodyPr>
-            <a:normAutofit fontScale="85000" lnSpcReduction="10000"/>
+            <a:normAutofit/>
           </a:bodyPr>
           <a:lstStyle/>
           <a:p>
-            <a:r>
-              <a:rPr lang="en-US" dirty="0"/>
-              <a:t>XAML learning curve</a:t>
-            </a:r>
-          </a:p>
-          <a:p>
-            <a:r>
-              <a:rPr lang="en-US" dirty="0"/>
-              <a:t>No C++ support</a:t>
-            </a:r>
-          </a:p>
-          <a:p>
-            <a:r>
-              <a:rPr lang="en-US" dirty="0"/>
-              <a:t>No dark mode switching (yet)</a:t>
-            </a:r>
-          </a:p>
-          <a:p>
-            <a:r>
-              <a:rPr lang="en-US" dirty="0"/>
-              <a:t>No current support for Fluent Design</a:t>
-            </a:r>
-          </a:p>
-          <a:p>
-            <a:pPr lvl="1"/>
-            <a:r>
-              <a:rPr lang="en-US" dirty="0"/>
-              <a:t>Default UI still looks like Windows Vista</a:t>
-            </a:r>
-          </a:p>
-          <a:p>
-            <a:r>
-              <a:rPr lang="en-US" dirty="0"/>
-              <a:t>Better for Touch and Pen input but not best in class</a:t>
-            </a:r>
-          </a:p>
-          <a:p>
-            <a:r>
-              <a:rPr lang="en-US" dirty="0"/>
-              <a:t>UI Performance Not as optimized as UWP/WinUI</a:t>
-            </a:r>
+            <a:pPr>
+              <a:lnSpc>
+                <a:spcPct val="90000"/>
+              </a:lnSpc>
+            </a:pPr>
+            <a:r>
+              <a:rPr lang="en-US" sz="2000" dirty="0"/>
+              <a:t>.NET Native optimization</a:t>
+            </a:r>
+          </a:p>
+          <a:p>
+            <a:pPr lvl="1">
+              <a:lnSpc>
+                <a:spcPct val="90000"/>
+              </a:lnSpc>
+            </a:pPr>
+            <a:r>
+              <a:rPr lang="en-US" sz="2000" dirty="0"/>
+              <a:t>Built to perform on Windows, Xbox and Windows Phone with limited resources</a:t>
+            </a:r>
+          </a:p>
+          <a:p>
+            <a:pPr>
+              <a:lnSpc>
+                <a:spcPct val="90000"/>
+              </a:lnSpc>
+            </a:pPr>
+            <a:r>
+              <a:rPr lang="en-US" sz="2000" dirty="0"/>
+              <a:t>Xbox Support (and HoloLens</a:t>
+            </a:r>
+            <a:r>
+              <a:rPr lang="en-US" sz="2000" dirty="0">
+                <a:sym typeface="Wingdings" pitchFamily="2" charset="2"/>
+              </a:rPr>
+              <a:t>)</a:t>
+            </a:r>
+          </a:p>
+          <a:p>
+            <a:pPr>
+              <a:lnSpc>
+                <a:spcPct val="90000"/>
+              </a:lnSpc>
+            </a:pPr>
+            <a:r>
+              <a:rPr lang="en-US" sz="2000" dirty="0">
+                <a:sym typeface="Wingdings" pitchFamily="2" charset="2"/>
+              </a:rPr>
+              <a:t>XAML Designer</a:t>
+            </a:r>
+          </a:p>
+          <a:p>
+            <a:pPr>
+              <a:lnSpc>
+                <a:spcPct val="90000"/>
+              </a:lnSpc>
+            </a:pPr>
+            <a:r>
+              <a:rPr lang="en-US" sz="2000" dirty="0">
+                <a:sym typeface="Wingdings" pitchFamily="2" charset="2"/>
+              </a:rPr>
+              <a:t>Great for Touch and Pen input</a:t>
+            </a:r>
+          </a:p>
+          <a:p>
+            <a:pPr>
+              <a:lnSpc>
+                <a:spcPct val="90000"/>
+              </a:lnSpc>
+            </a:pPr>
+            <a:r>
+              <a:rPr lang="en-US" sz="2000" dirty="0">
+                <a:sym typeface="Wingdings" pitchFamily="2" charset="2"/>
+              </a:rPr>
+              <a:t>Windows Theme support (dark mode)</a:t>
+            </a:r>
+          </a:p>
+          <a:p>
+            <a:pPr>
+              <a:lnSpc>
+                <a:spcPct val="90000"/>
+              </a:lnSpc>
+            </a:pPr>
+            <a:r>
+              <a:rPr lang="en-US" sz="2000" dirty="0">
+                <a:sym typeface="Wingdings" pitchFamily="2" charset="2"/>
+              </a:rPr>
+              <a:t>Rich data binding support with MVVM</a:t>
+            </a:r>
+          </a:p>
+          <a:p>
+            <a:pPr>
+              <a:lnSpc>
+                <a:spcPct val="90000"/>
+              </a:lnSpc>
+            </a:pPr>
+            <a:r>
+              <a:rPr lang="en-US" sz="2000" dirty="0">
+                <a:sym typeface="Wingdings" pitchFamily="2" charset="2"/>
+              </a:rPr>
+              <a:t>WinUI 2.x controls and libraries (Some Fluent Design support)</a:t>
+            </a:r>
+          </a:p>
+          <a:p>
+            <a:pPr>
+              <a:lnSpc>
+                <a:spcPct val="90000"/>
+              </a:lnSpc>
+            </a:pPr>
+            <a:r>
+              <a:rPr lang="en-US" sz="2000" dirty="0">
+                <a:sym typeface="Wingdings" pitchFamily="2" charset="2"/>
+              </a:rPr>
+              <a:t>Security with Windows Sandboxing (</a:t>
+            </a:r>
+            <a:r>
+              <a:rPr lang="en-US" sz="2000" dirty="0" err="1">
+                <a:sym typeface="Wingdings" pitchFamily="2" charset="2"/>
+              </a:rPr>
+              <a:t>AppContainer</a:t>
+            </a:r>
+            <a:r>
+              <a:rPr lang="en-US" sz="2000" dirty="0">
+                <a:sym typeface="Wingdings" pitchFamily="2" charset="2"/>
+              </a:rPr>
+              <a:t>)</a:t>
+            </a:r>
+            <a:endParaRPr lang="en-US" sz="2000" dirty="0"/>
           </a:p>
         </p:txBody>
       </p:sp>
     </p:spTree>
     <p:extLst>
       <p:ext uri="{BB962C8B-B14F-4D97-AF65-F5344CB8AC3E}">
-        <p14:creationId xmlns:p14="http://schemas.microsoft.com/office/powerpoint/2010/main" val="974411094"/>
+        <p14:creationId xmlns:p14="http://schemas.microsoft.com/office/powerpoint/2010/main" val="1127881947"/>
       </p:ext>
     </p:extLst>
   </p:cSld>
@@ -8025,7 +8159,7 @@
           <p:cNvPr id="2" name="Title 1">
             <a:extLst>
               <a:ext uri="{FF2B5EF4-FFF2-40B4-BE49-F238E27FC236}">
-                <a16:creationId xmlns:a16="http://schemas.microsoft.com/office/drawing/2014/main" id="{ED5D97E7-1E71-0798-0A8B-07C808A7E35D}"/>
+                <a16:creationId xmlns:a16="http://schemas.microsoft.com/office/drawing/2014/main" id="{FAD856E5-A35D-A792-08BA-A01F67DEB838}"/>
               </a:ext>
             </a:extLst>
           </p:cNvPr>
@@ -8038,14 +8172,12 @@
         </p:nvSpPr>
         <p:spPr/>
         <p:txBody>
-          <a:bodyPr>
-            <a:normAutofit/>
-          </a:bodyPr>
+          <a:bodyPr/>
           <a:lstStyle/>
           <a:p>
             <a:r>
               <a:rPr lang="en-US" dirty="0"/>
-              <a:t>UWP Advantages</a:t>
+              <a:t>UWP Drawbacks &amp; Demo</a:t>
             </a:r>
           </a:p>
         </p:txBody>
@@ -8055,7 +8187,7 @@
           <p:cNvPr id="3" name="Content Placeholder 2">
             <a:extLst>
               <a:ext uri="{FF2B5EF4-FFF2-40B4-BE49-F238E27FC236}">
-                <a16:creationId xmlns:a16="http://schemas.microsoft.com/office/drawing/2014/main" id="{AECE6A3F-2DF2-36FD-71B5-2A94CEF82E80}"/>
+                <a16:creationId xmlns:a16="http://schemas.microsoft.com/office/drawing/2014/main" id="{4306E3B8-4377-7AC0-B97A-F9D336378422}"/>
               </a:ext>
             </a:extLst>
           </p:cNvPr>
@@ -8069,145 +8201,78 @@
         <p:spPr/>
         <p:txBody>
           <a:bodyPr>
-            <a:normAutofit/>
+            <a:normAutofit fontScale="70000" lnSpcReduction="20000"/>
           </a:bodyPr>
           <a:lstStyle/>
           <a:p>
-            <a:pPr>
-              <a:lnSpc>
-                <a:spcPct val="90000"/>
-              </a:lnSpc>
-            </a:pPr>
-            <a:r>
-              <a:rPr lang="en-US" sz="2000" dirty="0"/>
-              <a:t>.NET Native optimization</a:t>
-            </a:r>
-          </a:p>
-          <a:p>
-            <a:pPr lvl="1">
-              <a:lnSpc>
-                <a:spcPct val="90000"/>
-              </a:lnSpc>
-            </a:pPr>
-            <a:r>
-              <a:rPr lang="en-US" sz="2000" dirty="0"/>
-              <a:t>Built to perform on Windows, Xbox and Windows Phone with limited resources</a:t>
-            </a:r>
-          </a:p>
-          <a:p>
-            <a:pPr>
-              <a:lnSpc>
-                <a:spcPct val="90000"/>
-              </a:lnSpc>
-            </a:pPr>
-            <a:r>
-              <a:rPr lang="en-US" sz="2000" dirty="0"/>
-              <a:t>Xbox Support (and HoloLens</a:t>
-            </a:r>
-            <a:r>
-              <a:rPr lang="en-US" sz="2000" dirty="0">
-                <a:sym typeface="Wingdings" pitchFamily="2" charset="2"/>
-              </a:rPr>
-              <a:t>)</a:t>
-            </a:r>
-          </a:p>
-          <a:p>
-            <a:pPr>
-              <a:lnSpc>
-                <a:spcPct val="90000"/>
-              </a:lnSpc>
-            </a:pPr>
-            <a:r>
-              <a:rPr lang="en-US" sz="2000" dirty="0">
-                <a:sym typeface="Wingdings" pitchFamily="2" charset="2"/>
-              </a:rPr>
-              <a:t>XAML Designer</a:t>
-            </a:r>
-          </a:p>
-          <a:p>
-            <a:pPr>
-              <a:lnSpc>
-                <a:spcPct val="90000"/>
-              </a:lnSpc>
-            </a:pPr>
-            <a:r>
-              <a:rPr lang="en-US" sz="2000" dirty="0">
-                <a:sym typeface="Wingdings" pitchFamily="2" charset="2"/>
-              </a:rPr>
-              <a:t>Great for Touch and Pen input</a:t>
-            </a:r>
-          </a:p>
-          <a:p>
-            <a:pPr>
-              <a:lnSpc>
-                <a:spcPct val="90000"/>
-              </a:lnSpc>
-            </a:pPr>
-            <a:r>
-              <a:rPr lang="en-US" sz="2000" dirty="0">
-                <a:sym typeface="Wingdings" pitchFamily="2" charset="2"/>
-              </a:rPr>
-              <a:t>Windows Theme support (dark mode)</a:t>
-            </a:r>
-          </a:p>
-          <a:p>
-            <a:pPr>
-              <a:lnSpc>
-                <a:spcPct val="90000"/>
-              </a:lnSpc>
-            </a:pPr>
-            <a:r>
-              <a:rPr lang="en-US" sz="2000" dirty="0">
-                <a:sym typeface="Wingdings" pitchFamily="2" charset="2"/>
-              </a:rPr>
-              <a:t>Rich data binding support with MVVM</a:t>
-            </a:r>
-          </a:p>
-          <a:p>
-            <a:pPr>
-              <a:lnSpc>
-                <a:spcPct val="90000"/>
-              </a:lnSpc>
-            </a:pPr>
-            <a:r>
-              <a:rPr lang="en-US" sz="2000" dirty="0">
-                <a:sym typeface="Wingdings" pitchFamily="2" charset="2"/>
-              </a:rPr>
-              <a:t>WinUI 2.x controls and libraries (Some Fluent Design support)</a:t>
-            </a:r>
-          </a:p>
-          <a:p>
-            <a:pPr>
-              <a:lnSpc>
-                <a:spcPct val="90000"/>
-              </a:lnSpc>
-            </a:pPr>
-            <a:r>
-              <a:rPr lang="en-US" sz="2000" dirty="0">
-                <a:sym typeface="Wingdings" pitchFamily="2" charset="2"/>
-              </a:rPr>
-              <a:t>Security with Windows Sandboxing (</a:t>
-            </a:r>
-            <a:r>
-              <a:rPr lang="en-US" sz="2000" dirty="0" err="1">
-                <a:sym typeface="Wingdings" pitchFamily="2" charset="2"/>
-              </a:rPr>
-              <a:t>AppContainer</a:t>
-            </a:r>
-            <a:r>
-              <a:rPr lang="en-US" sz="2000" dirty="0">
-                <a:sym typeface="Wingdings" pitchFamily="2" charset="2"/>
-              </a:rPr>
-              <a:t>)</a:t>
-            </a:r>
-            <a:endParaRPr lang="en-US" sz="2000" dirty="0"/>
+            <a:r>
+              <a:rPr lang="en-US" dirty="0"/>
+              <a:t>No more feature updates</a:t>
+            </a:r>
+          </a:p>
+          <a:p>
+            <a:pPr lvl="1"/>
+            <a:r>
+              <a:rPr lang="en-US" dirty="0"/>
+              <a:t>Bug fixes and security updates only</a:t>
+            </a:r>
+          </a:p>
+          <a:p>
+            <a:pPr lvl="1"/>
+            <a:r>
+              <a:rPr lang="en-US" dirty="0"/>
+              <a:t>No new features for WinUI 2.x either</a:t>
+            </a:r>
+          </a:p>
+          <a:p>
+            <a:r>
+              <a:rPr lang="en-US" dirty="0"/>
+              <a:t>.NET Native means no modern .NET features or optimizations</a:t>
+            </a:r>
+          </a:p>
+          <a:p>
+            <a:pPr lvl="1"/>
+            <a:r>
+              <a:rPr lang="en-US" dirty="0"/>
+              <a:t>No C# 8 or later features</a:t>
+            </a:r>
+          </a:p>
+          <a:p>
+            <a:r>
+              <a:rPr lang="en-US" dirty="0"/>
+              <a:t>No Fluent UI updates (Windows 10 UX)</a:t>
+            </a:r>
+          </a:p>
+          <a:p>
+            <a:r>
+              <a:rPr lang="en-US" dirty="0"/>
+              <a:t>Unknown Support Lifetime</a:t>
+            </a:r>
+          </a:p>
+          <a:p>
+            <a:r>
+              <a:rPr lang="en-US" dirty="0"/>
+              <a:t>.NET Standard libraries – Uncertainty</a:t>
+            </a:r>
+          </a:p>
+          <a:p>
+            <a:r>
+              <a:rPr lang="en-US" dirty="0"/>
+              <a:t>MSAL libraries dropping UWP and Xamarin support this year</a:t>
+            </a:r>
+          </a:p>
+          <a:p>
+            <a:r>
+              <a:rPr lang="en-US" dirty="0"/>
+              <a:t>Tied to Windows SDK versions</a:t>
+            </a:r>
           </a:p>
         </p:txBody>
       </p:sp>
     </p:spTree>
     <p:extLst>
       <p:ext uri="{BB962C8B-B14F-4D97-AF65-F5344CB8AC3E}">
-        <p14:creationId xmlns:p14="http://schemas.microsoft.com/office/powerpoint/2010/main" val="1127881947"/>
+        <p14:creationId xmlns:p14="http://schemas.microsoft.com/office/powerpoint/2010/main" val="3805626375"/>
       </p:ext>
     </p:extLst>
   </p:cSld>
@@ -8239,7 +8304,7 @@
           <p:cNvPr id="2" name="Title 1">
             <a:extLst>
               <a:ext uri="{FF2B5EF4-FFF2-40B4-BE49-F238E27FC236}">
-                <a16:creationId xmlns:a16="http://schemas.microsoft.com/office/drawing/2014/main" id="{FAD856E5-A35D-A792-08BA-A01F67DEB838}"/>
+                <a16:creationId xmlns:a16="http://schemas.microsoft.com/office/drawing/2014/main" id="{9E3E1D3A-1161-5177-C13C-E75E79117F04}"/>
               </a:ext>
             </a:extLst>
           </p:cNvPr>
@@ -8252,12 +8317,14 @@
         </p:nvSpPr>
         <p:spPr/>
         <p:txBody>
-          <a:bodyPr/>
+          <a:bodyPr>
+            <a:normAutofit/>
+          </a:bodyPr>
           <a:lstStyle/>
           <a:p>
             <a:r>
-              <a:rPr lang="en-US" dirty="0"/>
-              <a:t>UWP Drawbacks &amp; Demo</a:t>
+              <a:rPr lang="en-US" sz="3600" dirty="0"/>
+              <a:t>WinUI + Windows App SDK Advantages</a:t>
             </a:r>
           </a:p>
         </p:txBody>
@@ -8267,7 +8334,7 @@
           <p:cNvPr id="3" name="Content Placeholder 2">
             <a:extLst>
               <a:ext uri="{FF2B5EF4-FFF2-40B4-BE49-F238E27FC236}">
-                <a16:creationId xmlns:a16="http://schemas.microsoft.com/office/drawing/2014/main" id="{4306E3B8-4377-7AC0-B97A-F9D336378422}"/>
+                <a16:creationId xmlns:a16="http://schemas.microsoft.com/office/drawing/2014/main" id="{1C40C9DF-E392-3A3A-2C9C-637FA5E2317F}"/>
               </a:ext>
             </a:extLst>
           </p:cNvPr>
@@ -8281,64 +8348,100 @@
         <p:spPr/>
         <p:txBody>
           <a:bodyPr>
-            <a:normAutofit fontScale="70000" lnSpcReduction="20000"/>
+            <a:normAutofit fontScale="55000" lnSpcReduction="20000"/>
           </a:bodyPr>
           <a:lstStyle/>
           <a:p>
             <a:r>
               <a:rPr lang="en-US" dirty="0"/>
-              <a:t>No more feature updates</a:t>
+              <a:t>Windows 11 Fluent Design UX</a:t>
+            </a:r>
+          </a:p>
+          <a:p>
+            <a:r>
+              <a:rPr lang="en-US" dirty="0"/>
+              <a:t>Features and controls of UWP without coupling to Windows SDK</a:t>
+            </a:r>
+          </a:p>
+          <a:p>
+            <a:r>
+              <a:rPr lang="en-US" dirty="0"/>
+              <a:t>Frequent Windows App SDK updates</a:t>
             </a:r>
           </a:p>
           <a:p>
             <a:pPr lvl="1"/>
             <a:r>
               <a:rPr lang="en-US" dirty="0"/>
-              <a:t>Bug fixes and security updates only</a:t>
-            </a:r>
+              <a:t>1.2 - 1.4 – XAML Islands, Theming, Notifications, </a:t>
+            </a:r>
+            <a:r>
+              <a:rPr lang="en-US" dirty="0" err="1"/>
+              <a:t>AppWindow</a:t>
+            </a:r>
+            <a:r>
+              <a:rPr lang="en-US" dirty="0"/>
+              <a:t> &amp; </a:t>
+            </a:r>
+            <a:r>
+              <a:rPr lang="en-US" dirty="0" err="1"/>
+              <a:t>MediaPlayerElement</a:t>
+            </a:r>
+            <a:endParaRPr lang="en-US" dirty="0"/>
           </a:p>
           <a:p>
             <a:pPr lvl="1"/>
             <a:r>
               <a:rPr lang="en-US" dirty="0"/>
-              <a:t>No new features for WinUI 2.x either</a:t>
-            </a:r>
-          </a:p>
-          <a:p>
-            <a:r>
-              <a:rPr lang="en-US" dirty="0"/>
-              <a:t>.NET Native means no modern .NET features or optimizations</a:t>
+              <a:t>1.5 – Maps control and layout improvements</a:t>
             </a:r>
           </a:p>
           <a:p>
             <a:pPr lvl="1"/>
             <a:r>
               <a:rPr lang="en-US" dirty="0"/>
-              <a:t>No C# 8 or later features</a:t>
-            </a:r>
-          </a:p>
-          <a:p>
-            <a:r>
-              <a:rPr lang="en-US" dirty="0"/>
-              <a:t>No Fluent UI updates (Windows 10 UX)</a:t>
-            </a:r>
-          </a:p>
-          <a:p>
-            <a:r>
-              <a:rPr lang="en-US" dirty="0"/>
-              <a:t>Unknown Support Lifetime</a:t>
-            </a:r>
-          </a:p>
-          <a:p>
-            <a:r>
-              <a:rPr lang="en-US" dirty="0"/>
-              <a:t>.NET Standard libraries – Uncertainty</a:t>
-            </a:r>
-          </a:p>
-          <a:p>
-            <a:r>
-              <a:rPr lang="en-US" dirty="0"/>
-              <a:t>Tied to Windows SDK versions</a:t>
+              <a:t>Roadmap: </a:t>
+            </a:r>
+            <a:r>
+              <a:rPr lang="en-US" dirty="0">
+                <a:hlinkClick r:id="rId3"/>
+              </a:rPr>
+              <a:t>https://github.com/microsoft/WindowsAppSDK/blob/main/docs/roadmap.md</a:t>
+            </a:r>
+            <a:r>
+              <a:rPr lang="en-US" dirty="0"/>
+              <a:t> </a:t>
+            </a:r>
+          </a:p>
+          <a:p>
+            <a:r>
+              <a:rPr lang="en-US" dirty="0"/>
+              <a:t>Rich data binding with MVVM</a:t>
+            </a:r>
+          </a:p>
+          <a:p>
+            <a:r>
+              <a:rPr lang="en-US" dirty="0"/>
+              <a:t>Great for Touch and Pen input</a:t>
+            </a:r>
+          </a:p>
+          <a:p>
+            <a:r>
+              <a:rPr lang="en-US" dirty="0"/>
+              <a:t>Upgrade from UWP with the .NET Upgrade Assistant</a:t>
+            </a:r>
+          </a:p>
+          <a:p>
+            <a:r>
+              <a:rPr lang="en-US" dirty="0"/>
+              <a:t>Positioned as the top choice to build native Windows apps</a:t>
+            </a:r>
+          </a:p>
+          <a:p>
+            <a:pPr lvl="1"/>
+            <a:r>
+              <a:rPr lang="en-US" dirty="0"/>
+              <a:t>Windows File Explorer, Apple Music, Apple TV, Apple Devices &amp; Adobe Fresco</a:t>
             </a:r>
           </a:p>
         </p:txBody>
@@ -8346,7 +8449,7 @@
     </p:spTree>
     <p:extLst>
       <p:ext uri="{BB962C8B-B14F-4D97-AF65-F5344CB8AC3E}">
-        <p14:creationId xmlns:p14="http://schemas.microsoft.com/office/powerpoint/2010/main" val="3805626375"/>
+        <p14:creationId xmlns:p14="http://schemas.microsoft.com/office/powerpoint/2010/main" val="3710549331"/>
       </p:ext>
     </p:extLst>
   </p:cSld>
@@ -8378,7 +8481,7 @@
           <p:cNvPr id="2" name="Title 1">
             <a:extLst>
               <a:ext uri="{FF2B5EF4-FFF2-40B4-BE49-F238E27FC236}">
-                <a16:creationId xmlns:a16="http://schemas.microsoft.com/office/drawing/2014/main" id="{9E3E1D3A-1161-5177-C13C-E75E79117F04}"/>
+                <a16:creationId xmlns:a16="http://schemas.microsoft.com/office/drawing/2014/main" id="{BD6176AB-50F8-D21C-8B4E-E9F63659E25D}"/>
               </a:ext>
             </a:extLst>
           </p:cNvPr>
@@ -8391,14 +8494,12 @@
         </p:nvSpPr>
         <p:spPr/>
         <p:txBody>
-          <a:bodyPr>
-            <a:normAutofit/>
-          </a:bodyPr>
+          <a:bodyPr/>
           <a:lstStyle/>
           <a:p>
             <a:r>
-              <a:rPr lang="en-US" sz="3600" dirty="0"/>
-              <a:t>WinUI + Windows App SDK Advantages</a:t>
+              <a:rPr lang="en-US" dirty="0"/>
+              <a:t>WinUI Drawbacks &amp; Demo</a:t>
             </a:r>
           </a:p>
         </p:txBody>
@@ -8408,7 +8509,7 @@
           <p:cNvPr id="3" name="Content Placeholder 2">
             <a:extLst>
               <a:ext uri="{FF2B5EF4-FFF2-40B4-BE49-F238E27FC236}">
-                <a16:creationId xmlns:a16="http://schemas.microsoft.com/office/drawing/2014/main" id="{1C40C9DF-E392-3A3A-2C9C-637FA5E2317F}"/>
+                <a16:creationId xmlns:a16="http://schemas.microsoft.com/office/drawing/2014/main" id="{56175673-4E7A-647E-F54F-13A3587496DA}"/>
               </a:ext>
             </a:extLst>
           </p:cNvPr>
@@ -8422,100 +8523,73 @@
         <p:spPr/>
         <p:txBody>
           <a:bodyPr>
-            <a:normAutofit fontScale="55000" lnSpcReduction="20000"/>
+            <a:normAutofit fontScale="70000" lnSpcReduction="20000"/>
           </a:bodyPr>
           <a:lstStyle/>
           <a:p>
             <a:r>
               <a:rPr lang="en-US" dirty="0"/>
-              <a:t>Windows 11 Fluent Design UX</a:t>
-            </a:r>
-          </a:p>
-          <a:p>
-            <a:r>
-              <a:rPr lang="en-US" dirty="0"/>
-              <a:t>Features and controls of UWP without coupling to Windows SDK</a:t>
-            </a:r>
-          </a:p>
-          <a:p>
-            <a:r>
-              <a:rPr lang="en-US" dirty="0"/>
-              <a:t>Frequent Windows App SDK updates</a:t>
+              <a:t>No XAML Designer in Visual Studio</a:t>
             </a:r>
           </a:p>
           <a:p>
             <a:pPr lvl="1"/>
             <a:r>
               <a:rPr lang="en-US" dirty="0"/>
-              <a:t>1.2 - 1.4 – XAML Islands, Theming, Notifications, </a:t>
-            </a:r>
-            <a:r>
-              <a:rPr lang="en-US" dirty="0" err="1"/>
-              <a:t>AppWindow</a:t>
-            </a:r>
-            <a:r>
-              <a:rPr lang="en-US" dirty="0"/>
-              <a:t> &amp; </a:t>
-            </a:r>
-            <a:r>
-              <a:rPr lang="en-US" dirty="0" err="1"/>
-              <a:t>MediaPlayerElement</a:t>
-            </a:r>
-            <a:endParaRPr lang="en-US" dirty="0"/>
+              <a:t>A top requested feature</a:t>
+            </a:r>
           </a:p>
           <a:p>
             <a:pPr lvl="1"/>
             <a:r>
               <a:rPr lang="en-US" dirty="0"/>
-              <a:t>1.5 – Maps control and layout improvements</a:t>
+              <a:t>XAML learning curve</a:t>
             </a:r>
           </a:p>
           <a:p>
             <a:pPr lvl="1"/>
             <a:r>
               <a:rPr lang="en-US" dirty="0"/>
-              <a:t>Roadmap: </a:t>
-            </a:r>
-            <a:r>
-              <a:rPr lang="en-US" dirty="0">
-                <a:hlinkClick r:id="rId3"/>
-              </a:rPr>
-              <a:t>https://github.com/microsoft/WindowsAppSDK/blob/main/docs/roadmap.md</a:t>
-            </a:r>
-            <a:r>
-              <a:rPr lang="en-US" dirty="0"/>
-              <a:t> </a:t>
-            </a:r>
-          </a:p>
-          <a:p>
-            <a:r>
-              <a:rPr lang="en-US" dirty="0"/>
-              <a:t>Rich data binding with MVVM</a:t>
-            </a:r>
-          </a:p>
-          <a:p>
-            <a:r>
-              <a:rPr lang="en-US" dirty="0"/>
-              <a:t>Great for Touch and Pen input</a:t>
-            </a:r>
-          </a:p>
-          <a:p>
-            <a:r>
-              <a:rPr lang="en-US" dirty="0"/>
-              <a:t>Upgrade from UWP with the .NET Upgrade Assistant</a:t>
-            </a:r>
-          </a:p>
-          <a:p>
-            <a:r>
-              <a:rPr lang="en-US" dirty="0"/>
-              <a:t>Positioned as the top choice to build native Windows apps</a:t>
+              <a:t>Use XAML Hot Reload for UI debugging</a:t>
+            </a:r>
+          </a:p>
+          <a:p>
+            <a:r>
+              <a:rPr lang="en-US" dirty="0"/>
+              <a:t>No F# or Visual Basic support</a:t>
             </a:r>
           </a:p>
           <a:p>
             <a:pPr lvl="1"/>
             <a:r>
               <a:rPr lang="en-US" dirty="0"/>
-              <a:t>Windows File Explorer, Apple Music, Apple TV, Apple Devices &amp; Adobe Fresco</a:t>
+              <a:t>C# and C++ only</a:t>
+            </a:r>
+          </a:p>
+          <a:p>
+            <a:r>
+              <a:rPr lang="en-US" dirty="0"/>
+              <a:t>No Xbox or HoloLens support (for UWP upgrades)</a:t>
+            </a:r>
+          </a:p>
+          <a:p>
+            <a:r>
+              <a:rPr lang="en-US" dirty="0"/>
+              <a:t>No built-in data validation for UI controls (yet?)</a:t>
+            </a:r>
+          </a:p>
+          <a:p>
+            <a:pPr lvl="1"/>
+            <a:r>
+              <a:rPr lang="en-US" dirty="0"/>
+              <a:t>Another top requested feature</a:t>
+            </a:r>
+          </a:p>
+          <a:p>
+            <a:pPr lvl="1"/>
+            <a:r>
+              <a:rPr lang="en-US" dirty="0"/>
+              <a:t>There are work-arounds (see my book, Learn WinUI 3)</a:t>
             </a:r>
           </a:p>
         </p:txBody>
@@ -8523,7 +8597,7 @@
     </p:spTree>
     <p:extLst>
       <p:ext uri="{BB962C8B-B14F-4D97-AF65-F5344CB8AC3E}">
-        <p14:creationId xmlns:p14="http://schemas.microsoft.com/office/powerpoint/2010/main" val="3710549331"/>
+        <p14:creationId xmlns:p14="http://schemas.microsoft.com/office/powerpoint/2010/main" val="1072713248"/>
       </p:ext>
     </p:extLst>
   </p:cSld>
@@ -8555,7 +8629,7 @@
           <p:cNvPr id="2" name="Title 1">
             <a:extLst>
               <a:ext uri="{FF2B5EF4-FFF2-40B4-BE49-F238E27FC236}">
-                <a16:creationId xmlns:a16="http://schemas.microsoft.com/office/drawing/2014/main" id="{BD6176AB-50F8-D21C-8B4E-E9F63659E25D}"/>
+                <a16:creationId xmlns:a16="http://schemas.microsoft.com/office/drawing/2014/main" id="{B7101BDE-5006-F855-09B0-F513CEC14AC3}"/>
               </a:ext>
             </a:extLst>
           </p:cNvPr>
@@ -8573,7 +8647,7 @@
           <a:p>
             <a:r>
               <a:rPr lang="en-US" dirty="0"/>
-              <a:t>WinUI Drawbacks &amp; Demo</a:t>
+              <a:t>.NET MAUI Advantages</a:t>
             </a:r>
           </a:p>
         </p:txBody>
@@ -8583,7 +8657,7 @@
           <p:cNvPr id="3" name="Content Placeholder 2">
             <a:extLst>
               <a:ext uri="{FF2B5EF4-FFF2-40B4-BE49-F238E27FC236}">
-                <a16:creationId xmlns:a16="http://schemas.microsoft.com/office/drawing/2014/main" id="{56175673-4E7A-647E-F54F-13A3587496DA}"/>
+                <a16:creationId xmlns:a16="http://schemas.microsoft.com/office/drawing/2014/main" id="{CBB2F97B-080F-5F18-FA2F-8F04A1D1CE45}"/>
               </a:ext>
             </a:extLst>
           </p:cNvPr>
@@ -8597,73 +8671,94 @@
         <p:spPr/>
         <p:txBody>
           <a:bodyPr>
-            <a:normAutofit fontScale="70000" lnSpcReduction="20000"/>
+            <a:normAutofit fontScale="55000" lnSpcReduction="20000"/>
           </a:bodyPr>
           <a:lstStyle/>
           <a:p>
             <a:r>
               <a:rPr lang="en-US" dirty="0"/>
-              <a:t>No XAML Designer in Visual Studio</a:t>
+              <a:t>Cross-Platform (Windows, Android, iOS, macOS, Tizen)</a:t>
             </a:r>
           </a:p>
           <a:p>
             <a:pPr lvl="1"/>
             <a:r>
               <a:rPr lang="en-US" dirty="0"/>
-              <a:t>A top requested feature</a:t>
+              <a:t>No Linux support (see Uno Platform &amp; Avalonia)</a:t>
             </a:r>
           </a:p>
           <a:p>
             <a:pPr lvl="1"/>
             <a:r>
               <a:rPr lang="en-US" dirty="0"/>
-              <a:t>XAML learning curve</a:t>
+              <a:t>Cross-platform with Platform-Specific Implementations</a:t>
             </a:r>
           </a:p>
           <a:p>
             <a:pPr lvl="1"/>
             <a:r>
               <a:rPr lang="en-US" dirty="0"/>
-              <a:t>Use XAML Hot Reload for UI debugging</a:t>
-            </a:r>
-          </a:p>
-          <a:p>
-            <a:r>
-              <a:rPr lang="en-US" dirty="0"/>
-              <a:t>No F# or Visual Basic support</a:t>
+              <a:t>MAUI helpers abstract some platform features</a:t>
             </a:r>
           </a:p>
           <a:p>
             <a:pPr lvl="1"/>
             <a:r>
               <a:rPr lang="en-US" dirty="0"/>
-              <a:t>C# and C++ only</a:t>
-            </a:r>
-          </a:p>
-          <a:p>
-            <a:r>
-              <a:rPr lang="en-US" dirty="0"/>
-              <a:t>No Xbox or HoloLens support (for UWP upgrades)</a:t>
-            </a:r>
-          </a:p>
-          <a:p>
-            <a:r>
-              <a:rPr lang="en-US" dirty="0"/>
-              <a:t>No built-in data validation for UI controls (yet?)</a:t>
+              <a:t>Change Appearance by Platform (</a:t>
+            </a:r>
+            <a:r>
+              <a:rPr lang="en-US" dirty="0" err="1"/>
+              <a:t>OnPlatform</a:t>
+            </a:r>
+            <a:r>
+              <a:rPr lang="en-US" dirty="0"/>
+              <a:t> Markup Extension)</a:t>
+            </a:r>
+          </a:p>
+          <a:p>
+            <a:r>
+              <a:rPr lang="en-US" dirty="0"/>
+              <a:t>Easy to Learn for XAML developers</a:t>
             </a:r>
           </a:p>
           <a:p>
             <a:pPr lvl="1"/>
             <a:r>
               <a:rPr lang="en-US" dirty="0"/>
-              <a:t>Another top requested feature</a:t>
+              <a:t>Xamarin Migration available</a:t>
             </a:r>
           </a:p>
           <a:p>
             <a:pPr lvl="1"/>
             <a:r>
               <a:rPr lang="en-US" dirty="0"/>
-              <a:t>There are work-arounds (see my book, Learn WinUI 3)</a:t>
+              <a:t>MVVM Pattern with Rich Data Binding</a:t>
+            </a:r>
+          </a:p>
+          <a:p>
+            <a:r>
+              <a:rPr lang="en-US" dirty="0"/>
+              <a:t>Create UI in C# with .NET MAUI Community Toolkit &amp; C# Markup</a:t>
+            </a:r>
+          </a:p>
+          <a:p>
+            <a:pPr lvl="1"/>
+            <a:r>
+              <a:rPr lang="en-US" dirty="0"/>
+              <a:t>MVU Pattern (Model-View-Update) – Similar to Flutter development</a:t>
+            </a:r>
+          </a:p>
+          <a:p>
+            <a:r>
+              <a:rPr lang="en-US" dirty="0"/>
+              <a:t>Uses WinUI for Windows apps</a:t>
+            </a:r>
+          </a:p>
+          <a:p>
+            <a:r>
+              <a:rPr lang="en-US" dirty="0"/>
+              <a:t>Web developers can use Blazor Hybrid to build for mobile</a:t>
             </a:r>
           </a:p>
         </p:txBody>
@@ -8671,7 +8766,7 @@
     </p:spTree>
     <p:extLst>
       <p:ext uri="{BB962C8B-B14F-4D97-AF65-F5344CB8AC3E}">
-        <p14:creationId xmlns:p14="http://schemas.microsoft.com/office/powerpoint/2010/main" val="1072713248"/>
+        <p14:creationId xmlns:p14="http://schemas.microsoft.com/office/powerpoint/2010/main" val="3534160902"/>
       </p:ext>
     </p:extLst>
   </p:cSld>
@@ -8703,179 +8798,6 @@
           <p:cNvPr id="2" name="Title 1">
             <a:extLst>
               <a:ext uri="{FF2B5EF4-FFF2-40B4-BE49-F238E27FC236}">
-                <a16:creationId xmlns:a16="http://schemas.microsoft.com/office/drawing/2014/main" id="{B7101BDE-5006-F855-09B0-F513CEC14AC3}"/>
-              </a:ext>
-            </a:extLst>
-          </p:cNvPr>
-          <p:cNvSpPr>
-            <a:spLocks noGrp="1"/>
-          </p:cNvSpPr>
-          <p:nvPr>
-            <p:ph type="title"/>
-          </p:nvPr>
-        </p:nvSpPr>
-        <p:spPr/>
-        <p:txBody>
-          <a:bodyPr/>
-          <a:lstStyle/>
-          <a:p>
-            <a:r>
-              <a:rPr lang="en-US" dirty="0"/>
-              <a:t>.NET MAUI Advantages</a:t>
-            </a:r>
-          </a:p>
-        </p:txBody>
-      </p:sp>
-      <p:sp>
-        <p:nvSpPr>
-          <p:cNvPr id="3" name="Content Placeholder 2">
-            <a:extLst>
-              <a:ext uri="{FF2B5EF4-FFF2-40B4-BE49-F238E27FC236}">
-                <a16:creationId xmlns:a16="http://schemas.microsoft.com/office/drawing/2014/main" id="{CBB2F97B-080F-5F18-FA2F-8F04A1D1CE45}"/>
-              </a:ext>
-            </a:extLst>
-          </p:cNvPr>
-          <p:cNvSpPr>
-            <a:spLocks noGrp="1"/>
-          </p:cNvSpPr>
-          <p:nvPr>
-            <p:ph idx="1"/>
-          </p:nvPr>
-        </p:nvSpPr>
-        <p:spPr/>
-        <p:txBody>
-          <a:bodyPr>
-            <a:normAutofit fontScale="55000" lnSpcReduction="20000"/>
-          </a:bodyPr>
-          <a:lstStyle/>
-          <a:p>
-            <a:r>
-              <a:rPr lang="en-US" dirty="0"/>
-              <a:t>Cross-Platform (Windows, Android, iOS, macOS, Tizen)</a:t>
-            </a:r>
-          </a:p>
-          <a:p>
-            <a:pPr lvl="1"/>
-            <a:r>
-              <a:rPr lang="en-US" dirty="0"/>
-              <a:t>No Linux support (see Uno Platform &amp; Avalonia)</a:t>
-            </a:r>
-          </a:p>
-          <a:p>
-            <a:pPr lvl="1"/>
-            <a:r>
-              <a:rPr lang="en-US" dirty="0" err="1"/>
-              <a:t>Xplat</a:t>
-            </a:r>
-            <a:r>
-              <a:rPr lang="en-US" dirty="0"/>
-              <a:t> with Platform-Specific Implementations</a:t>
-            </a:r>
-          </a:p>
-          <a:p>
-            <a:pPr lvl="1"/>
-            <a:r>
-              <a:rPr lang="en-US" dirty="0"/>
-              <a:t>Libraries abstract some platform features</a:t>
-            </a:r>
-          </a:p>
-          <a:p>
-            <a:pPr lvl="1"/>
-            <a:r>
-              <a:rPr lang="en-US" dirty="0"/>
-              <a:t>Change Appearance by Platform (</a:t>
-            </a:r>
-            <a:r>
-              <a:rPr lang="en-US" dirty="0" err="1"/>
-              <a:t>OnPlatform</a:t>
-            </a:r>
-            <a:r>
-              <a:rPr lang="en-US" dirty="0"/>
-              <a:t> Markup Extension)</a:t>
-            </a:r>
-          </a:p>
-          <a:p>
-            <a:r>
-              <a:rPr lang="en-US" dirty="0"/>
-              <a:t>Easy to Learn for XAML developers</a:t>
-            </a:r>
-          </a:p>
-          <a:p>
-            <a:pPr lvl="1"/>
-            <a:r>
-              <a:rPr lang="en-US" dirty="0"/>
-              <a:t>Xamarin Migration available</a:t>
-            </a:r>
-          </a:p>
-          <a:p>
-            <a:pPr lvl="1"/>
-            <a:r>
-              <a:rPr lang="en-US" dirty="0"/>
-              <a:t>MVVM Pattern with Rich Data Binding</a:t>
-            </a:r>
-          </a:p>
-          <a:p>
-            <a:r>
-              <a:rPr lang="en-US" dirty="0"/>
-              <a:t>Create UI in C# with .NET MAUI Community Toolkit &amp; C# Markup</a:t>
-            </a:r>
-          </a:p>
-          <a:p>
-            <a:pPr lvl="1"/>
-            <a:r>
-              <a:rPr lang="en-US" dirty="0"/>
-              <a:t>MVU Pattern (Model-View-Update) – Similar to Flutter development</a:t>
-            </a:r>
-          </a:p>
-          <a:p>
-            <a:r>
-              <a:rPr lang="en-US" dirty="0"/>
-              <a:t>Uses WinUI 3 for Windows</a:t>
-            </a:r>
-          </a:p>
-          <a:p>
-            <a:r>
-              <a:rPr lang="en-US" dirty="0"/>
-              <a:t>Web developers can use Blazor Hybrid to build for mobile</a:t>
-            </a:r>
-          </a:p>
-        </p:txBody>
-      </p:sp>
-    </p:spTree>
-    <p:extLst>
-      <p:ext uri="{BB962C8B-B14F-4D97-AF65-F5344CB8AC3E}">
-        <p14:creationId xmlns:p14="http://schemas.microsoft.com/office/powerpoint/2010/main" val="3534160902"/>
-      </p:ext>
-    </p:extLst>
-  </p:cSld>
-  <p:clrMapOvr>
-    <a:masterClrMapping/>
-  </p:clrMapOvr>
-</p:sld>
-</file>
-
-<file path=ppt/slides/slide17.xml><?xml version="1.0" encoding="utf-8"?>
-<p:sld xmlns:a="http://schemas.openxmlformats.org/drawingml/2006/main" xmlns:r="http://schemas.openxmlformats.org/officeDocument/2006/relationships" xmlns:p="http://schemas.openxmlformats.org/presentationml/2006/main">
-  <p:cSld>
-    <p:spTree>
-      <p:nvGrpSpPr>
-        <p:cNvPr id="1" name=""/>
-        <p:cNvGrpSpPr/>
-        <p:nvPr/>
-      </p:nvGrpSpPr>
-      <p:grpSpPr>
-        <a:xfrm>
-          <a:off x="0" y="0"/>
-          <a:ext cx="0" cy="0"/>
-          <a:chOff x="0" y="0"/>
-          <a:chExt cx="0" cy="0"/>
-        </a:xfrm>
-      </p:grpSpPr>
-      <p:sp>
-        <p:nvSpPr>
-          <p:cNvPr id="2" name="Title 1">
-            <a:extLst>
-              <a:ext uri="{FF2B5EF4-FFF2-40B4-BE49-F238E27FC236}">
                 <a16:creationId xmlns:a16="http://schemas.microsoft.com/office/drawing/2014/main" id="{D8BA679B-FF56-3E3C-C290-3B0980C3EFD1}"/>
               </a:ext>
             </a:extLst>
@@ -8993,7 +8915,7 @@
 </p:sld>
 </file>
 
-<file path=ppt/slides/slide18.xml><?xml version="1.0" encoding="utf-8"?>
+<file path=ppt/slides/slide17.xml><?xml version="1.0" encoding="utf-8"?>
 <p:sld xmlns:a="http://schemas.openxmlformats.org/drawingml/2006/main" xmlns:r="http://schemas.openxmlformats.org/officeDocument/2006/relationships" xmlns:p="http://schemas.openxmlformats.org/presentationml/2006/main">
   <p:cSld>
     <p:spTree>
@@ -9227,6 +9149,124 @@
 </p:sld>
 </file>
 
+<file path=ppt/slides/slide18.xml><?xml version="1.0" encoding="utf-8"?>
+<p:sld xmlns:a="http://schemas.openxmlformats.org/drawingml/2006/main" xmlns:r="http://schemas.openxmlformats.org/officeDocument/2006/relationships" xmlns:p="http://schemas.openxmlformats.org/presentationml/2006/main">
+  <p:cSld>
+    <p:spTree>
+      <p:nvGrpSpPr>
+        <p:cNvPr id="1" name=""/>
+        <p:cNvGrpSpPr/>
+        <p:nvPr/>
+      </p:nvGrpSpPr>
+      <p:grpSpPr>
+        <a:xfrm>
+          <a:off x="0" y="0"/>
+          <a:ext cx="0" cy="0"/>
+          <a:chOff x="0" y="0"/>
+          <a:chExt cx="0" cy="0"/>
+        </a:xfrm>
+      </p:grpSpPr>
+      <p:sp>
+        <p:nvSpPr>
+          <p:cNvPr id="2" name="Title 1">
+            <a:extLst>
+              <a:ext uri="{FF2B5EF4-FFF2-40B4-BE49-F238E27FC236}">
+                <a16:creationId xmlns:a16="http://schemas.microsoft.com/office/drawing/2014/main" id="{86DA5232-B4F4-9A79-7C4B-B5C2BC50FDE9}"/>
+              </a:ext>
+            </a:extLst>
+          </p:cNvPr>
+          <p:cNvSpPr>
+            <a:spLocks noGrp="1"/>
+          </p:cNvSpPr>
+          <p:nvPr>
+            <p:ph type="title"/>
+          </p:nvPr>
+        </p:nvSpPr>
+        <p:spPr/>
+        <p:txBody>
+          <a:bodyPr/>
+          <a:lstStyle/>
+          <a:p>
+            <a:r>
+              <a:rPr lang="en-US" dirty="0"/>
+              <a:t>Uno Platform Drawbacks &amp; Demo</a:t>
+            </a:r>
+          </a:p>
+        </p:txBody>
+      </p:sp>
+      <p:sp>
+        <p:nvSpPr>
+          <p:cNvPr id="3" name="Content Placeholder 2">
+            <a:extLst>
+              <a:ext uri="{FF2B5EF4-FFF2-40B4-BE49-F238E27FC236}">
+                <a16:creationId xmlns:a16="http://schemas.microsoft.com/office/drawing/2014/main" id="{3AC24E14-6BEC-69B3-93FF-88AC3BBCDCB2}"/>
+              </a:ext>
+            </a:extLst>
+          </p:cNvPr>
+          <p:cNvSpPr>
+            <a:spLocks noGrp="1"/>
+          </p:cNvSpPr>
+          <p:nvPr>
+            <p:ph idx="1"/>
+          </p:nvPr>
+        </p:nvSpPr>
+        <p:spPr/>
+        <p:txBody>
+          <a:bodyPr>
+            <a:normAutofit fontScale="92500" lnSpcReduction="20000"/>
+          </a:bodyPr>
+          <a:lstStyle/>
+          <a:p>
+            <a:r>
+              <a:rPr lang="en-US" dirty="0"/>
+              <a:t>No official support for VB or F#</a:t>
+            </a:r>
+          </a:p>
+          <a:p>
+            <a:r>
+              <a:rPr lang="en-US" dirty="0"/>
+              <a:t>Third-party solution</a:t>
+            </a:r>
+          </a:p>
+          <a:p>
+            <a:r>
+              <a:rPr lang="en-US" dirty="0"/>
+              <a:t>Pay for Advanced Support from Engineering Team</a:t>
+            </a:r>
+          </a:p>
+          <a:p>
+            <a:r>
+              <a:rPr lang="en-US" dirty="0"/>
+              <a:t>No XAML designer (use Hot Reload)</a:t>
+            </a:r>
+          </a:p>
+          <a:p>
+            <a:r>
+              <a:rPr lang="en-US" dirty="0"/>
+              <a:t>Some platform-specific code required for native features</a:t>
+            </a:r>
+          </a:p>
+          <a:p>
+            <a:r>
+              <a:rPr lang="en-US" dirty="0"/>
+              <a:t>Not as performant as native apps</a:t>
+            </a:r>
+          </a:p>
+        </p:txBody>
+      </p:sp>
+    </p:spTree>
+    <p:extLst>
+      <p:ext uri="{BB962C8B-B14F-4D97-AF65-F5344CB8AC3E}">
+        <p14:creationId xmlns:p14="http://schemas.microsoft.com/office/powerpoint/2010/main" val="318408692"/>
+      </p:ext>
+    </p:extLst>
+  </p:cSld>
+  <p:clrMapOvr>
+    <a:masterClrMapping/>
+  </p:clrMapOvr>
+</p:sld>
+</file>
+
 <file path=ppt/slides/slide19.xml><?xml version="1.0" encoding="utf-8"?>
 <p:sld xmlns:a="http://schemas.openxmlformats.org/drawingml/2006/main" xmlns:r="http://schemas.openxmlformats.org/officeDocument/2006/relationships" xmlns:p="http://schemas.openxmlformats.org/presentationml/2006/main">
   <p:cSld>
@@ -9249,7 +9289,7 @@
           <p:cNvPr id="2" name="Title 1">
             <a:extLst>
               <a:ext uri="{FF2B5EF4-FFF2-40B4-BE49-F238E27FC236}">
-                <a16:creationId xmlns:a16="http://schemas.microsoft.com/office/drawing/2014/main" id="{86DA5232-B4F4-9A79-7C4B-B5C2BC50FDE9}"/>
+                <a16:creationId xmlns:a16="http://schemas.microsoft.com/office/drawing/2014/main" id="{0472805C-6593-478E-93F9-0DA4426370EE}"/>
               </a:ext>
             </a:extLst>
           </p:cNvPr>
@@ -9262,22 +9302,24 @@
         </p:nvSpPr>
         <p:spPr/>
         <p:txBody>
-          <a:bodyPr/>
+          <a:bodyPr>
+            <a:noAutofit/>
+          </a:bodyPr>
           <a:lstStyle/>
           <a:p>
             <a:r>
-              <a:rPr lang="en-US" dirty="0"/>
-              <a:t>Uno Platform Drawbacks &amp; Demo</a:t>
-            </a:r>
-          </a:p>
-        </p:txBody>
-      </p:sp>
-      <p:sp>
-        <p:nvSpPr>
-          <p:cNvPr id="3" name="Content Placeholder 2">
+              <a:rPr lang="en-US" sz="2800" dirty="0"/>
+              <a:t>Blazor Hybrid – Leverage web skills on native platforms</a:t>
+            </a:r>
+          </a:p>
+        </p:txBody>
+      </p:sp>
+      <p:sp>
+        <p:nvSpPr>
+          <p:cNvPr id="4" name="Content Placeholder 3">
             <a:extLst>
               <a:ext uri="{FF2B5EF4-FFF2-40B4-BE49-F238E27FC236}">
-                <a16:creationId xmlns:a16="http://schemas.microsoft.com/office/drawing/2014/main" id="{3AC24E14-6BEC-69B3-93FF-88AC3BBCDCB2}"/>
+                <a16:creationId xmlns:a16="http://schemas.microsoft.com/office/drawing/2014/main" id="{A1F8001B-9B86-DD0D-FACE-732B6A9B2E56}"/>
               </a:ext>
             </a:extLst>
           </p:cNvPr>
@@ -9285,57 +9327,310 @@
             <a:spLocks noGrp="1"/>
           </p:cNvSpPr>
           <p:nvPr>
-            <p:ph idx="1"/>
+            <p:ph sz="half" idx="1"/>
           </p:nvPr>
         </p:nvSpPr>
         <p:spPr/>
         <p:txBody>
           <a:bodyPr>
-            <a:normAutofit fontScale="92500" lnSpcReduction="20000"/>
+            <a:normAutofit lnSpcReduction="10000"/>
           </a:bodyPr>
           <a:lstStyle/>
           <a:p>
-            <a:r>
-              <a:rPr lang="en-US" dirty="0"/>
-              <a:t>No official support for VB or F#</a:t>
-            </a:r>
-          </a:p>
-          <a:p>
-            <a:r>
-              <a:rPr lang="en-US" dirty="0"/>
-              <a:t>Third-party solution</a:t>
-            </a:r>
-          </a:p>
-          <a:p>
-            <a:r>
-              <a:rPr lang="en-US" dirty="0"/>
-              <a:t>Pay for Advanced Support from Engineering Team</a:t>
-            </a:r>
-          </a:p>
-          <a:p>
-            <a:r>
-              <a:rPr lang="en-US" dirty="0"/>
-              <a:t>No XAML designer (use Hot Reload)</a:t>
-            </a:r>
-          </a:p>
-          <a:p>
-            <a:r>
-              <a:rPr lang="en-US" dirty="0"/>
-              <a:t>Some platform-specific code required for native features</a:t>
-            </a:r>
-          </a:p>
-          <a:p>
-            <a:r>
-              <a:rPr lang="en-US" dirty="0"/>
-              <a:t>Not as performant as native apps</a:t>
-            </a:r>
+            <a:pPr marL="0" indent="0">
+              <a:spcAft>
+                <a:spcPts val="600"/>
+              </a:spcAft>
+              <a:buNone/>
+            </a:pPr>
+            <a:r>
+              <a:rPr lang="en-US" sz="1800" b="1" kern="1200" dirty="0">
+                <a:solidFill>
+                  <a:schemeClr val="tx1"/>
+                </a:solidFill>
+                <a:latin typeface="+mn-lt"/>
+                <a:ea typeface="+mn-ea"/>
+                <a:cs typeface="+mn-cs"/>
+              </a:rPr>
+              <a:t>Pros</a:t>
+            </a:r>
+          </a:p>
+          <a:p>
+            <a:pPr marL="742950" lvl="1" indent="-285750">
+              <a:spcAft>
+                <a:spcPts val="600"/>
+              </a:spcAft>
+              <a:buFont typeface="Arial" panose="020B0604020202020204" pitchFamily="34" charset="0"/>
+              <a:buChar char="•"/>
+            </a:pPr>
+            <a:r>
+              <a:rPr lang="en-US" sz="1800" kern="1200" dirty="0">
+                <a:solidFill>
+                  <a:schemeClr val="tx1"/>
+                </a:solidFill>
+                <a:latin typeface="+mn-lt"/>
+                <a:ea typeface="+mn-ea"/>
+                <a:cs typeface="+mn-cs"/>
+              </a:rPr>
+              <a:t>No XAML learning curve for web developers</a:t>
+            </a:r>
+          </a:p>
+          <a:p>
+            <a:pPr marL="742950" lvl="1" indent="-285750">
+              <a:spcAft>
+                <a:spcPts val="600"/>
+              </a:spcAft>
+              <a:buFont typeface="Arial" panose="020B0604020202020204" pitchFamily="34" charset="0"/>
+              <a:buChar char="•"/>
+            </a:pPr>
+            <a:r>
+              <a:rPr lang="en-US" sz="1800" kern="1200" dirty="0">
+                <a:solidFill>
+                  <a:schemeClr val="tx1"/>
+                </a:solidFill>
+                <a:latin typeface="+mn-lt"/>
+                <a:ea typeface="+mn-ea"/>
+                <a:cs typeface="+mn-cs"/>
+              </a:rPr>
+              <a:t>Powerful CSS styling</a:t>
+            </a:r>
+          </a:p>
+          <a:p>
+            <a:pPr marL="742950" lvl="1" indent="-285750">
+              <a:spcAft>
+                <a:spcPts val="600"/>
+              </a:spcAft>
+              <a:buFont typeface="Arial" panose="020B0604020202020204" pitchFamily="34" charset="0"/>
+              <a:buChar char="•"/>
+            </a:pPr>
+            <a:r>
+              <a:rPr lang="en-US" sz="1800" kern="1200" dirty="0">
+                <a:solidFill>
+                  <a:schemeClr val="tx1"/>
+                </a:solidFill>
+                <a:latin typeface="+mn-lt"/>
+                <a:ea typeface="+mn-ea"/>
+                <a:cs typeface="+mn-cs"/>
+              </a:rPr>
+              <a:t>.NET compatibility</a:t>
+            </a:r>
+          </a:p>
+          <a:p>
+            <a:pPr marL="742950" lvl="1" indent="-285750">
+              <a:spcAft>
+                <a:spcPts val="600"/>
+              </a:spcAft>
+              <a:buFont typeface="Arial" panose="020B0604020202020204" pitchFamily="34" charset="0"/>
+              <a:buChar char="•"/>
+            </a:pPr>
+            <a:r>
+              <a:rPr lang="en-US" sz="1800" kern="1200" dirty="0">
+                <a:solidFill>
+                  <a:schemeClr val="tx1"/>
+                </a:solidFill>
+                <a:latin typeface="+mn-lt"/>
+                <a:ea typeface="+mn-ea"/>
+                <a:cs typeface="+mn-cs"/>
+              </a:rPr>
+              <a:t>Use WPF or WinForms to integrate with existing desktop apps</a:t>
+            </a:r>
+          </a:p>
+          <a:p>
+            <a:pPr marL="742950" lvl="1" indent="-285750">
+              <a:spcAft>
+                <a:spcPts val="600"/>
+              </a:spcAft>
+              <a:buFont typeface="Arial" panose="020B0604020202020204" pitchFamily="34" charset="0"/>
+              <a:buChar char="•"/>
+            </a:pPr>
+            <a:r>
+              <a:rPr lang="en-US" sz="1800" kern="1200" dirty="0">
+                <a:solidFill>
+                  <a:schemeClr val="tx1"/>
+                </a:solidFill>
+                <a:latin typeface="+mn-lt"/>
+                <a:ea typeface="+mn-ea"/>
+                <a:cs typeface="+mn-cs"/>
+              </a:rPr>
+              <a:t>Use .NET MAUI host for mobile apps</a:t>
+            </a:r>
+            <a:endParaRPr lang="en-US" dirty="0"/>
+          </a:p>
+          <a:p>
+            <a:endParaRPr lang="en-US" dirty="0"/>
+          </a:p>
+        </p:txBody>
+      </p:sp>
+      <p:sp>
+        <p:nvSpPr>
+          <p:cNvPr id="5" name="Content Placeholder 4">
+            <a:extLst>
+              <a:ext uri="{FF2B5EF4-FFF2-40B4-BE49-F238E27FC236}">
+                <a16:creationId xmlns:a16="http://schemas.microsoft.com/office/drawing/2014/main" id="{9D6D317E-BA97-1960-3496-276800AED453}"/>
+              </a:ext>
+            </a:extLst>
+          </p:cNvPr>
+          <p:cNvSpPr>
+            <a:spLocks noGrp="1"/>
+          </p:cNvSpPr>
+          <p:nvPr>
+            <p:ph sz="half" idx="2"/>
+          </p:nvPr>
+        </p:nvSpPr>
+        <p:spPr/>
+        <p:txBody>
+          <a:bodyPr>
+            <a:normAutofit lnSpcReduction="10000"/>
+          </a:bodyPr>
+          <a:lstStyle/>
+          <a:p>
+            <a:pPr marL="0" indent="0">
+              <a:spcAft>
+                <a:spcPts val="600"/>
+              </a:spcAft>
+              <a:buNone/>
+            </a:pPr>
+            <a:r>
+              <a:rPr lang="en-US" sz="1800" b="1" kern="1200" dirty="0">
+                <a:solidFill>
+                  <a:schemeClr val="tx1"/>
+                </a:solidFill>
+                <a:latin typeface="+mn-lt"/>
+                <a:ea typeface="+mn-ea"/>
+                <a:cs typeface="+mn-cs"/>
+              </a:rPr>
+              <a:t>Cons</a:t>
+            </a:r>
+          </a:p>
+          <a:p>
+            <a:pPr marL="742950" lvl="1" indent="-285750">
+              <a:spcAft>
+                <a:spcPts val="600"/>
+              </a:spcAft>
+              <a:buFont typeface="Arial" panose="020B0604020202020204" pitchFamily="34" charset="0"/>
+              <a:buChar char="•"/>
+            </a:pPr>
+            <a:r>
+              <a:rPr lang="en-US" sz="1800" kern="1200" dirty="0">
+                <a:solidFill>
+                  <a:schemeClr val="tx1"/>
+                </a:solidFill>
+                <a:latin typeface="+mn-lt"/>
+                <a:ea typeface="+mn-ea"/>
+                <a:cs typeface="+mn-cs"/>
+              </a:rPr>
+              <a:t>Interop has costs</a:t>
+            </a:r>
+          </a:p>
+          <a:p>
+            <a:pPr marL="1200150" lvl="2" indent="-285750">
+              <a:spcAft>
+                <a:spcPts val="600"/>
+              </a:spcAft>
+              <a:buFont typeface="Arial" panose="020B0604020202020204" pitchFamily="34" charset="0"/>
+              <a:buChar char="•"/>
+            </a:pPr>
+            <a:r>
+              <a:rPr lang="en-US" sz="1800" kern="1200" dirty="0">
+                <a:solidFill>
+                  <a:schemeClr val="tx1"/>
+                </a:solidFill>
+                <a:latin typeface="+mn-lt"/>
+                <a:ea typeface="+mn-ea"/>
+                <a:cs typeface="+mn-cs"/>
+              </a:rPr>
+              <a:t>Performance</a:t>
+            </a:r>
+          </a:p>
+          <a:p>
+            <a:pPr marL="1200150" lvl="2" indent="-285750">
+              <a:spcAft>
+                <a:spcPts val="600"/>
+              </a:spcAft>
+              <a:buFont typeface="Arial" panose="020B0604020202020204" pitchFamily="34" charset="0"/>
+              <a:buChar char="•"/>
+            </a:pPr>
+            <a:r>
+              <a:rPr lang="en-US" sz="1800" kern="1200" dirty="0">
+                <a:solidFill>
+                  <a:schemeClr val="tx1"/>
+                </a:solidFill>
+                <a:latin typeface="+mn-lt"/>
+                <a:ea typeface="+mn-ea"/>
+                <a:cs typeface="+mn-cs"/>
+              </a:rPr>
+              <a:t>Bugs?</a:t>
+            </a:r>
+          </a:p>
+          <a:p>
+            <a:pPr marL="1200150" lvl="2" indent="-285750">
+              <a:spcAft>
+                <a:spcPts val="600"/>
+              </a:spcAft>
+              <a:buFont typeface="Arial" panose="020B0604020202020204" pitchFamily="34" charset="0"/>
+              <a:buChar char="•"/>
+            </a:pPr>
+            <a:r>
+              <a:rPr lang="en-US" sz="1800" kern="1200" dirty="0">
+                <a:solidFill>
+                  <a:schemeClr val="tx1"/>
+                </a:solidFill>
+                <a:latin typeface="+mn-lt"/>
+                <a:ea typeface="+mn-ea"/>
+                <a:cs typeface="+mn-cs"/>
+              </a:rPr>
+              <a:t>Accessibility</a:t>
+            </a:r>
+          </a:p>
+          <a:p>
+            <a:pPr marL="1200150" lvl="2" indent="-285750">
+              <a:spcAft>
+                <a:spcPts val="600"/>
+              </a:spcAft>
+              <a:buFont typeface="Arial" panose="020B0604020202020204" pitchFamily="34" charset="0"/>
+              <a:buChar char="•"/>
+            </a:pPr>
+            <a:r>
+              <a:rPr lang="en-US" sz="1800" kern="1200" dirty="0">
+                <a:solidFill>
+                  <a:schemeClr val="tx1"/>
+                </a:solidFill>
+                <a:latin typeface="+mn-lt"/>
+                <a:ea typeface="+mn-ea"/>
+                <a:cs typeface="+mn-cs"/>
+              </a:rPr>
+              <a:t>Support across two products</a:t>
+            </a:r>
+          </a:p>
+          <a:p>
+            <a:pPr marL="742950" lvl="1" indent="-285750">
+              <a:spcAft>
+                <a:spcPts val="600"/>
+              </a:spcAft>
+              <a:buFont typeface="Arial" panose="020B0604020202020204" pitchFamily="34" charset="0"/>
+              <a:buChar char="•"/>
+            </a:pPr>
+            <a:r>
+              <a:rPr lang="en-US" sz="1800" kern="1200" dirty="0">
+                <a:solidFill>
+                  <a:schemeClr val="tx1"/>
+                </a:solidFill>
+                <a:latin typeface="+mn-lt"/>
+                <a:ea typeface="+mn-ea"/>
+                <a:cs typeface="+mn-cs"/>
+              </a:rPr>
+              <a:t>Feels like Web, not native</a:t>
+            </a:r>
+          </a:p>
+          <a:p>
+            <a:endParaRPr lang="en-US" dirty="0"/>
           </a:p>
         </p:txBody>
       </p:sp>
     </p:spTree>
     <p:extLst>
       <p:ext uri="{BB962C8B-B14F-4D97-AF65-F5344CB8AC3E}">
-        <p14:creationId xmlns:p14="http://schemas.microsoft.com/office/powerpoint/2010/main" val="318408692"/>
+        <p14:creationId xmlns:p14="http://schemas.microsoft.com/office/powerpoint/2010/main" val="728506196"/>
       </p:ext>
     </p:extLst>
   </p:cSld>
@@ -9456,7 +9751,7 @@
           <p:nvPr/>
         </p:nvPicPr>
         <p:blipFill>
-          <a:blip r:embed="rId2">
+          <a:blip r:embed="rId3">
             <a:extLst>
               <a:ext uri="{28A0092B-C50C-407E-A947-70E740481C1C}">
                 <a14:useLocalDpi xmlns:a14="http://schemas.microsoft.com/office/drawing/2010/main" val="0"/>
@@ -9511,7 +9806,7 @@
           <p:cNvPr id="2" name="Title 1">
             <a:extLst>
               <a:ext uri="{FF2B5EF4-FFF2-40B4-BE49-F238E27FC236}">
-                <a16:creationId xmlns:a16="http://schemas.microsoft.com/office/drawing/2014/main" id="{0472805C-6593-478E-93F9-0DA4426370EE}"/>
+                <a16:creationId xmlns:a16="http://schemas.microsoft.com/office/drawing/2014/main" id="{31AB143E-1A00-56B3-AFB4-1D9113DB09E3}"/>
               </a:ext>
             </a:extLst>
           </p:cNvPr>
@@ -9524,24 +9819,22 @@
         </p:nvSpPr>
         <p:spPr/>
         <p:txBody>
-          <a:bodyPr>
-            <a:noAutofit/>
-          </a:bodyPr>
+          <a:bodyPr/>
           <a:lstStyle/>
           <a:p>
             <a:r>
-              <a:rPr lang="en-US" sz="2800" dirty="0"/>
-              <a:t>Blazor Hybrid – Leverage web skills on native platforms</a:t>
-            </a:r>
-          </a:p>
-        </p:txBody>
-      </p:sp>
-      <p:sp>
-        <p:nvSpPr>
-          <p:cNvPr id="4" name="Content Placeholder 3">
+              <a:rPr lang="en-US" dirty="0"/>
+              <a:t>Choosing a Framework</a:t>
+            </a:r>
+          </a:p>
+        </p:txBody>
+      </p:sp>
+      <p:sp>
+        <p:nvSpPr>
+          <p:cNvPr id="3" name="Content Placeholder 2">
             <a:extLst>
               <a:ext uri="{FF2B5EF4-FFF2-40B4-BE49-F238E27FC236}">
-                <a16:creationId xmlns:a16="http://schemas.microsoft.com/office/drawing/2014/main" id="{A1F8001B-9B86-DD0D-FACE-732B6A9B2E56}"/>
+                <a16:creationId xmlns:a16="http://schemas.microsoft.com/office/drawing/2014/main" id="{04F326CD-C1A0-0682-3E8E-6A5B8DA3FA21}"/>
               </a:ext>
             </a:extLst>
           </p:cNvPr>
@@ -9549,310 +9842,81 @@
             <a:spLocks noGrp="1"/>
           </p:cNvSpPr>
           <p:nvPr>
-            <p:ph sz="half" idx="1"/>
+            <p:ph idx="1"/>
           </p:nvPr>
         </p:nvSpPr>
         <p:spPr/>
         <p:txBody>
           <a:bodyPr>
-            <a:normAutofit lnSpcReduction="10000"/>
+            <a:normAutofit fontScale="70000" lnSpcReduction="20000"/>
           </a:bodyPr>
           <a:lstStyle/>
           <a:p>
-            <a:pPr marL="0" indent="0">
-              <a:spcAft>
-                <a:spcPts val="600"/>
-              </a:spcAft>
-              <a:buNone/>
-            </a:pPr>
-            <a:r>
-              <a:rPr lang="en-US" sz="1800" b="1" kern="1200" dirty="0">
-                <a:solidFill>
-                  <a:schemeClr val="tx1"/>
-                </a:solidFill>
-                <a:latin typeface="+mn-lt"/>
-                <a:ea typeface="+mn-ea"/>
-                <a:cs typeface="+mn-cs"/>
-              </a:rPr>
-              <a:t>Pros</a:t>
-            </a:r>
-          </a:p>
-          <a:p>
-            <a:pPr marL="742950" lvl="1" indent="-285750">
-              <a:spcAft>
-                <a:spcPts val="600"/>
-              </a:spcAft>
-              <a:buFont typeface="Arial" panose="020B0604020202020204" pitchFamily="34" charset="0"/>
-              <a:buChar char="•"/>
-            </a:pPr>
-            <a:r>
-              <a:rPr lang="en-US" sz="1800" kern="1200" dirty="0">
-                <a:solidFill>
-                  <a:schemeClr val="tx1"/>
-                </a:solidFill>
-                <a:latin typeface="+mn-lt"/>
-                <a:ea typeface="+mn-ea"/>
-                <a:cs typeface="+mn-cs"/>
-              </a:rPr>
-              <a:t>No XAML learning curve for web developers</a:t>
-            </a:r>
-          </a:p>
-          <a:p>
-            <a:pPr marL="742950" lvl="1" indent="-285750">
-              <a:spcAft>
-                <a:spcPts val="600"/>
-              </a:spcAft>
-              <a:buFont typeface="Arial" panose="020B0604020202020204" pitchFamily="34" charset="0"/>
-              <a:buChar char="•"/>
-            </a:pPr>
-            <a:r>
-              <a:rPr lang="en-US" sz="1800" kern="1200" dirty="0">
-                <a:solidFill>
-                  <a:schemeClr val="tx1"/>
-                </a:solidFill>
-                <a:latin typeface="+mn-lt"/>
-                <a:ea typeface="+mn-ea"/>
-                <a:cs typeface="+mn-cs"/>
-              </a:rPr>
-              <a:t>Powerful CSS styling</a:t>
-            </a:r>
-          </a:p>
-          <a:p>
-            <a:pPr marL="742950" lvl="1" indent="-285750">
-              <a:spcAft>
-                <a:spcPts val="600"/>
-              </a:spcAft>
-              <a:buFont typeface="Arial" panose="020B0604020202020204" pitchFamily="34" charset="0"/>
-              <a:buChar char="•"/>
-            </a:pPr>
-            <a:r>
-              <a:rPr lang="en-US" sz="1800" kern="1200" dirty="0">
-                <a:solidFill>
-                  <a:schemeClr val="tx1"/>
-                </a:solidFill>
-                <a:latin typeface="+mn-lt"/>
-                <a:ea typeface="+mn-ea"/>
-                <a:cs typeface="+mn-cs"/>
-              </a:rPr>
-              <a:t>.NET compatibility</a:t>
-            </a:r>
-          </a:p>
-          <a:p>
-            <a:pPr marL="742950" lvl="1" indent="-285750">
-              <a:spcAft>
-                <a:spcPts val="600"/>
-              </a:spcAft>
-              <a:buFont typeface="Arial" panose="020B0604020202020204" pitchFamily="34" charset="0"/>
-              <a:buChar char="•"/>
-            </a:pPr>
-            <a:r>
-              <a:rPr lang="en-US" sz="1800" kern="1200" dirty="0">
-                <a:solidFill>
-                  <a:schemeClr val="tx1"/>
-                </a:solidFill>
-                <a:latin typeface="+mn-lt"/>
-                <a:ea typeface="+mn-ea"/>
-                <a:cs typeface="+mn-cs"/>
-              </a:rPr>
-              <a:t>Use WPF or WinForms to integrate with existing desktop apps</a:t>
-            </a:r>
-          </a:p>
-          <a:p>
-            <a:pPr marL="742950" lvl="1" indent="-285750">
-              <a:spcAft>
-                <a:spcPts val="600"/>
-              </a:spcAft>
-              <a:buFont typeface="Arial" panose="020B0604020202020204" pitchFamily="34" charset="0"/>
-              <a:buChar char="•"/>
-            </a:pPr>
-            <a:r>
-              <a:rPr lang="en-US" sz="1800" kern="1200" dirty="0">
-                <a:solidFill>
-                  <a:schemeClr val="tx1"/>
-                </a:solidFill>
-                <a:latin typeface="+mn-lt"/>
-                <a:ea typeface="+mn-ea"/>
-                <a:cs typeface="+mn-cs"/>
-              </a:rPr>
-              <a:t>Use .NET MAUI host for mobile apps</a:t>
-            </a:r>
-            <a:endParaRPr lang="en-US" dirty="0"/>
-          </a:p>
-          <a:p>
-            <a:endParaRPr lang="en-US" dirty="0"/>
-          </a:p>
-        </p:txBody>
-      </p:sp>
-      <p:sp>
-        <p:nvSpPr>
-          <p:cNvPr id="5" name="Content Placeholder 4">
-            <a:extLst>
-              <a:ext uri="{FF2B5EF4-FFF2-40B4-BE49-F238E27FC236}">
-                <a16:creationId xmlns:a16="http://schemas.microsoft.com/office/drawing/2014/main" id="{9D6D317E-BA97-1960-3496-276800AED453}"/>
-              </a:ext>
-            </a:extLst>
-          </p:cNvPr>
-          <p:cNvSpPr>
-            <a:spLocks noGrp="1"/>
-          </p:cNvSpPr>
-          <p:nvPr>
-            <p:ph sz="half" idx="2"/>
-          </p:nvPr>
-        </p:nvSpPr>
-        <p:spPr/>
-        <p:txBody>
-          <a:bodyPr>
-            <a:normAutofit lnSpcReduction="10000"/>
-          </a:bodyPr>
-          <a:lstStyle/>
-          <a:p>
-            <a:pPr marL="0" indent="0">
-              <a:spcAft>
-                <a:spcPts val="600"/>
-              </a:spcAft>
-              <a:buNone/>
-            </a:pPr>
-            <a:r>
-              <a:rPr lang="en-US" sz="1800" b="1" kern="1200" dirty="0">
-                <a:solidFill>
-                  <a:schemeClr val="tx1"/>
-                </a:solidFill>
-                <a:latin typeface="+mn-lt"/>
-                <a:ea typeface="+mn-ea"/>
-                <a:cs typeface="+mn-cs"/>
-              </a:rPr>
-              <a:t>Cons</a:t>
-            </a:r>
-          </a:p>
-          <a:p>
-            <a:pPr marL="742950" lvl="1" indent="-285750">
-              <a:spcAft>
-                <a:spcPts val="600"/>
-              </a:spcAft>
-              <a:buFont typeface="Arial" panose="020B0604020202020204" pitchFamily="34" charset="0"/>
-              <a:buChar char="•"/>
-            </a:pPr>
-            <a:r>
-              <a:rPr lang="en-US" sz="1800" kern="1200" dirty="0">
-                <a:solidFill>
-                  <a:schemeClr val="tx1"/>
-                </a:solidFill>
-                <a:latin typeface="+mn-lt"/>
-                <a:ea typeface="+mn-ea"/>
-                <a:cs typeface="+mn-cs"/>
-              </a:rPr>
-              <a:t>Interop has costs</a:t>
-            </a:r>
-          </a:p>
-          <a:p>
-            <a:pPr marL="1200150" lvl="2" indent="-285750">
-              <a:spcAft>
-                <a:spcPts val="600"/>
-              </a:spcAft>
-              <a:buFont typeface="Arial" panose="020B0604020202020204" pitchFamily="34" charset="0"/>
-              <a:buChar char="•"/>
-            </a:pPr>
-            <a:r>
-              <a:rPr lang="en-US" sz="1800" kern="1200" dirty="0">
-                <a:solidFill>
-                  <a:schemeClr val="tx1"/>
-                </a:solidFill>
-                <a:latin typeface="+mn-lt"/>
-                <a:ea typeface="+mn-ea"/>
-                <a:cs typeface="+mn-cs"/>
-              </a:rPr>
-              <a:t>Performance</a:t>
-            </a:r>
-          </a:p>
-          <a:p>
-            <a:pPr marL="1200150" lvl="2" indent="-285750">
-              <a:spcAft>
-                <a:spcPts val="600"/>
-              </a:spcAft>
-              <a:buFont typeface="Arial" panose="020B0604020202020204" pitchFamily="34" charset="0"/>
-              <a:buChar char="•"/>
-            </a:pPr>
-            <a:r>
-              <a:rPr lang="en-US" sz="1800" kern="1200" dirty="0">
-                <a:solidFill>
-                  <a:schemeClr val="tx1"/>
-                </a:solidFill>
-                <a:latin typeface="+mn-lt"/>
-                <a:ea typeface="+mn-ea"/>
-                <a:cs typeface="+mn-cs"/>
-              </a:rPr>
-              <a:t>Bugs?</a:t>
-            </a:r>
-          </a:p>
-          <a:p>
-            <a:pPr marL="1200150" lvl="2" indent="-285750">
-              <a:spcAft>
-                <a:spcPts val="600"/>
-              </a:spcAft>
-              <a:buFont typeface="Arial" panose="020B0604020202020204" pitchFamily="34" charset="0"/>
-              <a:buChar char="•"/>
-            </a:pPr>
-            <a:r>
-              <a:rPr lang="en-US" sz="1800" kern="1200" dirty="0">
-                <a:solidFill>
-                  <a:schemeClr val="tx1"/>
-                </a:solidFill>
-                <a:latin typeface="+mn-lt"/>
-                <a:ea typeface="+mn-ea"/>
-                <a:cs typeface="+mn-cs"/>
-              </a:rPr>
-              <a:t>Accessibility</a:t>
-            </a:r>
-          </a:p>
-          <a:p>
-            <a:pPr marL="1200150" lvl="2" indent="-285750">
-              <a:spcAft>
-                <a:spcPts val="600"/>
-              </a:spcAft>
-              <a:buFont typeface="Arial" panose="020B0604020202020204" pitchFamily="34" charset="0"/>
-              <a:buChar char="•"/>
-            </a:pPr>
-            <a:r>
-              <a:rPr lang="en-US" sz="1800" kern="1200" dirty="0">
-                <a:solidFill>
-                  <a:schemeClr val="tx1"/>
-                </a:solidFill>
-                <a:latin typeface="+mn-lt"/>
-                <a:ea typeface="+mn-ea"/>
-                <a:cs typeface="+mn-cs"/>
-              </a:rPr>
-              <a:t>Support across two products</a:t>
-            </a:r>
-          </a:p>
-          <a:p>
-            <a:pPr marL="742950" lvl="1" indent="-285750">
-              <a:spcAft>
-                <a:spcPts val="600"/>
-              </a:spcAft>
-              <a:buFont typeface="Arial" panose="020B0604020202020204" pitchFamily="34" charset="0"/>
-              <a:buChar char="•"/>
-            </a:pPr>
-            <a:r>
-              <a:rPr lang="en-US" sz="1800" kern="1200" dirty="0">
-                <a:solidFill>
-                  <a:schemeClr val="tx1"/>
-                </a:solidFill>
-                <a:latin typeface="+mn-lt"/>
-                <a:ea typeface="+mn-ea"/>
-                <a:cs typeface="+mn-cs"/>
-              </a:rPr>
-              <a:t>Feels like Web, not native</a:t>
-            </a:r>
-          </a:p>
-          <a:p>
-            <a:endParaRPr lang="en-US" dirty="0"/>
+            <a:r>
+              <a:rPr lang="en-US" dirty="0"/>
+              <a:t>Programming Language</a:t>
+            </a:r>
+          </a:p>
+          <a:p>
+            <a:r>
+              <a:rPr lang="en-US" dirty="0"/>
+              <a:t>UI Framework</a:t>
+            </a:r>
+          </a:p>
+          <a:p>
+            <a:r>
+              <a:rPr lang="en-US" dirty="0"/>
+              <a:t>Drag &amp; Drop Designer</a:t>
+            </a:r>
+          </a:p>
+          <a:p>
+            <a:r>
+              <a:rPr lang="en-US" dirty="0"/>
+              <a:t>UI Design Language</a:t>
+            </a:r>
+          </a:p>
+          <a:p>
+            <a:r>
+              <a:rPr lang="en-US" dirty="0"/>
+              <a:t>.NET Support</a:t>
+            </a:r>
+          </a:p>
+          <a:p>
+            <a:r>
+              <a:rPr lang="en-US" dirty="0"/>
+              <a:t>Legacy Windows Support</a:t>
+            </a:r>
+          </a:p>
+          <a:p>
+            <a:r>
+              <a:rPr lang="en-US" dirty="0"/>
+              <a:t>Touch Support</a:t>
+            </a:r>
+          </a:p>
+          <a:p>
+            <a:r>
+              <a:rPr lang="en-US" dirty="0"/>
+              <a:t>Cross-platform Options</a:t>
+            </a:r>
+          </a:p>
+          <a:p>
+            <a:r>
+              <a:rPr lang="en-US" dirty="0"/>
+              <a:t>Long-term Support Options</a:t>
+            </a:r>
+          </a:p>
+          <a:p>
+            <a:r>
+              <a:rPr lang="en-US" dirty="0"/>
+              <a:t>Current Features and Public Roadmap</a:t>
+            </a:r>
           </a:p>
         </p:txBody>
       </p:sp>
     </p:spTree>
     <p:extLst>
       <p:ext uri="{BB962C8B-B14F-4D97-AF65-F5344CB8AC3E}">
-        <p14:creationId xmlns:p14="http://schemas.microsoft.com/office/powerpoint/2010/main" val="728506196"/>
+        <p14:creationId xmlns:p14="http://schemas.microsoft.com/office/powerpoint/2010/main" val="3873780090"/>
       </p:ext>
     </p:extLst>
   </p:cSld>
@@ -9884,7 +9948,7 @@
           <p:cNvPr id="2" name="Title 1">
             <a:extLst>
               <a:ext uri="{FF2B5EF4-FFF2-40B4-BE49-F238E27FC236}">
-                <a16:creationId xmlns:a16="http://schemas.microsoft.com/office/drawing/2014/main" id="{31AB143E-1A00-56B3-AFB4-1D9113DB09E3}"/>
+                <a16:creationId xmlns:a16="http://schemas.microsoft.com/office/drawing/2014/main" id="{6689573A-80DA-4642-4128-46D10D312369}"/>
               </a:ext>
             </a:extLst>
           </p:cNvPr>
@@ -9902,7 +9966,7 @@
           <a:p>
             <a:r>
               <a:rPr lang="en-US" dirty="0"/>
-              <a:t>Choosing a Framework</a:t>
+              <a:t>Resources</a:t>
             </a:r>
           </a:p>
         </p:txBody>
@@ -9912,7 +9976,7 @@
           <p:cNvPr id="3" name="Content Placeholder 2">
             <a:extLst>
               <a:ext uri="{FF2B5EF4-FFF2-40B4-BE49-F238E27FC236}">
-                <a16:creationId xmlns:a16="http://schemas.microsoft.com/office/drawing/2014/main" id="{04F326CD-C1A0-0682-3E8E-6A5B8DA3FA21}"/>
+                <a16:creationId xmlns:a16="http://schemas.microsoft.com/office/drawing/2014/main" id="{9DCF4EB2-16DF-FCBB-76CE-487FECAE5D8B}"/>
               </a:ext>
             </a:extLst>
           </p:cNvPr>
@@ -9926,67 +9990,119 @@
         <p:spPr/>
         <p:txBody>
           <a:bodyPr>
-            <a:normAutofit fontScale="70000" lnSpcReduction="20000"/>
+            <a:normAutofit fontScale="62500" lnSpcReduction="20000"/>
           </a:bodyPr>
           <a:lstStyle/>
           <a:p>
             <a:r>
               <a:rPr lang="en-US" dirty="0"/>
-              <a:t>Programming Language</a:t>
-            </a:r>
-          </a:p>
-          <a:p>
-            <a:r>
-              <a:rPr lang="en-US" dirty="0"/>
-              <a:t>UI Framework</a:t>
-            </a:r>
-          </a:p>
-          <a:p>
-            <a:r>
-              <a:rPr lang="en-US" dirty="0"/>
-              <a:t>Drag &amp; Drop Designer</a:t>
-            </a:r>
-          </a:p>
-          <a:p>
-            <a:r>
-              <a:rPr lang="en-US" dirty="0"/>
-              <a:t>UI Design Language</a:t>
-            </a:r>
-          </a:p>
-          <a:p>
-            <a:r>
-              <a:rPr lang="en-US" dirty="0"/>
-              <a:t>.NET Support</a:t>
-            </a:r>
-          </a:p>
-          <a:p>
-            <a:r>
-              <a:rPr lang="en-US" dirty="0"/>
-              <a:t>Legacy Windows Support</a:t>
-            </a:r>
-          </a:p>
-          <a:p>
-            <a:r>
-              <a:rPr lang="en-US" dirty="0"/>
-              <a:t>Touch Support</a:t>
-            </a:r>
-          </a:p>
-          <a:p>
-            <a:r>
-              <a:rPr lang="en-US" dirty="0"/>
-              <a:t>Cross-platform Options</a:t>
-            </a:r>
-          </a:p>
-          <a:p>
-            <a:r>
-              <a:rPr lang="en-US" dirty="0"/>
-              <a:t>Long-term Support Options</a:t>
-            </a:r>
-          </a:p>
-          <a:p>
-            <a:r>
-              <a:rPr lang="en-US" dirty="0"/>
-              <a:t>Current Features and Public Roadmap</a:t>
+              <a:t>Windows App Development – Options &amp; Features: </a:t>
+            </a:r>
+            <a:r>
+              <a:rPr lang="en-US" dirty="0">
+                <a:hlinkClick r:id="rId3"/>
+              </a:rPr>
+              <a:t>https://learn.microsoft.com/windows/apps/get-started/dev-options</a:t>
+            </a:r>
+            <a:r>
+              <a:rPr lang="en-US" dirty="0"/>
+              <a:t> </a:t>
+            </a:r>
+          </a:p>
+          <a:p>
+            <a:r>
+              <a:rPr lang="en-US" dirty="0"/>
+              <a:t>Overview of Windows Development Options: </a:t>
+            </a:r>
+            <a:r>
+              <a:rPr lang="en-US" dirty="0">
+                <a:hlinkClick r:id="rId4"/>
+              </a:rPr>
+              <a:t>https://learn.microsoft.com/windows/apps/get-started/</a:t>
+            </a:r>
+            <a:r>
+              <a:rPr lang="en-US" dirty="0"/>
+              <a:t> </a:t>
+            </a:r>
+          </a:p>
+          <a:p>
+            <a:r>
+              <a:rPr lang="en-US" dirty="0"/>
+              <a:t>Uno Platform Documentation: </a:t>
+            </a:r>
+            <a:r>
+              <a:rPr lang="en-US" dirty="0">
+                <a:hlinkClick r:id="rId5"/>
+              </a:rPr>
+              <a:t>https://platform.uno/docs/articles/intro.html</a:t>
+            </a:r>
+            <a:r>
+              <a:rPr lang="en-US" dirty="0"/>
+              <a:t> </a:t>
+            </a:r>
+          </a:p>
+          <a:p>
+            <a:r>
+              <a:rPr lang="en-US" dirty="0"/>
+              <a:t>Avalonia Docs: </a:t>
+            </a:r>
+            <a:r>
+              <a:rPr lang="en-US" dirty="0">
+                <a:hlinkClick r:id="rId6"/>
+              </a:rPr>
+              <a:t>https://docs.avaloniaui.net/</a:t>
+            </a:r>
+            <a:r>
+              <a:rPr lang="en-US" dirty="0"/>
+              <a:t> </a:t>
+            </a:r>
+          </a:p>
+          <a:p>
+            <a:r>
+              <a:rPr lang="en-US" dirty="0"/>
+              <a:t>Build a WPF Blazor Hybrid App: </a:t>
+            </a:r>
+            <a:r>
+              <a:rPr lang="en-US" dirty="0">
+                <a:hlinkClick r:id="rId7"/>
+              </a:rPr>
+              <a:t>https://learn.microsoft.com/aspnet/core/blazor/hybrid/tutorials/wpf</a:t>
+            </a:r>
+            <a:r>
+              <a:rPr lang="en-US" dirty="0"/>
+              <a:t> </a:t>
+            </a:r>
+          </a:p>
+          <a:p>
+            <a:r>
+              <a:rPr lang="en-US" dirty="0"/>
+              <a:t>My Books on Amazon: </a:t>
+            </a:r>
+            <a:r>
+              <a:rPr lang="en-US" dirty="0">
+                <a:hlinkClick r:id="rId8"/>
+              </a:rPr>
+              <a:t>https://www.amazon.com/stores/author/B08WLD35BX</a:t>
+            </a:r>
+            <a:r>
+              <a:rPr lang="en-US" dirty="0"/>
+              <a:t> </a:t>
+            </a:r>
+          </a:p>
+          <a:p>
+            <a:r>
+              <a:rPr lang="en-US" dirty="0"/>
+              <a:t>About Me with Social Links: </a:t>
+            </a:r>
+            <a:r>
+              <a:rPr lang="en-US" dirty="0">
+                <a:hlinkClick r:id="rId9"/>
+              </a:rPr>
+              <a:t>https://about.me/alvinashcraft</a:t>
+            </a:r>
+            <a:r>
+              <a:rPr lang="en-US" dirty="0"/>
+              <a:t> </a:t>
             </a:r>
           </a:p>
         </p:txBody>
@@ -9994,7 +10110,7 @@
     </p:spTree>
     <p:extLst>
       <p:ext uri="{BB962C8B-B14F-4D97-AF65-F5344CB8AC3E}">
-        <p14:creationId xmlns:p14="http://schemas.microsoft.com/office/powerpoint/2010/main" val="3873780090"/>
+        <p14:creationId xmlns:p14="http://schemas.microsoft.com/office/powerpoint/2010/main" val="3702193068"/>
       </p:ext>
     </p:extLst>
   </p:cSld>
@@ -10026,7 +10142,7 @@
           <p:cNvPr id="2" name="Title 1">
             <a:extLst>
               <a:ext uri="{FF2B5EF4-FFF2-40B4-BE49-F238E27FC236}">
-                <a16:creationId xmlns:a16="http://schemas.microsoft.com/office/drawing/2014/main" id="{6689573A-80DA-4642-4128-46D10D312369}"/>
+                <a16:creationId xmlns:a16="http://schemas.microsoft.com/office/drawing/2014/main" id="{ED1743FB-5E98-0709-F185-916E3461B04A}"/>
               </a:ext>
             </a:extLst>
           </p:cNvPr>
@@ -10044,7 +10160,7 @@
           <a:p>
             <a:r>
               <a:rPr lang="en-US" dirty="0"/>
-              <a:t>Resources</a:t>
+              <a:t>Questions?</a:t>
             </a:r>
           </a:p>
         </p:txBody>
@@ -10054,7 +10170,7 @@
           <p:cNvPr id="3" name="Content Placeholder 2">
             <a:extLst>
               <a:ext uri="{FF2B5EF4-FFF2-40B4-BE49-F238E27FC236}">
-                <a16:creationId xmlns:a16="http://schemas.microsoft.com/office/drawing/2014/main" id="{9DCF4EB2-16DF-FCBB-76CE-487FECAE5D8B}"/>
+                <a16:creationId xmlns:a16="http://schemas.microsoft.com/office/drawing/2014/main" id="{EA783CBC-5B3F-B22E-6658-2AD070B5B634}"/>
               </a:ext>
             </a:extLst>
           </p:cNvPr>
@@ -10067,116 +10183,24 @@
         </p:nvSpPr>
         <p:spPr/>
         <p:txBody>
-          <a:bodyPr>
-            <a:normAutofit fontScale="62500" lnSpcReduction="20000"/>
-          </a:bodyPr>
+          <a:bodyPr/>
           <a:lstStyle/>
           <a:p>
             <a:r>
               <a:rPr lang="en-US" dirty="0"/>
-              <a:t>Windows App Development – Options &amp; Features: </a:t>
+              <a:t>Thank you!</a:t>
+            </a:r>
+          </a:p>
+          <a:p>
+            <a:r>
+              <a:rPr lang="en-US" dirty="0"/>
+              <a:t>Contact: </a:t>
             </a:r>
             <a:r>
               <a:rPr lang="en-US" dirty="0">
                 <a:hlinkClick r:id="rId3"/>
               </a:rPr>
-              <a:t>https://learn.microsoft.com/windows/apps/get-started/dev-options</a:t>
-            </a:r>
-            <a:r>
-              <a:rPr lang="en-US" dirty="0"/>
-              <a:t> </a:t>
-            </a:r>
-          </a:p>
-          <a:p>
-            <a:r>
-              <a:rPr lang="en-US" dirty="0"/>
-              <a:t>Overview of Windows Development Options: </a:t>
-            </a:r>
-            <a:r>
-              <a:rPr lang="en-US" dirty="0">
-                <a:hlinkClick r:id="rId4"/>
-              </a:rPr>
-              <a:t>https://learn.microsoft.com/windows/apps/get-started/</a:t>
-            </a:r>
-            <a:r>
-              <a:rPr lang="en-US" dirty="0"/>
-              <a:t> </a:t>
-            </a:r>
-          </a:p>
-          <a:p>
-            <a:r>
-              <a:rPr lang="en-US" dirty="0"/>
-              <a:t>Uno Platform Documentation: </a:t>
-            </a:r>
-            <a:r>
-              <a:rPr lang="en-US" dirty="0">
-                <a:hlinkClick r:id="rId5"/>
-              </a:rPr>
-              <a:t>https://platform.uno/docs/articles/intro.html</a:t>
-            </a:r>
-            <a:r>
-              <a:rPr lang="en-US" dirty="0"/>
-              <a:t> </a:t>
-            </a:r>
-          </a:p>
-          <a:p>
-            <a:r>
-              <a:rPr lang="en-US" dirty="0"/>
-              <a:t>Avalonia Docs: </a:t>
-            </a:r>
-            <a:r>
-              <a:rPr lang="en-US" dirty="0">
-                <a:hlinkClick r:id="rId6"/>
-              </a:rPr>
-              <a:t>https://docs.avaloniaui.net/</a:t>
-            </a:r>
-            <a:r>
-              <a:rPr lang="en-US" dirty="0"/>
-              <a:t> </a:t>
-            </a:r>
-          </a:p>
-          <a:p>
-            <a:r>
-              <a:rPr lang="en-US" dirty="0"/>
-              <a:t>Build a WPF Blazor Hybrid App: </a:t>
-            </a:r>
-            <a:r>
-              <a:rPr lang="en-US" dirty="0">
-                <a:hlinkClick r:id="rId7"/>
-              </a:rPr>
-              <a:t>https://learn.microsoft.com/aspnet/core/blazor/hybrid/tutorials/wpf</a:t>
-            </a:r>
-            <a:r>
-              <a:rPr lang="en-US" dirty="0"/>
-              <a:t> </a:t>
-            </a:r>
-          </a:p>
-          <a:p>
-            <a:r>
-              <a:rPr lang="en-US" dirty="0"/>
-              <a:t>My Books on Amazon: </a:t>
-            </a:r>
-            <a:r>
-              <a:rPr lang="en-US" dirty="0">
-                <a:hlinkClick r:id="rId8"/>
-              </a:rPr>
-              <a:t>https://www.amazon.com/stores/author/B08WLD35BX</a:t>
-            </a:r>
-            <a:r>
-              <a:rPr lang="en-US" dirty="0"/>
-              <a:t> </a:t>
-            </a:r>
-          </a:p>
-          <a:p>
-            <a:r>
-              <a:rPr lang="en-US" dirty="0"/>
-              <a:t>About Me with Social Links: </a:t>
-            </a:r>
-            <a:r>
-              <a:rPr lang="en-US" dirty="0">
-                <a:hlinkClick r:id="rId9"/>
-              </a:rPr>
-              <a:t>https://about.me/alvinashcraft</a:t>
+              <a:t>alvin@alvinashcraft.com</a:t>
             </a:r>
             <a:r>
               <a:rPr lang="en-US" dirty="0"/>
@@ -10188,7 +10212,7 @@
     </p:spTree>
     <p:extLst>
       <p:ext uri="{BB962C8B-B14F-4D97-AF65-F5344CB8AC3E}">
-        <p14:creationId xmlns:p14="http://schemas.microsoft.com/office/powerpoint/2010/main" val="3702193068"/>
+        <p14:creationId xmlns:p14="http://schemas.microsoft.com/office/powerpoint/2010/main" val="214261947"/>
       </p:ext>
     </p:extLst>
   </p:cSld>
@@ -10217,108 +10241,6 @@
       </p:grpSpPr>
       <p:sp>
         <p:nvSpPr>
-          <p:cNvPr id="2" name="Title 1">
-            <a:extLst>
-              <a:ext uri="{FF2B5EF4-FFF2-40B4-BE49-F238E27FC236}">
-                <a16:creationId xmlns:a16="http://schemas.microsoft.com/office/drawing/2014/main" id="{ED1743FB-5E98-0709-F185-916E3461B04A}"/>
-              </a:ext>
-            </a:extLst>
-          </p:cNvPr>
-          <p:cNvSpPr>
-            <a:spLocks noGrp="1"/>
-          </p:cNvSpPr>
-          <p:nvPr>
-            <p:ph type="title"/>
-          </p:nvPr>
-        </p:nvSpPr>
-        <p:spPr/>
-        <p:txBody>
-          <a:bodyPr/>
-          <a:lstStyle/>
-          <a:p>
-            <a:r>
-              <a:rPr lang="en-US" dirty="0"/>
-              <a:t>Questions?</a:t>
-            </a:r>
-          </a:p>
-        </p:txBody>
-      </p:sp>
-      <p:sp>
-        <p:nvSpPr>
-          <p:cNvPr id="3" name="Content Placeholder 2">
-            <a:extLst>
-              <a:ext uri="{FF2B5EF4-FFF2-40B4-BE49-F238E27FC236}">
-                <a16:creationId xmlns:a16="http://schemas.microsoft.com/office/drawing/2014/main" id="{EA783CBC-5B3F-B22E-6658-2AD070B5B634}"/>
-              </a:ext>
-            </a:extLst>
-          </p:cNvPr>
-          <p:cNvSpPr>
-            <a:spLocks noGrp="1"/>
-          </p:cNvSpPr>
-          <p:nvPr>
-            <p:ph idx="1"/>
-          </p:nvPr>
-        </p:nvSpPr>
-        <p:spPr/>
-        <p:txBody>
-          <a:bodyPr/>
-          <a:lstStyle/>
-          <a:p>
-            <a:r>
-              <a:rPr lang="en-US" dirty="0"/>
-              <a:t>Thank you!</a:t>
-            </a:r>
-          </a:p>
-          <a:p>
-            <a:r>
-              <a:rPr lang="en-US" dirty="0"/>
-              <a:t>Contact: </a:t>
-            </a:r>
-            <a:r>
-              <a:rPr lang="en-US" dirty="0">
-                <a:hlinkClick r:id="rId3"/>
-              </a:rPr>
-              <a:t>alvin@alvinashcraft.com</a:t>
-            </a:r>
-            <a:r>
-              <a:rPr lang="en-US" dirty="0"/>
-              <a:t> </a:t>
-            </a:r>
-          </a:p>
-        </p:txBody>
-      </p:sp>
-    </p:spTree>
-    <p:extLst>
-      <p:ext uri="{BB962C8B-B14F-4D97-AF65-F5344CB8AC3E}">
-        <p14:creationId xmlns:p14="http://schemas.microsoft.com/office/powerpoint/2010/main" val="214261947"/>
-      </p:ext>
-    </p:extLst>
-  </p:cSld>
-  <p:clrMapOvr>
-    <a:masterClrMapping/>
-  </p:clrMapOvr>
-</p:sld>
-</file>
-
-<file path=ppt/slides/slide24.xml><?xml version="1.0" encoding="utf-8"?>
-<p:sld xmlns:a="http://schemas.openxmlformats.org/drawingml/2006/main" xmlns:r="http://schemas.openxmlformats.org/officeDocument/2006/relationships" xmlns:p="http://schemas.openxmlformats.org/presentationml/2006/main">
-  <p:cSld>
-    <p:spTree>
-      <p:nvGrpSpPr>
-        <p:cNvPr id="1" name=""/>
-        <p:cNvGrpSpPr/>
-        <p:nvPr/>
-      </p:nvGrpSpPr>
-      <p:grpSpPr>
-        <a:xfrm>
-          <a:off x="0" y="0"/>
-          <a:ext cx="0" cy="0"/>
-          <a:chOff x="0" y="0"/>
-          <a:chExt cx="0" cy="0"/>
-        </a:xfrm>
-      </p:grpSpPr>
-      <p:sp>
-        <p:nvSpPr>
           <p:cNvPr id="2" name="Title 1"/>
           <p:cNvSpPr>
             <a:spLocks noGrp="1"/>
@@ -10411,7 +10333,7 @@
           <p:nvPr/>
         </p:nvPicPr>
         <p:blipFill>
-          <a:blip r:embed="rId2">
+          <a:blip r:embed="rId3">
             <a:extLst>
               <a:ext uri="{28A0092B-C50C-407E-A947-70E740481C1C}">
                 <a14:useLocalDpi xmlns:a14="http://schemas.microsoft.com/office/drawing/2010/main" val="0"/>
@@ -10663,7 +10585,7 @@
 </file>
 
 <file path=ppt/slides/slide4.xml><?xml version="1.0" encoding="utf-8"?>
-<p:sld xmlns:a="http://schemas.openxmlformats.org/drawingml/2006/main" xmlns:r="http://schemas.openxmlformats.org/officeDocument/2006/relationships" xmlns:p="http://schemas.openxmlformats.org/presentationml/2006/main" show="0">
+<p:sld xmlns:a="http://schemas.openxmlformats.org/drawingml/2006/main" xmlns:r="http://schemas.openxmlformats.org/officeDocument/2006/relationships" xmlns:p="http://schemas.openxmlformats.org/presentationml/2006/main">
   <p:cSld>
     <p:spTree>
       <p:nvGrpSpPr>
@@ -10681,697 +10603,126 @@
       </p:grpSpPr>
       <p:sp>
         <p:nvSpPr>
-          <p:cNvPr id="13" name="Rectangle 12">
+          <p:cNvPr id="2" name="Title 1">
             <a:extLst>
               <a:ext uri="{FF2B5EF4-FFF2-40B4-BE49-F238E27FC236}">
-                <a16:creationId xmlns:a16="http://schemas.microsoft.com/office/drawing/2014/main" id="{EF6A578F-CEAC-4062-B6A7-640B1A396BCF}"/>
+                <a16:creationId xmlns:a16="http://schemas.microsoft.com/office/drawing/2014/main" id="{9F13A304-57D4-20B5-4503-69D663D3EEB8}"/>
               </a:ext>
             </a:extLst>
           </p:cNvPr>
-          <p:cNvSpPr/>
-          <p:nvPr/>
-        </p:nvSpPr>
-        <p:spPr>
-          <a:xfrm>
-            <a:off x="0" y="841728"/>
-            <a:ext cx="9144000" cy="4301773"/>
-          </a:xfrm>
-          <a:prstGeom prst="rect">
-            <a:avLst/>
-          </a:prstGeom>
-          <a:solidFill>
-            <a:srgbClr val="5FB0E5"/>
-          </a:solidFill>
-          <a:ln>
-            <a:noFill/>
-          </a:ln>
-        </p:spPr>
-        <p:style>
-          <a:lnRef idx="2">
-            <a:schemeClr val="accent1">
-              <a:shade val="50000"/>
-            </a:schemeClr>
-          </a:lnRef>
-          <a:fillRef idx="1">
-            <a:schemeClr val="accent1"/>
-          </a:fillRef>
-          <a:effectRef idx="0">
-            <a:schemeClr val="accent1"/>
-          </a:effectRef>
-          <a:fontRef idx="minor">
-            <a:schemeClr val="lt1"/>
-          </a:fontRef>
-        </p:style>
-        <p:txBody>
-          <a:bodyPr rtlCol="0" anchor="ctr"/>
+          <p:cNvSpPr>
+            <a:spLocks noGrp="1"/>
+          </p:cNvSpPr>
+          <p:nvPr>
+            <p:ph type="title"/>
+          </p:nvPr>
+        </p:nvSpPr>
+        <p:spPr/>
+        <p:txBody>
+          <a:bodyPr/>
           <a:lstStyle/>
           <a:p>
-            <a:pPr algn="ctr"/>
-            <a:endParaRPr lang="en-US" sz="1350"/>
-          </a:p>
-        </p:txBody>
-      </p:sp>
-      <p:sp>
-        <p:nvSpPr>
-          <p:cNvPr id="2" name="Rectangle 1">
+            <a:r>
+              <a:rPr lang="en-US" dirty="0"/>
+              <a:t>Agenda</a:t>
+            </a:r>
+          </a:p>
+        </p:txBody>
+      </p:sp>
+      <p:sp>
+        <p:nvSpPr>
+          <p:cNvPr id="3" name="Content Placeholder 2">
             <a:extLst>
               <a:ext uri="{FF2B5EF4-FFF2-40B4-BE49-F238E27FC236}">
-                <a16:creationId xmlns:a16="http://schemas.microsoft.com/office/drawing/2014/main" id="{47ADA133-D8C7-4CA7-8F73-DBA01B8D925C}"/>
+                <a16:creationId xmlns:a16="http://schemas.microsoft.com/office/drawing/2014/main" id="{4135AA20-E132-4C70-B04C-3206BB4ED4E6}"/>
               </a:ext>
             </a:extLst>
           </p:cNvPr>
-          <p:cNvSpPr/>
-          <p:nvPr/>
-        </p:nvSpPr>
-        <p:spPr>
-          <a:xfrm>
-            <a:off x="1" y="0"/>
-            <a:ext cx="9144000" cy="787940"/>
-          </a:xfrm>
-          <a:prstGeom prst="rect">
-            <a:avLst/>
-          </a:prstGeom>
-          <a:solidFill>
-            <a:srgbClr val="121921"/>
-          </a:solidFill>
-          <a:ln>
-            <a:solidFill>
-              <a:srgbClr val="121921"/>
-            </a:solidFill>
-          </a:ln>
-        </p:spPr>
-        <p:style>
-          <a:lnRef idx="2">
-            <a:schemeClr val="accent1">
-              <a:shade val="50000"/>
-            </a:schemeClr>
-          </a:lnRef>
-          <a:fillRef idx="1">
-            <a:schemeClr val="accent1"/>
-          </a:fillRef>
-          <a:effectRef idx="0">
-            <a:schemeClr val="accent1"/>
-          </a:effectRef>
-          <a:fontRef idx="minor">
-            <a:schemeClr val="lt1"/>
-          </a:fontRef>
-        </p:style>
-        <p:txBody>
-          <a:bodyPr rtlCol="0" anchor="ctr"/>
-          <a:lstStyle/>
-          <a:p>
-            <a:pPr algn="ctr"/>
-            <a:endParaRPr lang="en-US" sz="1350" dirty="0"/>
-          </a:p>
-        </p:txBody>
-      </p:sp>
-      <p:pic>
-        <p:nvPicPr>
-          <p:cNvPr id="4" name="Picture 4" descr="A picture containing text, map&#10;&#10;Description generated with very high confidence">
-            <a:extLst>
-              <a:ext uri="{FF2B5EF4-FFF2-40B4-BE49-F238E27FC236}">
-                <a16:creationId xmlns:a16="http://schemas.microsoft.com/office/drawing/2014/main" id="{2F15CFF6-EB6F-4E50-BCC9-09B91C4E1B1C}"/>
-              </a:ext>
-            </a:extLst>
-          </p:cNvPr>
-          <p:cNvPicPr>
-            <a:picLocks noChangeAspect="1"/>
-          </p:cNvPicPr>
-          <p:nvPr/>
-        </p:nvPicPr>
-        <p:blipFill>
-          <a:blip r:embed="rId3"/>
-          <a:stretch>
-            <a:fillRect/>
-          </a:stretch>
-        </p:blipFill>
-        <p:spPr>
-          <a:xfrm>
-            <a:off x="5837224" y="967619"/>
-            <a:ext cx="3188905" cy="1931011"/>
-          </a:xfrm>
-          <a:prstGeom prst="rect">
-            <a:avLst/>
-          </a:prstGeom>
-        </p:spPr>
-      </p:pic>
-      <p:sp>
-        <p:nvSpPr>
-          <p:cNvPr id="8" name="TextBox 7">
-            <a:extLst>
-              <a:ext uri="{FF2B5EF4-FFF2-40B4-BE49-F238E27FC236}">
-                <a16:creationId xmlns:a16="http://schemas.microsoft.com/office/drawing/2014/main" id="{DA79E18D-A6D8-4DDA-8EA0-0B22236190BC}"/>
-              </a:ext>
-            </a:extLst>
-          </p:cNvPr>
-          <p:cNvSpPr txBox="1"/>
-          <p:nvPr/>
-        </p:nvSpPr>
-        <p:spPr>
-          <a:xfrm>
-            <a:off x="117872" y="1000984"/>
-            <a:ext cx="8365331" cy="3218958"/>
-          </a:xfrm>
-          <a:prstGeom prst="rect">
-            <a:avLst/>
-          </a:prstGeom>
-          <a:noFill/>
-        </p:spPr>
-        <p:txBody>
-          <a:bodyPr rot="0" spcFirstLastPara="0" vertOverflow="overflow" horzOverflow="overflow" vert="horz" wrap="square" lIns="68580" tIns="34290" rIns="68580" bIns="34290" numCol="1" spcCol="0" rtlCol="0" fromWordArt="0" anchor="t" anchorCtr="0" forceAA="0" compatLnSpc="1">
-            <a:prstTxWarp prst="textNoShape">
-              <a:avLst/>
-            </a:prstTxWarp>
-            <a:spAutoFit/>
+          <p:cNvSpPr>
+            <a:spLocks noGrp="1"/>
+          </p:cNvSpPr>
+          <p:nvPr>
+            <p:ph idx="1"/>
+          </p:nvPr>
+        </p:nvSpPr>
+        <p:spPr/>
+        <p:txBody>
+          <a:bodyPr>
+            <a:normAutofit fontScale="70000" lnSpcReduction="20000"/>
           </a:bodyPr>
           <a:lstStyle/>
           <a:p>
-            <a:pPr marL="257175" indent="-257175">
-              <a:lnSpc>
-                <a:spcPct val="125000"/>
-              </a:lnSpc>
-              <a:buFont typeface="Wingdings" panose="05000000000000000000" pitchFamily="2" charset="2"/>
-              <a:buChar char="§"/>
-            </a:pPr>
-            <a:r>
-              <a:rPr lang="en-US" sz="1650" dirty="0">
-                <a:solidFill>
-                  <a:srgbClr val="121921"/>
-                </a:solidFill>
-                <a:latin typeface="Source Sans Pro" panose="020B0503030403020204" pitchFamily="34" charset="0"/>
-                <a:ea typeface="Source Sans Pro" panose="020B0503030403020204" pitchFamily="34" charset="0"/>
-                <a:cs typeface="Arial"/>
-              </a:rPr>
-              <a:t>Amazing speakers with fresh content.</a:t>
-            </a:r>
-            <a:endParaRPr lang="en-US" dirty="0">
-              <a:cs typeface="Calibri" panose="020F0502020204030204"/>
-            </a:endParaRPr>
-          </a:p>
-          <a:p>
-            <a:pPr marL="257175" indent="-257175">
-              <a:lnSpc>
-                <a:spcPct val="125000"/>
-              </a:lnSpc>
-              <a:buFont typeface="Wingdings" panose="05000000000000000000" pitchFamily="2" charset="2"/>
-              <a:buChar char="§"/>
-            </a:pPr>
-            <a:r>
-              <a:rPr lang="en-US" sz="1650" dirty="0">
-                <a:solidFill>
-                  <a:srgbClr val="121921"/>
-                </a:solidFill>
-                <a:latin typeface="Source Sans Pro" panose="020B0503030403020204" pitchFamily="34" charset="0"/>
-                <a:ea typeface="Source Sans Pro" panose="020B0503030403020204" pitchFamily="34" charset="0"/>
-                <a:cs typeface="Arial"/>
-              </a:rPr>
-              <a:t>A fraction of the cost of the more crowded conferences.</a:t>
-            </a:r>
-          </a:p>
-          <a:p>
-            <a:pPr>
-              <a:lnSpc>
-                <a:spcPct val="125000"/>
-              </a:lnSpc>
-            </a:pPr>
-            <a:r>
-              <a:rPr lang="en-US" sz="1650" dirty="0">
-                <a:solidFill>
-                  <a:srgbClr val="121921"/>
-                </a:solidFill>
-                <a:latin typeface="Source Sans Pro"/>
-                <a:ea typeface="Source Sans Pro"/>
-                <a:cs typeface="Arial"/>
-              </a:rPr>
-              <a:t>         - 3-day conference plus lodging for ~$1000 </a:t>
-            </a:r>
-          </a:p>
-          <a:p>
-            <a:pPr marL="257175" indent="-257175">
-              <a:lnSpc>
-                <a:spcPct val="125000"/>
-              </a:lnSpc>
-              <a:buFont typeface="Wingdings" panose="05000000000000000000" pitchFamily="2" charset="2"/>
-              <a:buChar char="§"/>
-            </a:pPr>
-            <a:r>
-              <a:rPr lang="en-US" sz="1650" dirty="0">
-                <a:solidFill>
-                  <a:srgbClr val="121921"/>
-                </a:solidFill>
-                <a:latin typeface="Source Sans Pro"/>
-                <a:ea typeface="Source Sans Pro"/>
-                <a:cs typeface="Arial"/>
-              </a:rPr>
-              <a:t>4</a:t>
-            </a:r>
-            <a:r>
-              <a:rPr lang="en-US" sz="1650" baseline="30000" dirty="0">
-                <a:solidFill>
-                  <a:srgbClr val="121921"/>
-                </a:solidFill>
-                <a:latin typeface="Source Sans Pro"/>
-                <a:ea typeface="Source Sans Pro"/>
-                <a:cs typeface="Arial"/>
-              </a:rPr>
-              <a:t>th</a:t>
-            </a:r>
-            <a:r>
-              <a:rPr lang="en-US" sz="1650" dirty="0">
-                <a:solidFill>
-                  <a:srgbClr val="121921"/>
-                </a:solidFill>
-                <a:latin typeface="Source Sans Pro"/>
-                <a:ea typeface="Source Sans Pro"/>
-                <a:cs typeface="Arial"/>
-              </a:rPr>
-              <a:t> day of pre-conference workshops available.</a:t>
-            </a:r>
-          </a:p>
-          <a:p>
-            <a:pPr marL="257175" indent="-257175">
-              <a:lnSpc>
-                <a:spcPct val="125000"/>
-              </a:lnSpc>
-              <a:buFont typeface="Wingdings" panose="05000000000000000000" pitchFamily="2" charset="2"/>
-              <a:buChar char="§"/>
-            </a:pPr>
-            <a:r>
-              <a:rPr lang="en-US" sz="1650" dirty="0">
-                <a:solidFill>
-                  <a:srgbClr val="121921"/>
-                </a:solidFill>
-                <a:latin typeface="Source Sans Pro"/>
-                <a:ea typeface="Source Sans Pro"/>
-                <a:cs typeface="Arial"/>
-              </a:rPr>
-              <a:t>Kalahari Resort Poconos – easy drive from major NE cities.</a:t>
-            </a:r>
-            <a:endParaRPr lang="en-US" sz="1650" dirty="0">
-              <a:solidFill>
-                <a:srgbClr val="121921"/>
-              </a:solidFill>
-              <a:latin typeface="Source Sans Pro"/>
-              <a:ea typeface="Source Sans Pro"/>
-              <a:cs typeface="Calibri"/>
-            </a:endParaRPr>
-          </a:p>
-          <a:p>
-            <a:pPr marL="257175" indent="-257175">
-              <a:lnSpc>
-                <a:spcPct val="125000"/>
-              </a:lnSpc>
-              <a:buFont typeface="Wingdings" panose="05000000000000000000" pitchFamily="2" charset="2"/>
-              <a:buChar char="§"/>
-            </a:pPr>
-            <a:r>
-              <a:rPr lang="en-US" sz="1650" dirty="0">
-                <a:solidFill>
-                  <a:srgbClr val="121921"/>
-                </a:solidFill>
-                <a:latin typeface="Source Sans Pro"/>
-                <a:ea typeface="Source Sans Pro"/>
-                <a:cs typeface="Arial"/>
-              </a:rPr>
-              <a:t>World-class keynote speakers.</a:t>
-            </a:r>
-          </a:p>
-          <a:p>
-            <a:pPr marL="257175" indent="-257175">
-              <a:lnSpc>
-                <a:spcPct val="125000"/>
-              </a:lnSpc>
-              <a:buFont typeface="Wingdings" panose="05000000000000000000" pitchFamily="2" charset="2"/>
-              <a:buChar char="§"/>
-            </a:pPr>
-            <a:r>
-              <a:rPr lang="en-US" sz="1650" dirty="0">
-                <a:solidFill>
-                  <a:srgbClr val="121921"/>
-                </a:solidFill>
-                <a:latin typeface="Source Sans Pro"/>
-                <a:ea typeface="Source Sans Pro"/>
-                <a:cs typeface="Arial"/>
-              </a:rPr>
-              <a:t>In addition to the sessions, you get a great hallway track,                                                                amazing food, attendee Welcome Reception, Game Night &amp; more!</a:t>
-            </a:r>
-          </a:p>
-          <a:p>
-            <a:pPr marL="257175" indent="-257175">
-              <a:lnSpc>
-                <a:spcPct val="125000"/>
-              </a:lnSpc>
-              <a:buFont typeface="Wingdings" panose="05000000000000000000" pitchFamily="2" charset="2"/>
-              <a:buChar char="§"/>
-            </a:pPr>
-            <a:r>
-              <a:rPr lang="en-US" sz="1650" dirty="0">
-                <a:solidFill>
-                  <a:srgbClr val="121921"/>
-                </a:solidFill>
-                <a:latin typeface="Source Sans Pro"/>
-                <a:ea typeface="Source Sans Pro"/>
-                <a:cs typeface="Arial"/>
-              </a:rPr>
-              <a:t>Family Day Friday - full day of kids' sessions, free for attendees' families.</a:t>
-            </a:r>
-          </a:p>
-          <a:p>
-            <a:pPr marL="257175" indent="-257175">
-              <a:lnSpc>
-                <a:spcPct val="125000"/>
-              </a:lnSpc>
-              <a:buFont typeface="Wingdings" panose="05000000000000000000" pitchFamily="2" charset="2"/>
-              <a:buChar char="§"/>
-            </a:pPr>
-            <a:r>
-              <a:rPr lang="en-US" sz="1650" dirty="0">
-                <a:solidFill>
-                  <a:srgbClr val="121921"/>
-                </a:solidFill>
-                <a:latin typeface="Source Sans Pro"/>
-                <a:ea typeface="Source Sans Pro"/>
-                <a:cs typeface="Arial"/>
-              </a:rPr>
-              <a:t>Discounted hotel rooms with free water park access: stay, learn &amp; play all week!</a:t>
-            </a:r>
-          </a:p>
-        </p:txBody>
-      </p:sp>
-      <p:sp>
-        <p:nvSpPr>
-          <p:cNvPr id="9" name="TextBox 8">
-            <a:extLst>
-              <a:ext uri="{FF2B5EF4-FFF2-40B4-BE49-F238E27FC236}">
-                <a16:creationId xmlns:a16="http://schemas.microsoft.com/office/drawing/2014/main" id="{3E93AAE9-B6FF-416F-900F-43D38126E2F1}"/>
-              </a:ext>
-            </a:extLst>
-          </p:cNvPr>
-          <p:cNvSpPr txBox="1"/>
-          <p:nvPr/>
-        </p:nvSpPr>
-        <p:spPr>
-          <a:xfrm>
-            <a:off x="2131567" y="4301773"/>
-            <a:ext cx="4173461" cy="346249"/>
-          </a:xfrm>
-          <a:prstGeom prst="rect">
-            <a:avLst/>
-          </a:prstGeom>
-          <a:noFill/>
-        </p:spPr>
-        <p:txBody>
-          <a:bodyPr rot="0" spcFirstLastPara="0" vertOverflow="overflow" horzOverflow="overflow" vert="horz" wrap="square" lIns="68580" tIns="34290" rIns="68580" bIns="34290" numCol="1" spcCol="0" rtlCol="0" fromWordArt="0" anchor="t" anchorCtr="0" forceAA="0" compatLnSpc="1">
-            <a:prstTxWarp prst="textNoShape">
-              <a:avLst/>
-            </a:prstTxWarp>
-            <a:spAutoFit/>
-          </a:bodyPr>
-          <a:lstStyle/>
-          <a:p>
-            <a:r>
-              <a:rPr lang="en-US" dirty="0">
-                <a:solidFill>
-                  <a:srgbClr val="121921"/>
-                </a:solidFill>
-                <a:latin typeface="Source Sans Pro Black" panose="020B0803030403020204" pitchFamily="34" charset="0"/>
-                <a:ea typeface="Source Sans Pro" panose="020B0503030403020204" pitchFamily="34" charset="0"/>
-                <a:cs typeface="Segoe UI"/>
-              </a:rPr>
-              <a:t>Info: </a:t>
-            </a:r>
-            <a:r>
-              <a:rPr lang="en-US" dirty="0">
-                <a:solidFill>
-                  <a:srgbClr val="121921"/>
-                </a:solidFill>
-                <a:latin typeface="Source Sans Pro Black" panose="020B0803030403020204" pitchFamily="34" charset="0"/>
-                <a:ea typeface="Source Sans Pro" panose="020B0503030403020204" pitchFamily="34" charset="0"/>
-                <a:cs typeface="Segoe UI"/>
-                <a:hlinkClick r:id="rId4">
-                  <a:extLst>
-                    <a:ext uri="{A12FA001-AC4F-418D-AE19-62706E023703}">
-                      <ahyp:hlinkClr xmlns:ahyp="http://schemas.microsoft.com/office/drawing/2018/hyperlinkcolor" val="tx"/>
-                    </a:ext>
-                  </a:extLst>
-                </a:hlinkClick>
-              </a:rPr>
-              <a:t>techbash.com</a:t>
-            </a:r>
-            <a:r>
-              <a:rPr lang="en-US" dirty="0">
-                <a:solidFill>
-                  <a:srgbClr val="121921"/>
-                </a:solidFill>
-                <a:latin typeface="Source Sans Pro" panose="020B0503030403020204" pitchFamily="34" charset="0"/>
-                <a:ea typeface="Source Sans Pro" panose="020B0503030403020204" pitchFamily="34" charset="0"/>
-              </a:rPr>
-              <a:t> or </a:t>
-            </a:r>
-            <a:r>
-              <a:rPr lang="en-US" dirty="0">
-                <a:solidFill>
-                  <a:srgbClr val="121921"/>
-                </a:solidFill>
-                <a:latin typeface="Source Sans Pro Black" panose="020B0803030403020204" pitchFamily="34" charset="0"/>
-                <a:ea typeface="Source Sans Pro" panose="020B0503030403020204" pitchFamily="34" charset="0"/>
-              </a:rPr>
-              <a:t>@techbash</a:t>
-            </a:r>
-            <a:endParaRPr lang="en-US" dirty="0">
-              <a:solidFill>
-                <a:srgbClr val="121921"/>
-              </a:solidFill>
-              <a:latin typeface="Source Sans Pro Black" panose="020B0803030403020204" pitchFamily="34" charset="0"/>
-              <a:ea typeface="Source Sans Pro" panose="020B0503030403020204" pitchFamily="34" charset="0"/>
-              <a:cs typeface="Calibri"/>
-            </a:endParaRPr>
-          </a:p>
-        </p:txBody>
-      </p:sp>
-      <p:pic>
-        <p:nvPicPr>
-          <p:cNvPr id="10" name="Picture 10" descr="A picture containing indoor, building, table&#10;&#10;Description generated with high confidence">
-            <a:extLst>
-              <a:ext uri="{FF2B5EF4-FFF2-40B4-BE49-F238E27FC236}">
-                <a16:creationId xmlns:a16="http://schemas.microsoft.com/office/drawing/2014/main" id="{A92F3EB1-8376-4601-B443-DFB7DE3FFAA7}"/>
-              </a:ext>
-            </a:extLst>
-          </p:cNvPr>
-          <p:cNvPicPr>
-            <a:picLocks noChangeAspect="1"/>
-          </p:cNvPicPr>
-          <p:nvPr/>
-        </p:nvPicPr>
-        <p:blipFill>
-          <a:blip r:embed="rId5"/>
-          <a:stretch>
-            <a:fillRect/>
-          </a:stretch>
-        </p:blipFill>
-        <p:spPr>
-          <a:xfrm>
-            <a:off x="7997429" y="3057886"/>
-            <a:ext cx="1028700" cy="1271588"/>
-          </a:xfrm>
-          <a:prstGeom prst="rect">
-            <a:avLst/>
-          </a:prstGeom>
-        </p:spPr>
-      </p:pic>
-      <p:pic>
-        <p:nvPicPr>
-          <p:cNvPr id="5" name="Picture 4" descr="A close up of a logo&#10;&#10;Description automatically generated">
-            <a:extLst>
-              <a:ext uri="{FF2B5EF4-FFF2-40B4-BE49-F238E27FC236}">
-                <a16:creationId xmlns:a16="http://schemas.microsoft.com/office/drawing/2014/main" id="{5750C9C9-120D-4C81-BB23-3B8D109EA19A}"/>
-              </a:ext>
-            </a:extLst>
-          </p:cNvPr>
-          <p:cNvPicPr>
-            <a:picLocks noChangeAspect="1"/>
-          </p:cNvPicPr>
-          <p:nvPr/>
-        </p:nvPicPr>
-        <p:blipFill>
-          <a:blip r:embed="rId6" cstate="print">
-            <a:extLst>
-              <a:ext uri="{28A0092B-C50C-407E-A947-70E740481C1C}">
-                <a14:useLocalDpi xmlns:a14="http://schemas.microsoft.com/office/drawing/2010/main" val="0"/>
-              </a:ext>
-            </a:extLst>
-          </a:blip>
-          <a:stretch>
-            <a:fillRect/>
-          </a:stretch>
-        </p:blipFill>
-        <p:spPr>
-          <a:xfrm>
-            <a:off x="-1" y="794118"/>
-            <a:ext cx="9144000" cy="53788"/>
-          </a:xfrm>
-          <a:prstGeom prst="rect">
-            <a:avLst/>
-          </a:prstGeom>
-        </p:spPr>
-      </p:pic>
-      <p:pic>
-        <p:nvPicPr>
-          <p:cNvPr id="11" name="Picture 10" descr="A picture containing clipart&#10;&#10;Description automatically generated">
-            <a:extLst>
-              <a:ext uri="{FF2B5EF4-FFF2-40B4-BE49-F238E27FC236}">
-                <a16:creationId xmlns:a16="http://schemas.microsoft.com/office/drawing/2014/main" id="{E2AA25F2-6048-4660-B47E-23A873B0ADF3}"/>
-              </a:ext>
-            </a:extLst>
-          </p:cNvPr>
-          <p:cNvPicPr>
-            <a:picLocks noChangeAspect="1"/>
-          </p:cNvPicPr>
-          <p:nvPr/>
-        </p:nvPicPr>
-        <p:blipFill>
-          <a:blip r:embed="rId7" cstate="print">
-            <a:extLst>
-              <a:ext uri="{28A0092B-C50C-407E-A947-70E740481C1C}">
-                <a14:useLocalDpi xmlns:a14="http://schemas.microsoft.com/office/drawing/2010/main" val="0"/>
-              </a:ext>
-            </a:extLst>
-          </a:blip>
-          <a:stretch>
-            <a:fillRect/>
-          </a:stretch>
-        </p:blipFill>
-        <p:spPr>
-          <a:xfrm>
-            <a:off x="130945" y="102141"/>
-            <a:ext cx="2983017" cy="579497"/>
-          </a:xfrm>
-          <a:prstGeom prst="rect">
-            <a:avLst/>
-          </a:prstGeom>
-        </p:spPr>
-      </p:pic>
-      <p:sp>
-        <p:nvSpPr>
-          <p:cNvPr id="12" name="TextBox 11">
-            <a:extLst>
-              <a:ext uri="{FF2B5EF4-FFF2-40B4-BE49-F238E27FC236}">
-                <a16:creationId xmlns:a16="http://schemas.microsoft.com/office/drawing/2014/main" id="{938AB65C-AA84-47D6-9062-85EA15816E10}"/>
-              </a:ext>
-            </a:extLst>
-          </p:cNvPr>
-          <p:cNvSpPr txBox="1"/>
-          <p:nvPr/>
-        </p:nvSpPr>
-        <p:spPr>
-          <a:xfrm>
-            <a:off x="3173158" y="227195"/>
-            <a:ext cx="5911647" cy="438581"/>
-          </a:xfrm>
-          <a:prstGeom prst="rect">
-            <a:avLst/>
-          </a:prstGeom>
-          <a:noFill/>
-        </p:spPr>
-        <p:txBody>
-          <a:bodyPr rot="0" spcFirstLastPara="0" vertOverflow="overflow" horzOverflow="overflow" vert="horz" wrap="square" lIns="68580" tIns="34290" rIns="68580" bIns="34290" numCol="1" spcCol="0" rtlCol="0" fromWordArt="0" anchor="t" anchorCtr="0" forceAA="0" compatLnSpc="1">
-            <a:prstTxWarp prst="textNoShape">
-              <a:avLst/>
-            </a:prstTxWarp>
-            <a:noAutofit/>
-          </a:bodyPr>
-          <a:lstStyle/>
-          <a:p>
-            <a:pPr algn="r"/>
-            <a:r>
-              <a:rPr lang="en-US" sz="2400" dirty="0">
-                <a:solidFill>
-                  <a:srgbClr val="E3F1FA"/>
-                </a:solidFill>
-                <a:latin typeface="Oswald"/>
-                <a:cs typeface="Segoe UI"/>
-              </a:rPr>
-              <a:t>September 24-27, 2024 | Pocono Manor, PA</a:t>
-            </a:r>
-            <a:endParaRPr lang="en-US" sz="2400" dirty="0">
-              <a:solidFill>
-                <a:srgbClr val="E3F1FA"/>
-              </a:solidFill>
-              <a:latin typeface="Oswald"/>
-              <a:cs typeface="Calibri"/>
-            </a:endParaRPr>
-          </a:p>
-        </p:txBody>
-      </p:sp>
-      <p:sp>
-        <p:nvSpPr>
-          <p:cNvPr id="3" name="TextBox 2">
-            <a:extLst>
-              <a:ext uri="{FF2B5EF4-FFF2-40B4-BE49-F238E27FC236}">
-                <a16:creationId xmlns:a16="http://schemas.microsoft.com/office/drawing/2014/main" id="{8CEC4925-CE3D-BFAD-54A0-4D24A1340AB4}"/>
-              </a:ext>
-            </a:extLst>
-          </p:cNvPr>
-          <p:cNvSpPr txBox="1"/>
-          <p:nvPr/>
-        </p:nvSpPr>
-        <p:spPr>
-          <a:xfrm>
-            <a:off x="1588639" y="4648022"/>
-            <a:ext cx="5423795" cy="346249"/>
-          </a:xfrm>
-          <a:prstGeom prst="rect">
-            <a:avLst/>
-          </a:prstGeom>
-          <a:noFill/>
-        </p:spPr>
-        <p:txBody>
-          <a:bodyPr rot="0" spcFirstLastPara="0" vertOverflow="overflow" horzOverflow="overflow" vert="horz" wrap="square" lIns="68580" tIns="34290" rIns="68580" bIns="34290" numCol="1" spcCol="0" rtlCol="0" fromWordArt="0" anchor="t" anchorCtr="0" forceAA="0" compatLnSpc="1">
-            <a:prstTxWarp prst="textNoShape">
-              <a:avLst/>
-            </a:prstTxWarp>
-            <a:spAutoFit/>
-          </a:bodyPr>
-          <a:lstStyle/>
-          <a:p>
-            <a:r>
-              <a:rPr lang="en-US" dirty="0">
-                <a:solidFill>
-                  <a:srgbClr val="121921"/>
-                </a:solidFill>
-                <a:latin typeface="Source Sans Pro Black" panose="020B0803030403020204" pitchFamily="34" charset="0"/>
-                <a:ea typeface="Source Sans Pro" panose="020B0503030403020204" pitchFamily="34" charset="0"/>
-                <a:cs typeface="Calibri"/>
-              </a:rPr>
-              <a:t>Call for speakers: </a:t>
-            </a:r>
-            <a:r>
-              <a:rPr lang="en-US" dirty="0">
-                <a:solidFill>
-                  <a:srgbClr val="121921"/>
-                </a:solidFill>
-                <a:latin typeface="Source Sans Pro" panose="020B0503030403020204" pitchFamily="34" charset="0"/>
-                <a:ea typeface="Source Sans Pro" panose="020B0503030403020204" pitchFamily="34" charset="0"/>
-                <a:cs typeface="Calibri"/>
-                <a:hlinkClick r:id="rId8"/>
-              </a:rPr>
-              <a:t>sessionize.com/techbash-2024/</a:t>
-            </a:r>
-            <a:endParaRPr lang="en-US" dirty="0">
-              <a:solidFill>
-                <a:srgbClr val="121921"/>
-              </a:solidFill>
-              <a:latin typeface="Source Sans Pro" panose="020B0503030403020204" pitchFamily="34" charset="0"/>
-              <a:ea typeface="Source Sans Pro" panose="020B0503030403020204" pitchFamily="34" charset="0"/>
-              <a:cs typeface="Calibri"/>
-            </a:endParaRPr>
+            <a:r>
+              <a:rPr lang="en-US" dirty="0"/>
+              <a:t>A brief history of Windows development</a:t>
+            </a:r>
+          </a:p>
+          <a:p>
+            <a:r>
+              <a:rPr lang="en-US" dirty="0"/>
+              <a:t>Today’s Choices – Pros &amp; Cons</a:t>
+            </a:r>
+          </a:p>
+          <a:p>
+            <a:pPr lvl="1"/>
+            <a:r>
+              <a:rPr lang="en-US" dirty="0"/>
+              <a:t>Windows Forms</a:t>
+            </a:r>
+          </a:p>
+          <a:p>
+            <a:pPr lvl="1"/>
+            <a:r>
+              <a:rPr lang="en-US" dirty="0"/>
+              <a:t>WPF</a:t>
+            </a:r>
+          </a:p>
+          <a:p>
+            <a:pPr lvl="1"/>
+            <a:r>
+              <a:rPr lang="en-US" dirty="0"/>
+              <a:t>UWP</a:t>
+            </a:r>
+          </a:p>
+          <a:p>
+            <a:pPr lvl="1"/>
+            <a:r>
+              <a:rPr lang="en-US" dirty="0"/>
+              <a:t>WinUI &amp; Windows App SDK</a:t>
+            </a:r>
+          </a:p>
+          <a:p>
+            <a:pPr lvl="1"/>
+            <a:r>
+              <a:rPr lang="en-US" dirty="0"/>
+              <a:t>.NET MAUI</a:t>
+            </a:r>
+          </a:p>
+          <a:p>
+            <a:pPr lvl="1"/>
+            <a:r>
+              <a:rPr lang="en-US" dirty="0"/>
+              <a:t>Uno Platform, Blazor &amp; Avalonia</a:t>
+            </a:r>
+          </a:p>
+          <a:p>
+            <a:r>
+              <a:rPr lang="en-US" dirty="0"/>
+              <a:t>Guidelines when choosing a framework</a:t>
+            </a:r>
+          </a:p>
+          <a:p>
+            <a:r>
+              <a:rPr lang="en-US" dirty="0"/>
+              <a:t>Resources and Q&amp;A</a:t>
+            </a:r>
           </a:p>
         </p:txBody>
       </p:sp>
     </p:spTree>
     <p:extLst>
       <p:ext uri="{BB962C8B-B14F-4D97-AF65-F5344CB8AC3E}">
-        <p14:creationId xmlns:p14="http://schemas.microsoft.com/office/powerpoint/2010/main" val="109857222"/>
+        <p14:creationId xmlns:p14="http://schemas.microsoft.com/office/powerpoint/2010/main" val="3142204010"/>
       </p:ext>
     </p:extLst>
   </p:cSld>
@@ -11403,154 +10754,6 @@
           <p:cNvPr id="2" name="Title 1">
             <a:extLst>
               <a:ext uri="{FF2B5EF4-FFF2-40B4-BE49-F238E27FC236}">
-                <a16:creationId xmlns:a16="http://schemas.microsoft.com/office/drawing/2014/main" id="{9F13A304-57D4-20B5-4503-69D663D3EEB8}"/>
-              </a:ext>
-            </a:extLst>
-          </p:cNvPr>
-          <p:cNvSpPr>
-            <a:spLocks noGrp="1"/>
-          </p:cNvSpPr>
-          <p:nvPr>
-            <p:ph type="title"/>
-          </p:nvPr>
-        </p:nvSpPr>
-        <p:spPr/>
-        <p:txBody>
-          <a:bodyPr/>
-          <a:lstStyle/>
-          <a:p>
-            <a:r>
-              <a:rPr lang="en-US" dirty="0"/>
-              <a:t>Agenda</a:t>
-            </a:r>
-          </a:p>
-        </p:txBody>
-      </p:sp>
-      <p:sp>
-        <p:nvSpPr>
-          <p:cNvPr id="3" name="Content Placeholder 2">
-            <a:extLst>
-              <a:ext uri="{FF2B5EF4-FFF2-40B4-BE49-F238E27FC236}">
-                <a16:creationId xmlns:a16="http://schemas.microsoft.com/office/drawing/2014/main" id="{4135AA20-E132-4C70-B04C-3206BB4ED4E6}"/>
-              </a:ext>
-            </a:extLst>
-          </p:cNvPr>
-          <p:cNvSpPr>
-            <a:spLocks noGrp="1"/>
-          </p:cNvSpPr>
-          <p:nvPr>
-            <p:ph idx="1"/>
-          </p:nvPr>
-        </p:nvSpPr>
-        <p:spPr/>
-        <p:txBody>
-          <a:bodyPr>
-            <a:normAutofit fontScale="70000" lnSpcReduction="20000"/>
-          </a:bodyPr>
-          <a:lstStyle/>
-          <a:p>
-            <a:r>
-              <a:rPr lang="en-US" dirty="0"/>
-              <a:t>A brief history of Windows development</a:t>
-            </a:r>
-          </a:p>
-          <a:p>
-            <a:r>
-              <a:rPr lang="en-US" dirty="0"/>
-              <a:t>Today’s Choices – Pros &amp; Cons</a:t>
-            </a:r>
-          </a:p>
-          <a:p>
-            <a:pPr lvl="1"/>
-            <a:r>
-              <a:rPr lang="en-US" dirty="0"/>
-              <a:t>Windows Forms</a:t>
-            </a:r>
-          </a:p>
-          <a:p>
-            <a:pPr lvl="1"/>
-            <a:r>
-              <a:rPr lang="en-US" dirty="0"/>
-              <a:t>WPF</a:t>
-            </a:r>
-          </a:p>
-          <a:p>
-            <a:pPr lvl="1"/>
-            <a:r>
-              <a:rPr lang="en-US" dirty="0"/>
-              <a:t>UWP</a:t>
-            </a:r>
-          </a:p>
-          <a:p>
-            <a:pPr lvl="1"/>
-            <a:r>
-              <a:rPr lang="en-US" dirty="0"/>
-              <a:t>WinUI &amp; Windows App SDK</a:t>
-            </a:r>
-          </a:p>
-          <a:p>
-            <a:pPr lvl="1"/>
-            <a:r>
-              <a:rPr lang="en-US" dirty="0"/>
-              <a:t>.NET MAUI</a:t>
-            </a:r>
-          </a:p>
-          <a:p>
-            <a:pPr lvl="1"/>
-            <a:r>
-              <a:rPr lang="en-US" dirty="0"/>
-              <a:t>Uno Platform, Blazor &amp; Avalonia</a:t>
-            </a:r>
-          </a:p>
-          <a:p>
-            <a:r>
-              <a:rPr lang="en-US" dirty="0"/>
-              <a:t>Guidelines when choosing a framework</a:t>
-            </a:r>
-          </a:p>
-          <a:p>
-            <a:r>
-              <a:rPr lang="en-US" dirty="0"/>
-              <a:t>Resources and Q&amp;A</a:t>
-            </a:r>
-          </a:p>
-        </p:txBody>
-      </p:sp>
-    </p:spTree>
-    <p:extLst>
-      <p:ext uri="{BB962C8B-B14F-4D97-AF65-F5344CB8AC3E}">
-        <p14:creationId xmlns:p14="http://schemas.microsoft.com/office/powerpoint/2010/main" val="3142204010"/>
-      </p:ext>
-    </p:extLst>
-  </p:cSld>
-  <p:clrMapOvr>
-    <a:masterClrMapping/>
-  </p:clrMapOvr>
-</p:sld>
-</file>
-
-<file path=ppt/slides/slide6.xml><?xml version="1.0" encoding="utf-8"?>
-<p:sld xmlns:a="http://schemas.openxmlformats.org/drawingml/2006/main" xmlns:r="http://schemas.openxmlformats.org/officeDocument/2006/relationships" xmlns:p="http://schemas.openxmlformats.org/presentationml/2006/main">
-  <p:cSld>
-    <p:spTree>
-      <p:nvGrpSpPr>
-        <p:cNvPr id="1" name=""/>
-        <p:cNvGrpSpPr/>
-        <p:nvPr/>
-      </p:nvGrpSpPr>
-      <p:grpSpPr>
-        <a:xfrm>
-          <a:off x="0" y="0"/>
-          <a:ext cx="0" cy="0"/>
-          <a:chOff x="0" y="0"/>
-          <a:chExt cx="0" cy="0"/>
-        </a:xfrm>
-      </p:grpSpPr>
-      <p:sp>
-        <p:nvSpPr>
-          <p:cNvPr id="2" name="Title 1">
-            <a:extLst>
-              <a:ext uri="{FF2B5EF4-FFF2-40B4-BE49-F238E27FC236}">
                 <a16:creationId xmlns:a16="http://schemas.microsoft.com/office/drawing/2014/main" id="{37C96A80-9CE9-56EE-16E5-00471F4B19CD}"/>
               </a:ext>
             </a:extLst>
@@ -11698,7 +10901,7 @@
 </p:sld>
 </file>
 
-<file path=ppt/slides/slide7.xml><?xml version="1.0" encoding="utf-8"?>
+<file path=ppt/slides/slide6.xml><?xml version="1.0" encoding="utf-8"?>
 <p:sld xmlns:a="http://schemas.openxmlformats.org/drawingml/2006/main" xmlns:r="http://schemas.openxmlformats.org/officeDocument/2006/relationships" xmlns:p="http://schemas.openxmlformats.org/presentationml/2006/main">
   <p:cSld>
     <p:spTree>
@@ -11955,6 +11158,165 @@
 </p:sld>
 </file>
 
+<file path=ppt/slides/slide7.xml><?xml version="1.0" encoding="utf-8"?>
+<p:sld xmlns:a="http://schemas.openxmlformats.org/drawingml/2006/main" xmlns:r="http://schemas.openxmlformats.org/officeDocument/2006/relationships" xmlns:p="http://schemas.openxmlformats.org/presentationml/2006/main">
+  <p:cSld>
+    <p:spTree>
+      <p:nvGrpSpPr>
+        <p:cNvPr id="1" name=""/>
+        <p:cNvGrpSpPr/>
+        <p:nvPr/>
+      </p:nvGrpSpPr>
+      <p:grpSpPr>
+        <a:xfrm>
+          <a:off x="0" y="0"/>
+          <a:ext cx="0" cy="0"/>
+          <a:chOff x="0" y="0"/>
+          <a:chExt cx="0" cy="0"/>
+        </a:xfrm>
+      </p:grpSpPr>
+      <p:sp>
+        <p:nvSpPr>
+          <p:cNvPr id="2" name="Title 1">
+            <a:extLst>
+              <a:ext uri="{FF2B5EF4-FFF2-40B4-BE49-F238E27FC236}">
+                <a16:creationId xmlns:a16="http://schemas.microsoft.com/office/drawing/2014/main" id="{47A917D6-4A16-9A8A-9FC1-4D7B89F1EB40}"/>
+              </a:ext>
+            </a:extLst>
+          </p:cNvPr>
+          <p:cNvSpPr>
+            <a:spLocks noGrp="1"/>
+          </p:cNvSpPr>
+          <p:nvPr>
+            <p:ph type="title"/>
+          </p:nvPr>
+        </p:nvSpPr>
+        <p:spPr/>
+        <p:txBody>
+          <a:bodyPr/>
+          <a:lstStyle/>
+          <a:p>
+            <a:r>
+              <a:rPr lang="en-US" dirty="0"/>
+              <a:t>Windows Forms Advantages</a:t>
+            </a:r>
+          </a:p>
+        </p:txBody>
+      </p:sp>
+      <p:sp>
+        <p:nvSpPr>
+          <p:cNvPr id="3" name="Content Placeholder 2">
+            <a:extLst>
+              <a:ext uri="{FF2B5EF4-FFF2-40B4-BE49-F238E27FC236}">
+                <a16:creationId xmlns:a16="http://schemas.microsoft.com/office/drawing/2014/main" id="{A4A96082-A7F4-61C1-06E1-F7D7046C9EB1}"/>
+              </a:ext>
+            </a:extLst>
+          </p:cNvPr>
+          <p:cNvSpPr>
+            <a:spLocks noGrp="1"/>
+          </p:cNvSpPr>
+          <p:nvPr>
+            <p:ph idx="1"/>
+          </p:nvPr>
+        </p:nvSpPr>
+        <p:spPr/>
+        <p:txBody>
+          <a:bodyPr>
+            <a:normAutofit fontScale="62500" lnSpcReduction="20000"/>
+          </a:bodyPr>
+          <a:lstStyle/>
+          <a:p>
+            <a:r>
+              <a:rPr lang="en-US" dirty="0"/>
+              <a:t>Rapid UI development with forms designer and data binding</a:t>
+            </a:r>
+          </a:p>
+          <a:p>
+            <a:r>
+              <a:rPr lang="en-US" dirty="0"/>
+              <a:t>Third-party control support</a:t>
+            </a:r>
+          </a:p>
+          <a:p>
+            <a:r>
+              <a:rPr lang="en-US" dirty="0"/>
+              <a:t>Modern and legacy options</a:t>
+            </a:r>
+          </a:p>
+          <a:p>
+            <a:pPr lvl="1"/>
+            <a:r>
+              <a:rPr lang="en-US" dirty="0"/>
+              <a:t>.NET Framework to target legacy Windows</a:t>
+            </a:r>
+          </a:p>
+          <a:p>
+            <a:pPr lvl="1"/>
+            <a:r>
+              <a:rPr lang="en-US" dirty="0"/>
+              <a:t>.NET 8 for modern language features and performance</a:t>
+            </a:r>
+          </a:p>
+          <a:p>
+            <a:pPr lvl="1"/>
+            <a:r>
+              <a:rPr lang="en-US" dirty="0"/>
+              <a:t>Upgrade .NET Framework apps to modern .NET with Visual Studio</a:t>
+            </a:r>
+          </a:p>
+          <a:p>
+            <a:r>
+              <a:rPr lang="en-US" dirty="0"/>
+              <a:t>Active* Development (Accessibility, High DPI, Performance, Dark Mode?)</a:t>
+            </a:r>
+          </a:p>
+          <a:p>
+            <a:pPr lvl="1"/>
+            <a:r>
+              <a:rPr lang="en-US" dirty="0"/>
+              <a:t>Roadmap: </a:t>
+            </a:r>
+            <a:r>
+              <a:rPr lang="en-US" dirty="0">
+                <a:hlinkClick r:id="rId3"/>
+              </a:rPr>
+              <a:t>https://github.com/dotnet/winforms/blob/main/docs/roadmap.md</a:t>
+            </a:r>
+            <a:r>
+              <a:rPr lang="en-US" dirty="0"/>
+              <a:t>  </a:t>
+            </a:r>
+          </a:p>
+          <a:p>
+            <a:pPr marL="0" indent="0">
+              <a:buNone/>
+            </a:pPr>
+            <a:endParaRPr lang="en-US" dirty="0"/>
+          </a:p>
+          <a:p>
+            <a:pPr marL="0" indent="0">
+              <a:buNone/>
+            </a:pPr>
+            <a:r>
+              <a:rPr lang="en-US" i="1" dirty="0"/>
+              <a:t>Every C# (or VB) developer is already a WinForms developer</a:t>
+            </a:r>
+          </a:p>
+        </p:txBody>
+      </p:sp>
+    </p:spTree>
+    <p:extLst>
+      <p:ext uri="{BB962C8B-B14F-4D97-AF65-F5344CB8AC3E}">
+        <p14:creationId xmlns:p14="http://schemas.microsoft.com/office/powerpoint/2010/main" val="2326753906"/>
+      </p:ext>
+    </p:extLst>
+  </p:cSld>
+  <p:clrMapOvr>
+    <a:masterClrMapping/>
+  </p:clrMapOvr>
+</p:sld>
+</file>
+
 <file path=ppt/slides/slide8.xml><?xml version="1.0" encoding="utf-8"?>
 <p:sld xmlns:a="http://schemas.openxmlformats.org/drawingml/2006/main" xmlns:r="http://schemas.openxmlformats.org/officeDocument/2006/relationships" xmlns:p="http://schemas.openxmlformats.org/presentationml/2006/main">
   <p:cSld>
@@ -11977,7 +11339,7 @@
           <p:cNvPr id="2" name="Title 1">
             <a:extLst>
               <a:ext uri="{FF2B5EF4-FFF2-40B4-BE49-F238E27FC236}">
-                <a16:creationId xmlns:a16="http://schemas.microsoft.com/office/drawing/2014/main" id="{47A917D6-4A16-9A8A-9FC1-4D7B89F1EB40}"/>
+                <a16:creationId xmlns:a16="http://schemas.microsoft.com/office/drawing/2014/main" id="{95FA2FEC-EF09-1773-ACD2-4773B2DCC56E}"/>
               </a:ext>
             </a:extLst>
           </p:cNvPr>
@@ -11990,12 +11352,14 @@
         </p:nvSpPr>
         <p:spPr/>
         <p:txBody>
-          <a:bodyPr/>
+          <a:bodyPr>
+            <a:normAutofit fontScale="90000"/>
+          </a:bodyPr>
           <a:lstStyle/>
           <a:p>
             <a:r>
               <a:rPr lang="en-US" dirty="0"/>
-              <a:t>Windows Forms Advantages</a:t>
+              <a:t>Windows Forms Drawbacks &amp; Demo</a:t>
             </a:r>
           </a:p>
         </p:txBody>
@@ -12005,7 +11369,7 @@
           <p:cNvPr id="3" name="Content Placeholder 2">
             <a:extLst>
               <a:ext uri="{FF2B5EF4-FFF2-40B4-BE49-F238E27FC236}">
-                <a16:creationId xmlns:a16="http://schemas.microsoft.com/office/drawing/2014/main" id="{A4A96082-A7F4-61C1-06E1-F7D7046C9EB1}"/>
+                <a16:creationId xmlns:a16="http://schemas.microsoft.com/office/drawing/2014/main" id="{4AFC3C53-C4A6-638B-8518-BEE952616E74}"/>
               </a:ext>
             </a:extLst>
           </p:cNvPr>
@@ -12019,84 +11383,58 @@
         <p:spPr/>
         <p:txBody>
           <a:bodyPr>
-            <a:normAutofit fontScale="62500" lnSpcReduction="20000"/>
+            <a:normAutofit fontScale="85000" lnSpcReduction="20000"/>
           </a:bodyPr>
           <a:lstStyle/>
           <a:p>
             <a:r>
               <a:rPr lang="en-US" dirty="0"/>
-              <a:t>Rapid UI development with forms designer and data binding</a:t>
-            </a:r>
-          </a:p>
-          <a:p>
-            <a:r>
-              <a:rPr lang="en-US" dirty="0"/>
-              <a:t>Third-party control support</a:t>
-            </a:r>
-          </a:p>
-          <a:p>
-            <a:r>
-              <a:rPr lang="en-US" dirty="0"/>
-              <a:t>Modern and legacy options</a:t>
+              <a:t>It looks like Windows Forms – Dated UI</a:t>
             </a:r>
           </a:p>
           <a:p>
             <a:pPr lvl="1"/>
             <a:r>
               <a:rPr lang="en-US" dirty="0"/>
-              <a:t>.NET Framework to target legacy Windows</a:t>
+              <a:t>No support for Windows Fluent Design</a:t>
             </a:r>
           </a:p>
           <a:p>
             <a:pPr lvl="1"/>
             <a:r>
               <a:rPr lang="en-US" dirty="0"/>
-              <a:t>.NET 8 for modern language features and performance</a:t>
+              <a:t>Looks like Windows XP</a:t>
+            </a:r>
+          </a:p>
+          <a:p>
+            <a:r>
+              <a:rPr lang="en-US" dirty="0"/>
+              <a:t>No GPU acceleration</a:t>
+            </a:r>
+          </a:p>
+          <a:p>
+            <a:r>
+              <a:rPr lang="en-US" dirty="0"/>
+              <a:t>No C++ support</a:t>
+            </a:r>
+          </a:p>
+          <a:p>
+            <a:r>
+              <a:rPr lang="en-US" dirty="0"/>
+              <a:t>No current support for Windows themes (Dark Mode)</a:t>
             </a:r>
           </a:p>
           <a:p>
             <a:pPr lvl="1"/>
             <a:r>
               <a:rPr lang="en-US" dirty="0"/>
-              <a:t>Upgrade .NET Framework apps to modern .NET with Visual Studio</a:t>
-            </a:r>
-          </a:p>
-          <a:p>
-            <a:r>
-              <a:rPr lang="en-US" dirty="0"/>
-              <a:t>Active* Development (Accessibility, High DPI, Performance, Dark Mode?)</a:t>
-            </a:r>
-          </a:p>
-          <a:p>
-            <a:pPr lvl="1"/>
-            <a:r>
-              <a:rPr lang="en-US" dirty="0"/>
-              <a:t>Roadmap: </a:t>
-            </a:r>
-            <a:r>
-              <a:rPr lang="en-US" dirty="0">
-                <a:hlinkClick r:id="rId3"/>
-              </a:rPr>
-              <a:t>https://github.com/dotnet/winforms/blob/main/docs/roadmap.md</a:t>
-            </a:r>
-            <a:r>
-              <a:rPr lang="en-US" dirty="0"/>
-              <a:t>  </a:t>
-            </a:r>
-          </a:p>
-          <a:p>
-            <a:pPr marL="0" indent="0">
-              <a:buNone/>
-            </a:pPr>
-            <a:endParaRPr lang="en-US" dirty="0"/>
-          </a:p>
-          <a:p>
-            <a:pPr marL="0" indent="0">
-              <a:buNone/>
-            </a:pPr>
-            <a:r>
-              <a:rPr lang="en-US" i="1" dirty="0"/>
-              <a:t>Every C# (or VB) developer is already a WinForms developer</a:t>
+              <a:t>Third-Party Theming Options</a:t>
+            </a:r>
+          </a:p>
+          <a:p>
+            <a:r>
+              <a:rPr lang="en-US" dirty="0"/>
+              <a:t>Not optimal for Touch and Pen input</a:t>
             </a:r>
           </a:p>
         </p:txBody>
@@ -12104,7 +11442,7 @@
     </p:spTree>
     <p:extLst>
       <p:ext uri="{BB962C8B-B14F-4D97-AF65-F5344CB8AC3E}">
-        <p14:creationId xmlns:p14="http://schemas.microsoft.com/office/powerpoint/2010/main" val="2326753906"/>
+        <p14:creationId xmlns:p14="http://schemas.microsoft.com/office/powerpoint/2010/main" val="872060496"/>
       </p:ext>
     </p:extLst>
   </p:cSld>
@@ -12136,7 +11474,7 @@
           <p:cNvPr id="2" name="Title 1">
             <a:extLst>
               <a:ext uri="{FF2B5EF4-FFF2-40B4-BE49-F238E27FC236}">
-                <a16:creationId xmlns:a16="http://schemas.microsoft.com/office/drawing/2014/main" id="{95FA2FEC-EF09-1773-ACD2-4773B2DCC56E}"/>
+                <a16:creationId xmlns:a16="http://schemas.microsoft.com/office/drawing/2014/main" id="{BE4103FA-2CCD-5FD0-F164-8B2FE2D92898}"/>
               </a:ext>
             </a:extLst>
           </p:cNvPr>
@@ -12149,14 +11487,12 @@
         </p:nvSpPr>
         <p:spPr/>
         <p:txBody>
-          <a:bodyPr>
-            <a:normAutofit fontScale="90000"/>
-          </a:bodyPr>
+          <a:bodyPr/>
           <a:lstStyle/>
           <a:p>
             <a:r>
               <a:rPr lang="en-US" dirty="0"/>
-              <a:t>Windows Forms Drawbacks &amp; Demo</a:t>
+              <a:t>WPF Advantages</a:t>
             </a:r>
           </a:p>
         </p:txBody>
@@ -12166,7 +11502,7 @@
           <p:cNvPr id="3" name="Content Placeholder 2">
             <a:extLst>
               <a:ext uri="{FF2B5EF4-FFF2-40B4-BE49-F238E27FC236}">
-                <a16:creationId xmlns:a16="http://schemas.microsoft.com/office/drawing/2014/main" id="{4AFC3C53-C4A6-638B-8518-BEE952616E74}"/>
+                <a16:creationId xmlns:a16="http://schemas.microsoft.com/office/drawing/2014/main" id="{1F4F14DB-B52A-E858-E88B-90E67F70DE32}"/>
               </a:ext>
             </a:extLst>
           </p:cNvPr>
@@ -12180,58 +11516,79 @@
         <p:spPr/>
         <p:txBody>
           <a:bodyPr>
-            <a:normAutofit fontScale="85000" lnSpcReduction="20000"/>
+            <a:normAutofit fontScale="70000" lnSpcReduction="20000"/>
           </a:bodyPr>
           <a:lstStyle/>
           <a:p>
             <a:r>
               <a:rPr lang="en-US" dirty="0"/>
-              <a:t>It looks like Windows Forms – Dated UI</a:t>
+              <a:t>Extensible Application Markup Language (XAML) designer</a:t>
+            </a:r>
+          </a:p>
+          <a:p>
+            <a:r>
+              <a:rPr lang="en-US" dirty="0"/>
+              <a:t>XAML Hot Reload for UI debugging</a:t>
+            </a:r>
+          </a:p>
+          <a:p>
+            <a:r>
+              <a:rPr lang="en-US" dirty="0"/>
+              <a:t>GPU Accelerated UI – DirectX pipeline</a:t>
+            </a:r>
+          </a:p>
+          <a:p>
+            <a:r>
+              <a:rPr lang="en-US" dirty="0"/>
+              <a:t>Rich data binding with MVVM pattern</a:t>
+            </a:r>
+          </a:p>
+          <a:p>
+            <a:r>
+              <a:rPr lang="en-US" dirty="0"/>
+              <a:t>Modern and legacy support (.NET Framework and modern .NET)</a:t>
+            </a:r>
+          </a:p>
+          <a:p>
+            <a:r>
+              <a:rPr lang="en-US" dirty="0"/>
+              <a:t>3rd Party control and library support (Theming)</a:t>
+            </a:r>
+          </a:p>
+          <a:p>
+            <a:r>
+              <a:rPr lang="en-US" dirty="0"/>
+              <a:t>Active development</a:t>
             </a:r>
           </a:p>
           <a:p>
             <a:pPr lvl="1"/>
             <a:r>
               <a:rPr lang="en-US" dirty="0"/>
-              <a:t>No support for Windows Fluent Design</a:t>
+              <a:t>Roadmap: </a:t>
+            </a:r>
+            <a:r>
+              <a:rPr lang="en-US" dirty="0">
+                <a:hlinkClick r:id="rId3"/>
+              </a:rPr>
+              <a:t>https://github.com/dotnet/wpf/blob/main/roadmap.md</a:t>
+            </a:r>
+            <a:r>
+              <a:rPr lang="en-US" dirty="0"/>
+              <a:t> </a:t>
             </a:r>
           </a:p>
           <a:p>
             <a:pPr lvl="1"/>
             <a:r>
               <a:rPr lang="en-US" dirty="0"/>
-              <a:t>Looks like Windows XP</a:t>
-            </a:r>
-          </a:p>
-          <a:p>
-            <a:r>
-              <a:rPr lang="en-US" dirty="0"/>
-              <a:t>No GPU acceleration</a:t>
-            </a:r>
-          </a:p>
-          <a:p>
-            <a:r>
-              <a:rPr lang="en-US" dirty="0"/>
-              <a:t>No C++ support</a:t>
-            </a:r>
-          </a:p>
-          <a:p>
-            <a:r>
-              <a:rPr lang="en-US" dirty="0"/>
-              <a:t>No current support for Windows themes (Dark Mode)</a:t>
-            </a:r>
-          </a:p>
-          <a:p>
-            <a:pPr lvl="1"/>
-            <a:r>
-              <a:rPr lang="en-US" dirty="0"/>
-              <a:t>Third-Party Theming Options</a:t>
-            </a:r>
-          </a:p>
-          <a:p>
-            <a:r>
-              <a:rPr lang="en-US" dirty="0"/>
-              <a:t>Not optimal for Touch and Pen input</a:t>
+              <a:t>Windows 11 theming support</a:t>
+            </a:r>
+          </a:p>
+          <a:p>
+            <a:r>
+              <a:rPr lang="en-US" dirty="0"/>
+              <a:t>Positioned as a great choice to build native Enterprise apps</a:t>
             </a:r>
           </a:p>
         </p:txBody>
@@ -12239,7 +11596,7 @@
     </p:spTree>
     <p:extLst>
       <p:ext uri="{BB962C8B-B14F-4D97-AF65-F5344CB8AC3E}">
-        <p14:creationId xmlns:p14="http://schemas.microsoft.com/office/powerpoint/2010/main" val="872060496"/>
+        <p14:creationId xmlns:p14="http://schemas.microsoft.com/office/powerpoint/2010/main" val="2385626814"/>
       </p:ext>
     </p:extLst>
   </p:cSld>

--- a/2024/0430_VSLiveChicago/WindowsDev/VSLCH24_Building a Native App for Windows_AlvinAshcraft.pptx
+++ b/2024/0430_VSLiveChicago/WindowsDev/VSLCH24_Building a Native App for Windows_AlvinAshcraft.pptx
@@ -28,9 +28,9 @@
     <p:sldId id="287" r:id="rId16"/>
     <p:sldId id="288" r:id="rId17"/>
     <p:sldId id="289" r:id="rId18"/>
-    <p:sldId id="290" r:id="rId19"/>
-    <p:sldId id="291" r:id="rId20"/>
-    <p:sldId id="292" r:id="rId21"/>
+    <p:sldId id="292" r:id="rId19"/>
+    <p:sldId id="290" r:id="rId20"/>
+    <p:sldId id="291" r:id="rId21"/>
     <p:sldId id="293" r:id="rId22"/>
     <p:sldId id="294" r:id="rId23"/>
     <p:sldId id="295" r:id="rId24"/>
@@ -647,16 +647,16 @@
           <a:p>
             <a:r>
               <a:rPr lang="en-US" dirty="0"/>
-              <a:t>My name is Alvin Ashcraft, and this session is about choosing the best UI framework for your next Windows application.</a:t>
-            </a:r>
-          </a:p>
-          <a:p>
-            <a:endParaRPr lang="en-US" dirty="0"/>
-          </a:p>
-          <a:p>
-            <a:r>
-              <a:rPr lang="en-US" dirty="0"/>
-              <a:t>There are a slew of options out there, and we’ll be touching on many of them tonight, focusing primarily on the options from Microsoft.</a:t>
+              <a:t>My name is Alvin Ashcraft, and in this session, we’ll talk about about choosing the best UI framework for your next native Windows app.</a:t>
+            </a:r>
+          </a:p>
+          <a:p>
+            <a:endParaRPr lang="en-US" dirty="0"/>
+          </a:p>
+          <a:p>
+            <a:r>
+              <a:rPr lang="en-US" dirty="0"/>
+              <a:t>There are lots of options out there today, and we’ll be touching on many of them in this session, focusing primarily on the options from Microsoft.</a:t>
             </a:r>
           </a:p>
           <a:p>
@@ -755,7 +755,7 @@
           <a:p>
             <a:r>
               <a:rPr lang="en-US" dirty="0"/>
-              <a:t>The primary downside for many developers is the XAML learning curve. I love working with XAML, but it’s not everyone’s favorite UI language.</a:t>
+              <a:t>The primary downside for many developers considering WPF is the XAML learning curve. I love working with XAML, but it’s not everyone’s favorite way to build a UI.</a:t>
             </a:r>
           </a:p>
           <a:p>
@@ -790,7 +790,7 @@
             </a:pPr>
             <a:r>
               <a:rPr lang="en-US" dirty="0"/>
-              <a:t>The Windows theming and dark mode switching is still on the way. The current UI doesn’t look like Windows 10/11 out of the box yet. It still looks a bit pre-Windows 10, but that refresh is on the way. We’ll see how close to Fluent Design it looks when they’re done with that refresh later this year.</a:t>
+              <a:t>The Windows theming and dark mode switching is still on the way. The current UI doesn’t look like Windows 11 out of the box yet. It still looks a bit pre-Windows 8, but that refresh is on the way. We’ll see how close it looks to Fluent Design when they’re done with that refresh later this year.</a:t>
             </a:r>
           </a:p>
           <a:p>
@@ -919,7 +919,7 @@
             </a:pPr>
             <a:r>
               <a:rPr lang="en-US" dirty="0"/>
-              <a:t>Let’s look at the WPF project next.</a:t>
+              <a:t>Let’s look at the WPF sample app next.</a:t>
             </a:r>
           </a:p>
         </p:txBody>
@@ -983,16 +983,16 @@
           <a:p>
             <a:r>
               <a:rPr lang="en-US" dirty="0"/>
-              <a:t>Let’s talk UWP apps now…</a:t>
-            </a:r>
-          </a:p>
-          <a:p>
-            <a:endParaRPr lang="en-US" dirty="0"/>
-          </a:p>
-          <a:p>
-            <a:r>
-              <a:rPr lang="en-US" dirty="0"/>
-              <a:t>Thanks to Windows Phone, UWP apps are optimized for performance. They are small and memory-optimized with the .NET Native runtime. The latest WhatsApp app for Windows in the Microsoft Store was built on UWP, and it’s got great performance.</a:t>
+              <a:t>Let’s briefly talk about UWP apps next. We’ll touch on some advantages, but the drawbacks on the next slide should weigh heavily on your decision.</a:t>
+            </a:r>
+          </a:p>
+          <a:p>
+            <a:endParaRPr lang="en-US" dirty="0"/>
+          </a:p>
+          <a:p>
+            <a:r>
+              <a:rPr lang="en-US" dirty="0"/>
+              <a:t>Thanks to Windows Phone, UWP apps are optimized for performance. They are small and memory-optimized with the .NET Native runtime.</a:t>
             </a:r>
           </a:p>
           <a:p>
@@ -1010,16 +1010,16 @@
           <a:p>
             <a:r>
               <a:rPr lang="en-US" dirty="0"/>
-              <a:t>Visual Studio has a XAML designer for drag &amp; drop UI building, like WPF.</a:t>
-            </a:r>
-          </a:p>
-          <a:p>
-            <a:endParaRPr lang="en-US" dirty="0"/>
-          </a:p>
-          <a:p>
-            <a:r>
-              <a:rPr lang="en-US" dirty="0"/>
-              <a:t>These apps were built for pen and touch and provide dark mode support.</a:t>
+              <a:t>Like WPF, Visual Studio has a XAML designer for drag &amp; drop UI building.</a:t>
+            </a:r>
+          </a:p>
+          <a:p>
+            <a:endParaRPr lang="en-US" dirty="0"/>
+          </a:p>
+          <a:p>
+            <a:r>
+              <a:rPr lang="en-US" dirty="0"/>
+              <a:t>UWP apps were built for pen and touch and provide dark mode support.</a:t>
             </a:r>
           </a:p>
           <a:p>
@@ -1110,6 +1110,15 @@
           <a:p>
             <a:r>
               <a:rPr lang="en-US" dirty="0"/>
+              <a:t>&lt;10:00&gt;</a:t>
+            </a:r>
+          </a:p>
+          <a:p>
+            <a:endParaRPr lang="en-US" dirty="0"/>
+          </a:p>
+          <a:p>
+            <a:r>
+              <a:rPr lang="en-US" dirty="0"/>
               <a:t>The downside of building UWP apps.</a:t>
             </a:r>
           </a:p>
@@ -1137,7 +1146,7 @@
           <a:p>
             <a:r>
               <a:rPr lang="en-US" dirty="0"/>
-              <a:t>While .NET Native is small and fast, it’s also aging. With UWP, you don’t’ get access to modern .NET or language features. In fact, you can’t officially use any C# language features beyond C# 8 (and we’re up to C# 12 now in .NET 8 – it’s always the .NET version plus 4). It requires some work-arounds, and you’re better off just choosing another UI framework.</a:t>
+              <a:t>While .NET Native is small and fast, it’s also aging. With UWP, you don’t’ get access to modern .NET or language features. In fact, you can’t officially use any C# language features beyond C# 7 (and we’re up to C# 12 now in .NET 8 – it’s always the .NET version plus 4). It requires some work-arounds, and you’re better off just choosing another UI framework.</a:t>
             </a:r>
           </a:p>
           <a:p>
@@ -1155,16 +1164,16 @@
           <a:p>
             <a:r>
               <a:rPr lang="en-US" dirty="0"/>
-              <a:t>UWP relies on .NET Standard for shared libraries, like when you’re creating or consuming NuGet packages, and Microsoft has been moving away from that .NET Standard. Today, just using modern .NET is the standard feature set across platforms. That move leaves UWP behind. In fact, the Microsoft Authentication Libraries (MSAL) just announced that they are dropping support for Xamarin and UWP in their NuGet packages moving forward. I expect others will follow suit.</a:t>
-            </a:r>
-          </a:p>
-          <a:p>
-            <a:endParaRPr lang="en-US" dirty="0"/>
-          </a:p>
-          <a:p>
-            <a:r>
-              <a:rPr lang="en-US" dirty="0"/>
-              <a:t>Finally, UWP versions are tied to Windows SDK versions. We’ll see how WinUI separated itself from this dependency on Windows.</a:t>
+              <a:t>UWP relies on .NET Standard for shared libraries, like when you’re consuming NuGet packages, and Microsoft has been moving away from that .NET Standard. Today, just using modern .NET is the standard feature set across platforms. That move leaves UWP behind. In fact, the Microsoft Authentication Libraries (MSAL) just announced that they are dropping support for Xamarin and UWP in their NuGet packages moving forward. I expect others will follow suit.</a:t>
+            </a:r>
+          </a:p>
+          <a:p>
+            <a:endParaRPr lang="en-US" dirty="0"/>
+          </a:p>
+          <a:p>
+            <a:r>
+              <a:rPr lang="en-US" dirty="0"/>
+              <a:t>Finally, UWP versions are tied to Windows SDK versions. We’ll see how WinUI separated itself from this dependency on the Windows SDK.</a:t>
             </a:r>
           </a:p>
           <a:p>
@@ -1264,7 +1273,7 @@
           <a:p>
             <a:r>
               <a:rPr lang="en-US" dirty="0"/>
-              <a:t>You get the features and controls of UWP without being coupled to a specific version of the Windows SDK. The Windows App SDK updates multiple times a year. Some of the recent updates brought XAML Islands, Theming, Notifications, improved multi-window support with </a:t>
+              <a:t>You get the features and controls of UWP without being coupled to a specific version of the Windows SDK. The Windows App SDK updates multiple times a year. Some of the recent updates brought some XAML Islands support, Theming, Notifications, improved multi-window support with </a:t>
             </a:r>
             <a:r>
               <a:rPr lang="en-US" dirty="0" err="1"/>
@@ -1272,7 +1281,7 @@
             </a:r>
             <a:r>
               <a:rPr lang="en-US" dirty="0"/>
-              <a:t>, and media controls. Windows App SDK 1.5 brought the much-anticipated Maps control to WinUI. It was one of the top requested features. We’ll get to some other feature requests on the roadmap on the next slide.</a:t>
+              <a:t>, and media controls. The most recent Windows App SDK, version 1.5, brought the much-anticipated Maps control to WinUI. It was one of the top requested features. We’ll get to some other feature requests on the roadmap on the next slide.</a:t>
             </a:r>
           </a:p>
           <a:p>
@@ -1308,16 +1317,16 @@
           <a:p>
             <a:r>
               <a:rPr lang="en-US" dirty="0"/>
-              <a:t>You can also get even more free controls and components for WinUI with the Windows Community Toolkit and .NET Community Toolkit. You can read more about them in my WinUI 3 book.</a:t>
-            </a:r>
-          </a:p>
-          <a:p>
-            <a:endParaRPr lang="en-US" dirty="0"/>
-          </a:p>
-          <a:p>
-            <a:r>
-              <a:rPr lang="en-US" dirty="0"/>
-              <a:t>Finally, Microsoft is really positioning WinUI as the top choice for developers to build apps for Windows. You can see that commitment in their partnerships with Apple &amp; Adobe to bring high profile, first-class apps to Windows.</a:t>
+              <a:t>You can also get even more free controls and components for WinUI with the Windows Community Toolkit and .NET Community Toolkit. You can read more about leveraging them in my WinUI 3 book.</a:t>
+            </a:r>
+          </a:p>
+          <a:p>
+            <a:endParaRPr lang="en-US" dirty="0"/>
+          </a:p>
+          <a:p>
+            <a:r>
+              <a:rPr lang="en-US" dirty="0"/>
+              <a:t>Finally, Microsoft is really positioning WinUI as the top choice for developers to build the best apps for Windows. You can see that commitment in their partnerships with Apple &amp; Adobe to bring high profile, first-class apps to Windows.</a:t>
             </a:r>
           </a:p>
         </p:txBody>
@@ -1416,7 +1425,7 @@
           <a:p>
             <a:r>
               <a:rPr lang="en-US" dirty="0"/>
-              <a:t>Next, WinUI apps only support C# and C++. There’s no support for VB or F#. Like I mentioned with WPF, you could create a minimal UI project with only views, and reference a VB or F# project to access the view models and the rest of your code.</a:t>
+              <a:t>Next, WinUI apps only support C# and C++. There’s no support for VB or F#. Like I mentioned with WPF, you could create a minimal UI project with only views and reference a VB or F# project to access the view models and the rest of your code.</a:t>
             </a:r>
           </a:p>
           <a:p>
@@ -1576,7 +1585,7 @@
           <a:p>
             <a:r>
               <a:rPr lang="en-US" dirty="0"/>
-              <a:t>If you’ve built other XAML apps, picking up .NET MAUI is pretty simple. The layout, styling, and binding are all similar. Some controls have slightly different names. It supports MVVM for separate of concerns and data binding.</a:t>
+              <a:t>If you’ve built other XAML apps, picking up .NET MAUI is simple. The layout, styling, and binding are all similar. Some controls have slightly different names. It supports MVVM for separate of concerns and data binding.</a:t>
             </a:r>
           </a:p>
           <a:p>
@@ -1603,7 +1612,16 @@
           <a:p>
             <a:r>
               <a:rPr lang="en-US" dirty="0"/>
-              <a:t>There’s also a Blazor Hybrid app template for .NET MAUI. This allows you to build your UI with Razor components which get hosted inside a custom WebView control in the MAUI host app. We’ll also touch on building Blazor Hybrid apps for Windows later. You’ll see how you can take the Blazor Hybrid approach on desktop with WPF or WinForms WebView hosts.</a:t>
+              <a:t>There’s also a Blazor Hybrid app template for .NET MAUI. This allows you to build your UI with Razor components which get hosted inside a custom WebView control in the MAUI host app. There’s a session on hybrid apps in .NET MAUI later today in this room.</a:t>
+            </a:r>
+          </a:p>
+          <a:p>
+            <a:endParaRPr lang="en-US" dirty="0"/>
+          </a:p>
+          <a:p>
+            <a:r>
+              <a:rPr lang="en-US" dirty="0"/>
+              <a:t>We’ll also touch on building Blazor Hybrid apps for Windows later. You’ll see how you can take the Blazor Hybrid approach on desktop with WPF or WinForms WebView hosts.</a:t>
             </a:r>
           </a:p>
         </p:txBody>
@@ -1667,7 +1685,7 @@
           <a:p>
             <a:r>
               <a:rPr lang="en-US" dirty="0"/>
-              <a:t>Some MAUI drawbacks…</a:t>
+              <a:t>Some MAUI drawbacks.</a:t>
             </a:r>
           </a:p>
           <a:p>
@@ -1794,86 +1812,73 @@
           <a:p>
             <a:r>
               <a:rPr lang="en-US" dirty="0"/>
-              <a:t>Advantages of using a 3</a:t>
-            </a:r>
-            <a:r>
-              <a:rPr lang="en-US" baseline="30000" dirty="0"/>
-              <a:t>rd</a:t>
-            </a:r>
-            <a:r>
-              <a:rPr lang="en-US" dirty="0"/>
-              <a:t> party cross-platform solution like Uno Platform or Avalonia UI.</a:t>
-            </a:r>
-          </a:p>
-          <a:p>
-            <a:endParaRPr lang="en-US" dirty="0"/>
-          </a:p>
-          <a:p>
-            <a:r>
-              <a:rPr lang="en-US" dirty="0"/>
-              <a:t>You get all the MAUI platforms plus Linux!</a:t>
-            </a:r>
-          </a:p>
-          <a:p>
-            <a:endParaRPr lang="en-US" dirty="0"/>
-          </a:p>
-          <a:p>
-            <a:r>
-              <a:rPr lang="en-US" dirty="0"/>
-              <a:t>With Uno, you can even use </a:t>
-            </a:r>
-            <a:r>
-              <a:rPr lang="en-US" dirty="0" err="1"/>
-              <a:t>Skia.WPF</a:t>
-            </a:r>
-            <a:r>
-              <a:rPr lang="en-US" dirty="0"/>
-              <a:t> to run on older platforms like Windows 7. If you’re only targeting Windows 10 or later, you’ll want to choose the WinUI option.</a:t>
-            </a:r>
-          </a:p>
-          <a:p>
-            <a:endParaRPr lang="en-US" dirty="0"/>
-          </a:p>
-          <a:p>
-            <a:r>
-              <a:rPr lang="en-US" dirty="0"/>
-              <a:t>WinUI Uno project code is nearly identical to WinUI code. I created an Uno app for my book by creating an Uno Platform project with their new project wizard and copy/pasting my WinUI project code (XAML and C#). It just works for most basic apps. Like other cross-platform code, it gets more complicated with device-specific functionality.</a:t>
-            </a:r>
-          </a:p>
-          <a:p>
-            <a:endParaRPr lang="en-US" dirty="0"/>
-          </a:p>
-          <a:p>
-            <a:r>
-              <a:rPr lang="en-US" dirty="0"/>
-              <a:t>You can use C# Markup or XAML to build your UI. The new project wizard will ask you which you want to use.</a:t>
-            </a:r>
-          </a:p>
-          <a:p>
-            <a:endParaRPr lang="en-US" dirty="0"/>
-          </a:p>
-          <a:p>
-            <a:r>
-              <a:rPr lang="en-US" dirty="0"/>
-              <a:t>Uno has a Figma plugin so your design team can design your app screens and generate your Uno pages.</a:t>
-            </a:r>
-          </a:p>
-          <a:p>
-            <a:endParaRPr lang="en-US" dirty="0"/>
-          </a:p>
-          <a:p>
-            <a:r>
-              <a:rPr lang="en-US" dirty="0"/>
-              <a:t>Uno can create apps with Microsoft Fluent, Google Material or Apple’s Cupertino look and feel.</a:t>
-            </a:r>
-          </a:p>
-          <a:p>
-            <a:endParaRPr lang="en-US" dirty="0"/>
-          </a:p>
-          <a:p>
-            <a:r>
-              <a:rPr lang="en-US" dirty="0"/>
-              <a:t>Uno has plugins for Visual Studio, VS Code or JetBrains Rider. So, you can build apps with your favorite editor or IDE.</a:t>
+              <a:t>Blazor Hybrid on Windows (or mobile)</a:t>
+            </a:r>
+          </a:p>
+          <a:p>
+            <a:endParaRPr lang="en-US" dirty="0"/>
+          </a:p>
+          <a:p>
+            <a:r>
+              <a:rPr lang="en-US" dirty="0"/>
+              <a:t>Pros</a:t>
+            </a:r>
+          </a:p>
+          <a:p>
+            <a:r>
+              <a:rPr lang="en-US" dirty="0"/>
+              <a:t>  - No XAML learning curve. If you know Razor pages and C#, you’re ready to go!</a:t>
+            </a:r>
+          </a:p>
+          <a:p>
+            <a:r>
+              <a:rPr lang="en-US" dirty="0"/>
+              <a:t>  - Again, web developers will love working with CSS instead of XAML styles.</a:t>
+            </a:r>
+          </a:p>
+          <a:p>
+            <a:r>
+              <a:rPr lang="en-US" dirty="0"/>
+              <a:t>  - You’re building web and using .NET. Your app can consume any other modern .NET libraries.</a:t>
+            </a:r>
+          </a:p>
+          <a:p>
+            <a:r>
+              <a:rPr lang="en-US" dirty="0"/>
+              <a:t>  - You can build your hybrid app inside WPF or WinForms, which makes it easy to integrate with your existing apps on those platforms.</a:t>
+            </a:r>
+          </a:p>
+          <a:p>
+            <a:endParaRPr lang="en-US" dirty="0"/>
+          </a:p>
+          <a:p>
+            <a:endParaRPr lang="en-US" dirty="0"/>
+          </a:p>
+          <a:p>
+            <a:r>
+              <a:rPr lang="en-US" dirty="0"/>
+              <a:t>Cons</a:t>
+            </a:r>
+          </a:p>
+          <a:p>
+            <a:r>
+              <a:rPr lang="en-US" dirty="0"/>
+              <a:t>  - Interop has its costs…. Performance, maybe bugs in the interop layer?, issues with accessibility, keyboarding, you’re dealing with support across desktop and web products.</a:t>
+            </a:r>
+          </a:p>
+          <a:p>
+            <a:r>
+              <a:rPr lang="en-US" dirty="0"/>
+              <a:t>  - It feels like a web app… it’s got that bouncy feeling when you drag things around.</a:t>
+            </a:r>
+          </a:p>
+          <a:p>
+            <a:endParaRPr lang="en-US" dirty="0"/>
+          </a:p>
+          <a:p>
+            <a:r>
+              <a:rPr lang="en-US" dirty="0"/>
+              <a:t>Let’s take a very quick lap around a Blazor Hybrid app.</a:t>
             </a:r>
           </a:p>
         </p:txBody>
@@ -1881,7 +1886,7 @@
     </p:spTree>
     <p:extLst>
       <p:ext uri="{BB962C8B-B14F-4D97-AF65-F5344CB8AC3E}">
-        <p14:creationId xmlns:p14="http://schemas.microsoft.com/office/powerpoint/2010/main" val="364038437"/>
+        <p14:creationId xmlns:p14="http://schemas.microsoft.com/office/powerpoint/2010/main" val="3758400909"/>
       </p:ext>
     </p:extLst>
   </p:cSld>
@@ -1937,25 +1942,7 @@
           <a:p>
             <a:r>
               <a:rPr lang="en-US" dirty="0"/>
-              <a:t>Some of the drawbacks of platforms like Uno…</a:t>
-            </a:r>
-          </a:p>
-          <a:p>
-            <a:endParaRPr lang="en-US" dirty="0"/>
-          </a:p>
-          <a:p>
-            <a:r>
-              <a:rPr lang="en-US" dirty="0"/>
-              <a:t>No official support for VB, F# or C++.</a:t>
-            </a:r>
-          </a:p>
-          <a:p>
-            <a:endParaRPr lang="en-US" dirty="0"/>
-          </a:p>
-          <a:p>
-            <a:r>
-              <a:rPr lang="en-US" dirty="0"/>
-              <a:t>It’s a 3</a:t>
+              <a:t>Advantages of using a 3</a:t>
             </a:r>
             <a:r>
               <a:rPr lang="en-US" baseline="30000" dirty="0"/>
@@ -1963,60 +1950,78 @@
             </a:r>
             <a:r>
               <a:rPr lang="en-US" dirty="0"/>
-              <a:t> party solution. Some companies that use Microsoft solutions can be hesitant to work with 3</a:t>
-            </a:r>
-            <a:r>
-              <a:rPr lang="en-US" baseline="30000" dirty="0"/>
-              <a:t>rd</a:t>
-            </a:r>
-            <a:r>
-              <a:rPr lang="en-US" dirty="0"/>
-              <a:t> party platforms.</a:t>
-            </a:r>
-          </a:p>
-          <a:p>
-            <a:endParaRPr lang="en-US" dirty="0"/>
-          </a:p>
-          <a:p>
-            <a:r>
-              <a:rPr lang="en-US" dirty="0"/>
-              <a:t>There are paid options for advanced support. Avalonia also has licensing terms for app deployment.</a:t>
-            </a:r>
-          </a:p>
-          <a:p>
-            <a:endParaRPr lang="en-US" dirty="0"/>
-          </a:p>
-          <a:p>
-            <a:r>
-              <a:rPr lang="en-US" dirty="0"/>
-              <a:t>Like with WinUI and .NET MAUI, there’s no XAML designer.</a:t>
-            </a:r>
-          </a:p>
-          <a:p>
-            <a:endParaRPr lang="en-US" dirty="0"/>
-          </a:p>
-          <a:p>
-            <a:r>
-              <a:rPr lang="en-US" dirty="0"/>
-              <a:t>You have the platform-specific code issue we discussed with MAUI app development.</a:t>
-            </a:r>
-          </a:p>
-          <a:p>
-            <a:endParaRPr lang="en-US" dirty="0"/>
-          </a:p>
-          <a:p>
-            <a:r>
-              <a:rPr lang="en-US" dirty="0"/>
-              <a:t>And there are similar cross-platform vs native performance concerns we discussed with MAUI.</a:t>
-            </a:r>
-          </a:p>
-          <a:p>
-            <a:endParaRPr lang="en-US" dirty="0"/>
-          </a:p>
-          <a:p>
-            <a:r>
-              <a:rPr lang="en-US" dirty="0"/>
-              <a:t>Let’s take a quick look at the Uno version of our WinUI shopping list app. If there’s time, we’ll bring up the new project wizard to look at the options there.</a:t>
+              <a:t> party cross-platform solution like Uno Platform or Avalonia UI.</a:t>
+            </a:r>
+          </a:p>
+          <a:p>
+            <a:endParaRPr lang="en-US" dirty="0"/>
+          </a:p>
+          <a:p>
+            <a:r>
+              <a:rPr lang="en-US" dirty="0"/>
+              <a:t>You get all the MAUI platforms plus Linux!</a:t>
+            </a:r>
+          </a:p>
+          <a:p>
+            <a:endParaRPr lang="en-US" dirty="0"/>
+          </a:p>
+          <a:p>
+            <a:r>
+              <a:rPr lang="en-US" dirty="0"/>
+              <a:t>With Uno, you can even use </a:t>
+            </a:r>
+            <a:r>
+              <a:rPr lang="en-US" dirty="0" err="1"/>
+              <a:t>Skia.WPF</a:t>
+            </a:r>
+            <a:r>
+              <a:rPr lang="en-US" dirty="0"/>
+              <a:t> to run on older platforms like Windows 7. If you’re only targeting Windows 10 or later, you’ll want to choose the WinUI option.</a:t>
+            </a:r>
+          </a:p>
+          <a:p>
+            <a:endParaRPr lang="en-US" dirty="0"/>
+          </a:p>
+          <a:p>
+            <a:r>
+              <a:rPr lang="en-US" dirty="0"/>
+              <a:t>WinUI Uno project code is nearly identical to WinUI code. I created an Uno app for my book by creating an Uno Platform project with their new project wizard and copy/pasting my WinUI project code (XAML and C#). It just works for most basic apps. Like other cross-platform code, it gets more complicated with device-specific functionality.</a:t>
+            </a:r>
+          </a:p>
+          <a:p>
+            <a:endParaRPr lang="en-US" dirty="0"/>
+          </a:p>
+          <a:p>
+            <a:r>
+              <a:rPr lang="en-US" dirty="0"/>
+              <a:t>You can use C# Markup or XAML to build your UI. The new project wizard will ask you which you want to use.</a:t>
+            </a:r>
+          </a:p>
+          <a:p>
+            <a:endParaRPr lang="en-US" dirty="0"/>
+          </a:p>
+          <a:p>
+            <a:r>
+              <a:rPr lang="en-US" dirty="0"/>
+              <a:t>Uno has a Figma plugin so your design team can design your app screens and generate your Uno pages.</a:t>
+            </a:r>
+          </a:p>
+          <a:p>
+            <a:endParaRPr lang="en-US" dirty="0"/>
+          </a:p>
+          <a:p>
+            <a:r>
+              <a:rPr lang="en-US" dirty="0"/>
+              <a:t>Uno can create apps with Microsoft Fluent, Google Material or Apple’s Cupertino look and feel.</a:t>
+            </a:r>
+          </a:p>
+          <a:p>
+            <a:endParaRPr lang="en-US" dirty="0"/>
+          </a:p>
+          <a:p>
+            <a:r>
+              <a:rPr lang="en-US" dirty="0"/>
+              <a:t>Uno has plugins for Visual Studio, VS Code or JetBrains Rider. So, you can build apps with your favorite editor or IDE.</a:t>
             </a:r>
           </a:p>
         </p:txBody>
@@ -2024,7 +2029,7 @@
     </p:spTree>
     <p:extLst>
       <p:ext uri="{BB962C8B-B14F-4D97-AF65-F5344CB8AC3E}">
-        <p14:creationId xmlns:p14="http://schemas.microsoft.com/office/powerpoint/2010/main" val="4204330024"/>
+        <p14:creationId xmlns:p14="http://schemas.microsoft.com/office/powerpoint/2010/main" val="364038437"/>
       </p:ext>
     </p:extLst>
   </p:cSld>
@@ -2080,73 +2085,95 @@
           <a:p>
             <a:r>
               <a:rPr lang="en-US" dirty="0"/>
-              <a:t>Blazor Hybrid on Windows (or mobile)</a:t>
-            </a:r>
-          </a:p>
-          <a:p>
-            <a:endParaRPr lang="en-US" dirty="0"/>
-          </a:p>
-          <a:p>
-            <a:r>
-              <a:rPr lang="en-US" dirty="0"/>
-              <a:t>Pros</a:t>
-            </a:r>
-          </a:p>
-          <a:p>
-            <a:r>
-              <a:rPr lang="en-US" dirty="0"/>
-              <a:t>  - No XAML learning curve. If you know Razor pages and C#, you’re ready to go!</a:t>
-            </a:r>
-          </a:p>
-          <a:p>
-            <a:r>
-              <a:rPr lang="en-US" dirty="0"/>
-              <a:t>  - Again, web developers will love working with CSS instead of XAML styles.</a:t>
-            </a:r>
-          </a:p>
-          <a:p>
-            <a:r>
-              <a:rPr lang="en-US" dirty="0"/>
-              <a:t>  - You’re building web and using .NET. Your app can consume any other modern .NET libraries.</a:t>
-            </a:r>
-          </a:p>
-          <a:p>
-            <a:r>
-              <a:rPr lang="en-US" dirty="0"/>
-              <a:t>  - You can build your hybrid app inside WPF or WinForms, which makes it easy to integrate with your existing apps on those platforms.</a:t>
-            </a:r>
-          </a:p>
-          <a:p>
-            <a:endParaRPr lang="en-US" dirty="0"/>
-          </a:p>
-          <a:p>
-            <a:endParaRPr lang="en-US" dirty="0"/>
-          </a:p>
-          <a:p>
-            <a:r>
-              <a:rPr lang="en-US" dirty="0"/>
-              <a:t>Cons</a:t>
-            </a:r>
-          </a:p>
-          <a:p>
-            <a:r>
-              <a:rPr lang="en-US" dirty="0"/>
-              <a:t>  - Interop has its costs…. Performance, maybe bugs in the interop layer?, issues with accessibility, keyboarding, you’re dealing with support across desktop and web products.</a:t>
-            </a:r>
-          </a:p>
-          <a:p>
-            <a:r>
-              <a:rPr lang="en-US" dirty="0"/>
-              <a:t>  - It feels like a web app… it’s got that bouncy feeling when you drag things around.</a:t>
-            </a:r>
-          </a:p>
-          <a:p>
-            <a:endParaRPr lang="en-US" dirty="0"/>
-          </a:p>
-          <a:p>
-            <a:r>
-              <a:rPr lang="en-US" dirty="0"/>
-              <a:t>Let’s take a very quick lap around a Blazor Hybrid app.</a:t>
+              <a:t>Some of the drawbacks of platforms like Uno…</a:t>
+            </a:r>
+          </a:p>
+          <a:p>
+            <a:endParaRPr lang="en-US" dirty="0"/>
+          </a:p>
+          <a:p>
+            <a:r>
+              <a:rPr lang="en-US" dirty="0"/>
+              <a:t>No official support for VB, F# or C++.</a:t>
+            </a:r>
+          </a:p>
+          <a:p>
+            <a:endParaRPr lang="en-US" dirty="0"/>
+          </a:p>
+          <a:p>
+            <a:r>
+              <a:rPr lang="en-US" dirty="0"/>
+              <a:t>It’s a 3</a:t>
+            </a:r>
+            <a:r>
+              <a:rPr lang="en-US" baseline="30000" dirty="0"/>
+              <a:t>rd</a:t>
+            </a:r>
+            <a:r>
+              <a:rPr lang="en-US" dirty="0"/>
+              <a:t> party solution. Some companies that use Microsoft solutions can be hesitant to work with 3</a:t>
+            </a:r>
+            <a:r>
+              <a:rPr lang="en-US" baseline="30000" dirty="0"/>
+              <a:t>rd</a:t>
+            </a:r>
+            <a:r>
+              <a:rPr lang="en-US" dirty="0"/>
+              <a:t> party platforms.</a:t>
+            </a:r>
+          </a:p>
+          <a:p>
+            <a:endParaRPr lang="en-US" dirty="0"/>
+          </a:p>
+          <a:p>
+            <a:r>
+              <a:rPr lang="en-US" dirty="0"/>
+              <a:t>There are paid options for advanced support. Avalonia also has licensing terms for app deployment.</a:t>
+            </a:r>
+          </a:p>
+          <a:p>
+            <a:endParaRPr lang="en-US" dirty="0"/>
+          </a:p>
+          <a:p>
+            <a:r>
+              <a:rPr lang="en-US" dirty="0"/>
+              <a:t>Like with WinUI and .NET MAUI, there’s no XAML designer.</a:t>
+            </a:r>
+          </a:p>
+          <a:p>
+            <a:endParaRPr lang="en-US" dirty="0"/>
+          </a:p>
+          <a:p>
+            <a:r>
+              <a:rPr lang="en-US" dirty="0"/>
+              <a:t>You have the platform-specific code issue we discussed with MAUI app development.</a:t>
+            </a:r>
+          </a:p>
+          <a:p>
+            <a:endParaRPr lang="en-US" dirty="0"/>
+          </a:p>
+          <a:p>
+            <a:r>
+              <a:rPr lang="en-US" dirty="0"/>
+              <a:t>And there are similar cross-platform vs native performance concerns we discussed with MAUI.</a:t>
+            </a:r>
+          </a:p>
+          <a:p>
+            <a:endParaRPr lang="en-US" dirty="0"/>
+          </a:p>
+          <a:p>
+            <a:r>
+              <a:rPr lang="en-US" dirty="0"/>
+              <a:t>Let’s take a quick look at the Uno version of our WinUI shopping list app.</a:t>
+            </a:r>
+          </a:p>
+          <a:p>
+            <a:endParaRPr lang="en-US" dirty="0"/>
+          </a:p>
+          <a:p>
+            <a:r>
+              <a:rPr lang="en-US" dirty="0"/>
+              <a:t>If there’s time, we’ll bring up the new project wizard to look at the options there.</a:t>
             </a:r>
           </a:p>
         </p:txBody>
@@ -2154,7 +2181,7 @@
     </p:spTree>
     <p:extLst>
       <p:ext uri="{BB962C8B-B14F-4D97-AF65-F5344CB8AC3E}">
-        <p14:creationId xmlns:p14="http://schemas.microsoft.com/office/powerpoint/2010/main" val="3758400909"/>
+        <p14:creationId xmlns:p14="http://schemas.microsoft.com/office/powerpoint/2010/main" val="4204330024"/>
       </p:ext>
     </p:extLst>
   </p:cSld>
@@ -2227,7 +2254,7 @@
             </a:pPr>
             <a:r>
               <a:rPr lang="en-US" dirty="0"/>
-              <a:t>Make sure you do your session surveys this week. </a:t>
+              <a:t>Surveys! Make sure you do your session surveys this week. </a:t>
             </a:r>
             <a:r>
               <a:rPr lang="en-US" dirty="0" err="1"/>
@@ -2356,42 +2383,43 @@
           <a:p>
             <a:r>
               <a:rPr lang="en-US" dirty="0"/>
-              <a:t>Do you need </a:t>
-            </a:r>
-            <a:r>
-              <a:rPr lang="en-US" dirty="0" err="1"/>
-              <a:t>xplat</a:t>
-            </a:r>
-            <a:r>
-              <a:rPr lang="en-US" dirty="0"/>
-              <a:t>? Or do you think you will in the future?</a:t>
-            </a:r>
-          </a:p>
-          <a:p>
-            <a:r>
-              <a:rPr lang="en-US" dirty="0"/>
-              <a:t>Are you porting an existing solution?</a:t>
-            </a:r>
-          </a:p>
-          <a:p>
-            <a:r>
-              <a:rPr lang="en-US" dirty="0"/>
-              <a:t>How long do you expect to support your app?</a:t>
-            </a:r>
-          </a:p>
-          <a:p>
-            <a:r>
-              <a:rPr lang="en-US" dirty="0"/>
-              <a:t>Do the current features of each platform meet your needs? Are missing features even on the roadmap?</a:t>
-            </a:r>
-          </a:p>
-          <a:p>
-            <a:endParaRPr lang="en-US" dirty="0"/>
-          </a:p>
-          <a:p>
-            <a:r>
-              <a:rPr lang="en-US" dirty="0"/>
-              <a:t>What does Microsoft recommend? Well, if WinUI and Windows App SDK has the features you need, you should choose that. It’s the hero framework moving forward. If it doesn’t have what you need, look at WPF. It’s still getting new features and is not going anywhere. Absolutely don’t want to touch XAML and love .NET? You can use C# Markup with Uno or MAUI (and get cross-platform options) or go with the tried-and-true WinForms option.</a:t>
+              <a:t>Do you need cross-platform? Or do you think you will in the future?</a:t>
+            </a:r>
+          </a:p>
+          <a:p>
+            <a:r>
+              <a:rPr lang="en-US" dirty="0"/>
+              <a:t>Are you porting an existing solution? Unless you’re on Xamarin or UWP, there’s no reason you NEED to change your selected framework.</a:t>
+            </a:r>
+          </a:p>
+          <a:p>
+            <a:r>
+              <a:rPr lang="en-US" dirty="0"/>
+              <a:t>How long do you expect to support your app? If you’re in it for the long haul, make sure you’re using a framework that can support upgrading with .NET long-term support versions every two years.</a:t>
+            </a:r>
+          </a:p>
+          <a:p>
+            <a:r>
+              <a:rPr lang="en-US" dirty="0"/>
+              <a:t>Do the current features of each platform meet your needs? Are there missing features on the product roadmap?</a:t>
+            </a:r>
+          </a:p>
+          <a:p>
+            <a:endParaRPr lang="en-US" dirty="0"/>
+          </a:p>
+          <a:p>
+            <a:r>
+              <a:rPr lang="en-US" dirty="0"/>
+              <a:t>What does Microsoft recommend? Well, if WinUI and Windows App SDK has the features you need, you should choose that. From the Windows team’s perspective, it’s the hero framework moving forward. If it doesn’t have what you need, look at WPF. WPF is also great for building complex, enterprise apps. It’s still getting new features and is not going anywhere.</a:t>
+            </a:r>
+          </a:p>
+          <a:p>
+            <a:endParaRPr lang="en-US" dirty="0"/>
+          </a:p>
+          <a:p>
+            <a:r>
+              <a:rPr lang="en-US" dirty="0"/>
+              <a:t>Absolutely don’t want to touch XAML and love .NET? You can use C# Markup with Uno or MAUI for cross-platform options, or you can stay native to Windows go with the tried-and-true WinForms option.</a:t>
             </a:r>
           </a:p>
         </p:txBody>
@@ -2464,7 +2492,19 @@
           <a:p>
             <a:r>
               <a:rPr lang="en-US" dirty="0"/>
-              <a:t>You can get this slide deck on my GitHub “speaking” repo, along with a larger list of links and the two Visual Studio solutions I used today.</a:t>
+              <a:t>You can get this slide deck on my GitHub “speaking” repo (</a:t>
+            </a:r>
+            <a:r>
+              <a:rPr lang="en-US" dirty="0" err="1"/>
+              <a:t>alvinashcraft</a:t>
+            </a:r>
+            <a:r>
+              <a:rPr lang="en-US"/>
+              <a:t>/speaking), </a:t>
+            </a:r>
+            <a:r>
+              <a:rPr lang="en-US" dirty="0"/>
+              <a:t>along with a larger list of links and the two Visual Studio solutions I used today.</a:t>
             </a:r>
           </a:p>
           <a:p>
@@ -2689,76 +2729,58 @@
           <a:p>
             <a:r>
               <a:rPr lang="en-US" dirty="0"/>
-              <a:t>A little background about me…</a:t>
-            </a:r>
-          </a:p>
-          <a:p>
-            <a:endParaRPr lang="en-US" dirty="0"/>
-          </a:p>
-          <a:p>
-            <a:r>
-              <a:rPr lang="en-US" dirty="0"/>
-              <a:t>For those who don’t know me, I’ve been in the software industry since 1995, with most of that time (over 25) years spent as a developer and architect using various Microsoft technologies.</a:t>
-            </a:r>
-          </a:p>
-          <a:p>
-            <a:endParaRPr lang="en-US" dirty="0"/>
-          </a:p>
-          <a:p>
-            <a:r>
-              <a:rPr lang="en-US" dirty="0"/>
-              <a:t>Some of you may also be familiar with my blog, the Morning Dew, where I’ve been posting daily links for .NET developers since 2007.</a:t>
-            </a:r>
-          </a:p>
-          <a:p>
-            <a:endParaRPr lang="en-US" dirty="0"/>
-          </a:p>
-          <a:p>
-            <a:r>
-              <a:rPr lang="en-US" dirty="0"/>
-              <a:t>I also have three books from </a:t>
-            </a:r>
-            <a:r>
-              <a:rPr lang="en-US" dirty="0" err="1"/>
-              <a:t>Packt</a:t>
-            </a:r>
-            <a:r>
-              <a:rPr lang="en-US" dirty="0"/>
-              <a:t> Publishing. You can check those out on </a:t>
-            </a:r>
-            <a:r>
-              <a:rPr lang="en-US" dirty="0" err="1"/>
-              <a:t>Packt’s</a:t>
-            </a:r>
-            <a:r>
-              <a:rPr lang="en-US" dirty="0"/>
-              <a:t> website or on Amazon. Just search for my name.</a:t>
-            </a:r>
-          </a:p>
-          <a:p>
-            <a:endParaRPr lang="en-US" dirty="0"/>
-          </a:p>
-          <a:p>
-            <a:r>
-              <a:rPr lang="en-US" dirty="0"/>
-              <a:t>Writing those books led me to pivot my career to technical writing. I joined Microsoft two years ago as a content developer. I write documentation, training modules, and code samples on Microsoft Learn. I work on the Windows developer docs team, helping to maintain the docs for client apps and APIs. I have another talk I give about my work as a content developer and how anyone can contribute to content on Learn through GitHub issues and PRs.</a:t>
-            </a:r>
-          </a:p>
-          <a:p>
-            <a:endParaRPr lang="en-US" dirty="0"/>
-          </a:p>
-          <a:p>
-            <a:r>
-              <a:rPr lang="en-US" dirty="0"/>
-              <a:t>Finally, I’m one of the founding organizers of the </a:t>
-            </a:r>
-            <a:r>
-              <a:rPr lang="en-US" dirty="0" err="1"/>
-              <a:t>TechBash</a:t>
-            </a:r>
-            <a:r>
-              <a:rPr lang="en-US" dirty="0"/>
-              <a:t> developer conference. We’ve been running the event in the Poconos since 2016, and…</a:t>
+              <a:t>A little bit about me…</a:t>
+            </a:r>
+          </a:p>
+          <a:p>
+            <a:endParaRPr lang="en-US" dirty="0"/>
+          </a:p>
+          <a:p>
+            <a:r>
+              <a:rPr lang="en-US" dirty="0"/>
+              <a:t>For those who don’t know me, I’ve been working in the software industry since 1995, with most of that time (over 25) years spent as a developer and architect using various Microsoft technologies.</a:t>
+            </a:r>
+          </a:p>
+          <a:p>
+            <a:endParaRPr lang="en-US" dirty="0"/>
+          </a:p>
+          <a:p>
+            <a:r>
+              <a:rPr lang="en-US" dirty="0"/>
+              <a:t>Some of you may also be familiar with my blog, the Morning Dew, where I’ve been posting daily links for .NET developers for 17 years.</a:t>
+            </a:r>
+          </a:p>
+          <a:p>
+            <a:endParaRPr lang="en-US" dirty="0"/>
+          </a:p>
+          <a:p>
+            <a:r>
+              <a:rPr lang="en-US" dirty="0"/>
+              <a:t>I’ve also written three books in the last four years, two editions of Learn WinUI 3 and a book on parallel programming with .NET. You can find them all on Amazon. Just search for my name.</a:t>
+            </a:r>
+          </a:p>
+          <a:p>
+            <a:endParaRPr lang="en-US" dirty="0"/>
+          </a:p>
+          <a:p>
+            <a:r>
+              <a:rPr lang="en-US" dirty="0"/>
+              <a:t>Writing those books led me to a full-time career in writing. I joined Microsoft two years ago as a content developer. I write documentation, training modules, and code samples on Microsoft Learn, working on the Windows developer docs team. There, I help write and maintain the docs for Windows client apps and APIs.</a:t>
+            </a:r>
+          </a:p>
+          <a:p>
+            <a:r>
+              <a:rPr lang="en-US" dirty="0"/>
+              <a:t>	I have another session after lunch about my work as a content developer and how anyone can contribute to the open-source docs on Learn with GitHub Issues and PRs.</a:t>
+            </a:r>
+          </a:p>
+          <a:p>
+            <a:endParaRPr lang="en-US" dirty="0"/>
+          </a:p>
+          <a:p>
+            <a:r>
+              <a:rPr lang="en-US" dirty="0"/>
+              <a:t>And… in my spare time, I’m also a conference organizer.</a:t>
             </a:r>
           </a:p>
         </p:txBody>
@@ -2831,25 +2853,25 @@
           <a:p>
             <a:r>
               <a:rPr lang="en-US" dirty="0"/>
-              <a:t>We’ll start with a brief review of the history of Windows development since the introduction of .NET in the early 2000s.</a:t>
-            </a:r>
-          </a:p>
-          <a:p>
-            <a:endParaRPr lang="en-US" dirty="0"/>
-          </a:p>
-          <a:p>
-            <a:r>
-              <a:rPr lang="en-US" dirty="0"/>
-              <a:t>Then we’ll review some reason why you may or may not decide to choose each of these UI frameworks, followed by a look at some code for each of them.</a:t>
-            </a:r>
-          </a:p>
-          <a:p>
-            <a:endParaRPr lang="en-US" dirty="0"/>
-          </a:p>
-          <a:p>
-            <a:r>
-              <a:rPr lang="en-US" dirty="0"/>
-              <a:t>I created a sample app using each framework. It’s a very basic shopping list app that loads some sample data. Each app shares the same code to load the sample data, and you can add more items, mark them as purchased or remove them from your list. We’ll see the similarities and difference and you’ll see that I’m not the best at UI design, no matter which framework I use.</a:t>
+              <a:t>We’ll start with a brief review of Windows development’s evolution since the introduction of .NET Framework.</a:t>
+            </a:r>
+          </a:p>
+          <a:p>
+            <a:endParaRPr lang="en-US" dirty="0"/>
+          </a:p>
+          <a:p>
+            <a:r>
+              <a:rPr lang="en-US" dirty="0"/>
+              <a:t>Then we’ll review some reasons why you might decide to choose each of these UI frameworks, followed by a look at some code for each of them.</a:t>
+            </a:r>
+          </a:p>
+          <a:p>
+            <a:endParaRPr lang="en-US" dirty="0"/>
+          </a:p>
+          <a:p>
+            <a:r>
+              <a:rPr lang="en-US" dirty="0"/>
+              <a:t>I created a sample app using each framework. It’s a very basic shopping list app that loads some sample data. Each app shares the same code to generate the sample data. You can add more items, mark them as purchased or remove them from your list. We’ll see the similarities and differences, and you’ll see that I’m probably not cut out to be a UI designer, no matter which framework I use.</a:t>
             </a:r>
           </a:p>
           <a:p>
@@ -2867,7 +2889,7 @@
           <a:p>
             <a:r>
               <a:rPr lang="en-US" dirty="0"/>
-              <a:t>And we’ll review some online resources you can keep handy, and hopefully we’ll have some time for Q&amp;A. But feel free to ask questions as we go. It’s usually best to address any questions while they’re in context, and there’s a good chance that you’re not the only one with that questions. If I don’t see questions in chat, please interrupt me any time.</a:t>
+              <a:t>And we’ll review some online resources you can keep handy, and we’ll have some time for Q&amp;A. But feel free to ask questions as we go.</a:t>
             </a:r>
           </a:p>
           <a:p>
@@ -2946,43 +2968,43 @@
           <a:p>
             <a:r>
               <a:rPr lang="en-US" dirty="0"/>
-              <a:t>WinForms has been there for every step of the way. Even before WinForms in .NET Microsoft has had a forms designer for Windows apps since 1991 when Bill Gates demoed the VB form designer.</a:t>
-            </a:r>
-          </a:p>
-          <a:p>
-            <a:endParaRPr lang="en-US" dirty="0"/>
-          </a:p>
-          <a:p>
-            <a:r>
-              <a:rPr lang="en-US" dirty="0"/>
-              <a:t>Windows Presentation Foundation (or WPF) was introduced around the same time as Windows Vista in 2006 and was the first XAML-based UI framework from Microsoft, followed by everyone’s favorite web development framework, Silverlight, in 2007. WPF became a big deal for enterprise developers, and quickly overtook WinForms as the de-facto choice for businesses building Windows apps.</a:t>
-            </a:r>
-          </a:p>
-          <a:p>
-            <a:endParaRPr lang="en-US" dirty="0"/>
-          </a:p>
-          <a:p>
-            <a:r>
-              <a:rPr lang="en-US" dirty="0"/>
-              <a:t>We’ll skim over the Windows 8 XAML apps that debuted in 2012 and talk about UWP apps. They were introduced in 2015 with Windows 10, and UWP apps gave developers a way to target Windows on desktops, phones, HoloLens, and Xbox with a single project. They had some success with ISVs building consumer apps, but never found a place in the enterprise. The constraints of the other platforms, held back the Windows 10 desktop capabilities. We’ll talk more about those things later.</a:t>
-            </a:r>
-          </a:p>
-          <a:p>
-            <a:endParaRPr lang="en-US" dirty="0"/>
-          </a:p>
-          <a:p>
-            <a:r>
-              <a:rPr lang="en-US" dirty="0"/>
-              <a:t>2021 gave use two new options for Windows apps, WinUI 3 (and the Windows App SDK) and Blazor Hybrid apps. WinUI 3 was launched as a successor to UWP, and Blazor Hybrid apps give web developers a way to build for desktop and mobile clients.</a:t>
-            </a:r>
-          </a:p>
-          <a:p>
-            <a:endParaRPr lang="en-US" dirty="0"/>
-          </a:p>
-          <a:p>
-            <a:r>
-              <a:rPr lang="en-US" dirty="0"/>
-              <a:t>We’ll also talk about some new options that allow you to target Windows and beyond. .NET MAUI is the successor to </a:t>
+              <a:t>WinForms has been there for every step of the way. Even before WinForms and .NET, Microsoft has had a forms designer for Windows apps. In 1991, Bill Gates demoed the first VB form designer.</a:t>
+            </a:r>
+          </a:p>
+          <a:p>
+            <a:endParaRPr lang="en-US" dirty="0"/>
+          </a:p>
+          <a:p>
+            <a:r>
+              <a:rPr lang="en-US" dirty="0"/>
+              <a:t>WPF was introduced with Windows Vista in 2006 and was the first XAML-based UI framework from Microsoft. WPF became a big deal for enterprise developers, and quickly became the de-facto choice for businesses building enterprise Windows apps.</a:t>
+            </a:r>
+          </a:p>
+          <a:p>
+            <a:endParaRPr lang="en-US" dirty="0"/>
+          </a:p>
+          <a:p>
+            <a:r>
+              <a:rPr lang="en-US" dirty="0"/>
+              <a:t>We’ll skip over the Windows 8 XAML apps that debuted in 2012 and talk briefly about UWP apps. They were introduced in 2015 with Windows 10, and UWP apps gave developers a way to target Windows on desktops, phones, HoloLens, and Xbox with a single code base. They had some success with ISVs building consumer apps but got traction in the enterprise.</a:t>
+            </a:r>
+          </a:p>
+          <a:p>
+            <a:endParaRPr lang="en-US" dirty="0"/>
+          </a:p>
+          <a:p>
+            <a:r>
+              <a:rPr lang="en-US" dirty="0"/>
+              <a:t>2021 gave use two new options for Windows apps, WinUI 3 (and the Windows App SDK) and Blazor Hybrid apps. WinUI 3 was launched as a successor to UWP, and Blazor Hybrid apps introduced a way for web developers to build desktop and mobile clients with .NET.</a:t>
+            </a:r>
+          </a:p>
+          <a:p>
+            <a:endParaRPr lang="en-US" dirty="0"/>
+          </a:p>
+          <a:p>
+            <a:r>
+              <a:rPr lang="en-US" dirty="0"/>
+              <a:t>We’ll also talk about some options that allow you to target multiple platforms. .NET MAUI is the successor to </a:t>
             </a:r>
             <a:r>
               <a:rPr lang="en-US" dirty="0" err="1"/>
@@ -2990,24 +3012,16 @@
             </a:r>
             <a:r>
               <a:rPr lang="en-US" dirty="0"/>
-              <a:t>, and it allows you to use XAML and C# to build apps for Windows, macOS, iOS, Android and Samsung watches &amp; smart TVs. There are some 3</a:t>
-            </a:r>
-            <a:r>
-              <a:rPr lang="en-US" baseline="30000" dirty="0"/>
-              <a:t>rd</a:t>
-            </a:r>
-            <a:r>
-              <a:rPr lang="en-US" dirty="0"/>
-              <a:t> party options that we’ll touch on as time permits. Uno Platform and Avalonia UI both target the same platforms as MAUI in addition to Linux and web support (with WebAssembly).</a:t>
-            </a:r>
-          </a:p>
-          <a:p>
-            <a:endParaRPr lang="en-US" dirty="0"/>
-          </a:p>
-          <a:p>
-            <a:r>
-              <a:rPr lang="en-US" dirty="0"/>
-              <a:t>If we had more time, we could also talk about Flutter, React Native for Windows, JavaFX, Electron, and many other options for building apps for Windows and beyond.</a:t>
+              <a:t>, and it allows you to use XAML and C# to build apps for Windows, macOS, and mobile devices. There are some third-party options that we’ll touch too. Uno Platform and Avalonia UI both target the same platforms as MAUI in addition to Linux and web support (with WebAssembly).</a:t>
+            </a:r>
+          </a:p>
+          <a:p>
+            <a:endParaRPr lang="en-US" dirty="0"/>
+          </a:p>
+          <a:p>
+            <a:r>
+              <a:rPr lang="en-US" dirty="0"/>
+              <a:t>If we had more time, we could also talk about some non-.NET options like Flutter, React Native for Windows, and Electron.</a:t>
             </a:r>
           </a:p>
         </p:txBody>
@@ -3071,7 +3085,7 @@
           <a:p>
             <a:r>
               <a:rPr lang="en-US" dirty="0"/>
-              <a:t>Here are a few examples of Windows user interfaces created with different UI Frameworks.</a:t>
+              <a:t>These are a few examples of Windows UIs that were created with some of the frameworks we’re discussing today.</a:t>
             </a:r>
           </a:p>
           <a:p>
@@ -3089,15 +3103,7 @@
           <a:p>
             <a:r>
               <a:rPr lang="en-US" dirty="0"/>
-              <a:t>The upper-left screenshot is probably the type of UI you picture when you hear Windows Forms. It looks very Windows XP… utilitarian. I’ve probably created </a:t>
-            </a:r>
-            <a:r>
-              <a:rPr lang="en-US" dirty="0" err="1"/>
-              <a:t>Uis</a:t>
-            </a:r>
-            <a:r>
-              <a:rPr lang="en-US" dirty="0"/>
-              <a:t> similar to this in VB 6 back in the day.</a:t>
+              <a:t>The upper-left screenshot is probably the type of UI you picture when you hear Windows Forms. It looks very Windows 7… utilitarian. This is a screenshot of the sample app will be exploring later in this session.</a:t>
             </a:r>
           </a:p>
           <a:p>
@@ -3115,25 +3121,34 @@
           <a:p>
             <a:r>
               <a:rPr lang="en-US" dirty="0"/>
-              <a:t>The screen in the middle probably looks familiar. That’s Visual Studio 2022 with the preview UI for their Extension Manager open. Nearly all of the Visual Studio UI is WPF. There are a few remaining legacy dialogs left (like the Options dialog), but it’s mostly WPF.</a:t>
-            </a:r>
-          </a:p>
-          <a:p>
-            <a:endParaRPr lang="en-US" dirty="0"/>
-          </a:p>
-          <a:p>
-            <a:r>
-              <a:rPr lang="en-US" dirty="0"/>
-              <a:t>The lower-center screens are created with .NET MAUI. Microsoft created a weather app that is responsive to different desktop and mobile form factors. You can get the source code for this app on GitHub. Just search for .NET MAUI weather sample app.</a:t>
-            </a:r>
-          </a:p>
-          <a:p>
-            <a:endParaRPr lang="en-US" dirty="0"/>
-          </a:p>
-          <a:p>
-            <a:r>
-              <a:rPr lang="en-US" dirty="0"/>
-              <a:t>The top right image is a screenshot of my Windows File Explorer in Windows 11. The new builds of Windows 11 have a File Explorer that is built with WinUI. Microsoft and some key partners like Apple and Adobe have been using WinUI and Windows App SDK to create some desktop apps in the last year or so. The Apple Music app is the last image here. You can download Apple Music, as well as Apple TV and Apple Devices apps from the Microsoft Store. All three were built with WinUI. Adobe’s WinUI app is Fresco, you can check that out on the Microsoft Store.</a:t>
+              <a:t>The screen in the middle probably looks familiar. That’s Visual Studio 2022. Nearly all the Visual Studio UI is WPF. There are a few remaining legacy dialogs (like the Options dialog), but it’s mostly WPF.</a:t>
+            </a:r>
+          </a:p>
+          <a:p>
+            <a:endParaRPr lang="en-US" dirty="0"/>
+          </a:p>
+          <a:p>
+            <a:r>
+              <a:rPr lang="en-US" dirty="0"/>
+              <a:t>The screens below Visual Studio were created with .NET MAUI. Microsoft built a weather sample app that’s responsive to different desktop and mobile form factors. You can get the source code for this app on GitHub. Just search for .NET MAUI weather sample app.</a:t>
+            </a:r>
+          </a:p>
+          <a:p>
+            <a:endParaRPr lang="en-US" dirty="0"/>
+          </a:p>
+          <a:p>
+            <a:r>
+              <a:rPr lang="en-US" dirty="0"/>
+              <a:t>The top right image is a screenshot of Windows File Explorer in Windows 11. The latest builds of Windows 11 have a File Explorer that was created with WinUI. Microsoft and some key partners like Apple and Adobe have been using WinUI to create some high-profile desktop apps over the last couple of years.</a:t>
+            </a:r>
+          </a:p>
+          <a:p>
+            <a:endParaRPr lang="en-US" dirty="0"/>
+          </a:p>
+          <a:p>
+            <a:r>
+              <a:rPr lang="en-US" dirty="0"/>
+              <a:t>The Apple Music app is the last image here. You can download the Apple Music, Apple TV, and Apple Devices apps from the Microsoft Store. All three were built with WinUI. Adobe’s WinUI app is called Fresco, you can also install Fresco from the Microsoft Store.</a:t>
             </a:r>
           </a:p>
         </p:txBody>
@@ -3197,51 +3212,49 @@
           <a:p>
             <a:r>
               <a:rPr lang="en-US" dirty="0"/>
-              <a:t>Let’s get into the details of each framework, starting with Windows Forms…</a:t>
-            </a:r>
-          </a:p>
-          <a:p>
-            <a:endParaRPr lang="en-US" dirty="0"/>
-          </a:p>
-          <a:p>
-            <a:r>
-              <a:rPr lang="en-US" dirty="0"/>
-              <a:t>Developers love WinForms because it lets you build simple apps fast. It has a visual drag &amp; drop designer to build your UI, and everything is C# (or VB) code. There’s no separate language or markup to construct the UI.</a:t>
-            </a:r>
-          </a:p>
-          <a:p>
-            <a:endParaRPr lang="en-US" dirty="0"/>
-          </a:p>
-          <a:p>
-            <a:r>
-              <a:rPr lang="en-US" dirty="0"/>
-              <a:t>As we saw on the previous slide, there has been strong 3</a:t>
-            </a:r>
-            <a:r>
-              <a:rPr lang="en-US" baseline="30000" dirty="0"/>
-              <a:t>rd</a:t>
-            </a:r>
-            <a:r>
-              <a:rPr lang="en-US" dirty="0"/>
-              <a:t> party support for WinForms controls for years.</a:t>
-            </a:r>
-          </a:p>
-          <a:p>
-            <a:endParaRPr lang="en-US" dirty="0"/>
-          </a:p>
-          <a:p>
-            <a:r>
-              <a:rPr lang="en-US" dirty="0"/>
-              <a:t>You have two options for creating a new WinForms project. Most of you will want to select the modern .NET option ( that’s .NET 8 today), but you still do have the option to create a new WinForms project on .NET Framework. If you have clients running unsupported Windows 7 machines, you can still build and maintain .NET client apps for them.</a:t>
-            </a:r>
-          </a:p>
-          <a:p>
-            <a:endParaRPr lang="en-US" dirty="0"/>
-          </a:p>
-          <a:p>
-            <a:r>
-              <a:rPr lang="en-US" dirty="0"/>
-              <a:t>If you have existing .NET Framework WinForms apps that you’d like to modernize, Microsoft has a .NET Upgrade tool you can use to move them to .NET 8 to take advantage of the performance and features of today’s .NET. This tool can also upgrade legacy WPF apps to .NET 8 WPF, </a:t>
+              <a:t>Let’s get into some details with each framework, starting with Windows Forms. WinForms is probably still the most used Windows framework when it comes to starting a new project.</a:t>
+            </a:r>
+          </a:p>
+          <a:p>
+            <a:endParaRPr lang="en-US" dirty="0"/>
+          </a:p>
+          <a:p>
+            <a:r>
+              <a:rPr lang="en-US" dirty="0"/>
+              <a:t>.NET developers love WinForms because it lets you build apps fast. It has a visual drag &amp; drop designer to build your UI, and everything is C# (or VB) code. There’s no separate language or markup used to build the UI.</a:t>
+            </a:r>
+          </a:p>
+          <a:p>
+            <a:endParaRPr lang="en-US" dirty="0"/>
+          </a:p>
+          <a:p>
+            <a:r>
+              <a:rPr lang="en-US" dirty="0"/>
+              <a:t>As we saw on the previous slide, there has been strong third-party support for WinForms controls for years (decades, really).</a:t>
+            </a:r>
+          </a:p>
+          <a:p>
+            <a:endParaRPr lang="en-US" dirty="0"/>
+          </a:p>
+          <a:p>
+            <a:r>
+              <a:rPr lang="en-US" dirty="0"/>
+              <a:t>You have two options when you create a new WinForms project. You’ll typically want to select the modern .NET option (that’s .NET 8 today), but you still do have the option to create a new WinForms project on .NET Framework. The templates for both are part of Visual Studio 2022. If you have clients running unsupported Windows 7 machines, you can still build and maintain .NET client apps for them.</a:t>
+            </a:r>
+          </a:p>
+          <a:p>
+            <a:endParaRPr lang="en-US" dirty="0"/>
+          </a:p>
+          <a:p>
+            <a:r>
+              <a:rPr lang="en-US" dirty="0"/>
+              <a:t>If you have existing .NET Framework WinForms apps that you’d like to modernize, Microsoft has a .NET Upgrade tool you can use to move them to .NET 8 to take advantage of the performance and features of today’s .NET.</a:t>
+            </a:r>
+          </a:p>
+          <a:p>
+            <a:r>
+              <a:rPr lang="en-US" dirty="0"/>
+              <a:t>	This tool can also upgrade legacy WPF apps to WPF on .NET 8, </a:t>
             </a:r>
             <a:r>
               <a:rPr lang="en-US" dirty="0" err="1"/>
@@ -3249,7 +3262,7 @@
             </a:r>
             <a:r>
               <a:rPr lang="en-US" dirty="0"/>
-              <a:t> apps to .NET MAUI, or UWP apps to WinUI.</a:t>
+              <a:t> apps to .NET MAUI, or UWP apps to WinUI. The tool will also provide a list of any issues encountered during the upgrade.</a:t>
             </a:r>
           </a:p>
           <a:p>
@@ -3331,16 +3344,16 @@
           <a:p>
             <a:r>
               <a:rPr lang="en-US" dirty="0"/>
-              <a:t>Let’s briefly touch on a few reasons why you may decide not to choose Windows Forms, and then we’ll look at some code.</a:t>
-            </a:r>
-          </a:p>
-          <a:p>
-            <a:endParaRPr lang="en-US" dirty="0"/>
-          </a:p>
-          <a:p>
-            <a:r>
-              <a:rPr lang="en-US" dirty="0"/>
-              <a:t>Without any custom theming applied, WinForms looks dated. It’s had some updates to improve the UI a bit since Windows XP, but you won’t be implementing Microsoft Fluent Design or Google’s Material Design in a WinForms app any time soon.</a:t>
+              <a:t>Let’s briefly touch on a few reasons why you might not choose Windows Forms, and then we’ll look at the sample app.</a:t>
+            </a:r>
+          </a:p>
+          <a:p>
+            <a:endParaRPr lang="en-US" dirty="0"/>
+          </a:p>
+          <a:p>
+            <a:r>
+              <a:rPr lang="en-US" dirty="0"/>
+              <a:t>Without any custom theming applied, WinForms looks dated. It’s had some updates to improve the UI over the years, but you won’t be implementing Microsoft Fluent Design in a WinForms app any time soon.</a:t>
             </a:r>
           </a:p>
           <a:p>
@@ -3367,24 +3380,16 @@
           <a:p>
             <a:r>
               <a:rPr lang="en-US" dirty="0"/>
-              <a:t>There’s no built-in support for switching between light &amp; dark themes when users update their Windows theme. We saw earlier that there are some 3</a:t>
-            </a:r>
-            <a:r>
-              <a:rPr lang="en-US" baseline="30000" dirty="0"/>
-              <a:t>rd</a:t>
-            </a:r>
-            <a:r>
-              <a:rPr lang="en-US" dirty="0"/>
-              <a:t> party theming options for with light and dark themes though.</a:t>
-            </a:r>
-          </a:p>
-          <a:p>
-            <a:endParaRPr lang="en-US" dirty="0"/>
-          </a:p>
-          <a:p>
-            <a:r>
-              <a:rPr lang="en-US" dirty="0"/>
-              <a:t>It’s also not the best choice if touch input or ink are important to your users.</a:t>
+              <a:t>There’s no built-in support for switching between light &amp; dark themes when users update their Windows theme. We saw earlier that there are some third-party theming options for with light and dark themes though.</a:t>
+            </a:r>
+          </a:p>
+          <a:p>
+            <a:endParaRPr lang="en-US" dirty="0"/>
+          </a:p>
+          <a:p>
+            <a:r>
+              <a:rPr lang="en-US" dirty="0"/>
+              <a:t>It’s also not the best choice if touch input or inking are important to your users.</a:t>
             </a:r>
           </a:p>
           <a:p>
@@ -3457,7 +3462,7 @@
           <a:p>
             <a:r>
               <a:rPr lang="en-US" dirty="0"/>
-              <a:t>Next up is the Windows Presentation Foundation or WPF…</a:t>
+              <a:t>Next up is WPF…</a:t>
             </a:r>
           </a:p>
           <a:p>
@@ -3484,7 +3489,7 @@
           <a:p>
             <a:r>
               <a:rPr lang="en-US" dirty="0"/>
-              <a:t>As I mentioned on the WinForms slide, XAML-based UIs are GPU accelerated, being rendered on in the DirectX pipeline. This helps with UI rendering performance.</a:t>
+              <a:t>As I mentioned on the WinForms slide, XAML-based UIs are GPU accelerated, which means they’re rendered by the DirectX pipeline. This helps with UI rendering performance, offloading some work from the CPU.</a:t>
             </a:r>
           </a:p>
           <a:p>
@@ -3519,24 +3524,25 @@
           <a:p>
             <a:r>
               <a:rPr lang="en-US" dirty="0"/>
-              <a:t>Like WinForms, WPF has modern .NET and .NET Framework project options and extensive 3</a:t>
-            </a:r>
-            <a:r>
-              <a:rPr lang="en-US" baseline="30000" dirty="0"/>
-              <a:t>rd</a:t>
-            </a:r>
-            <a:r>
-              <a:rPr lang="en-US" dirty="0"/>
-              <a:t> party product support. It’s under active development, and if you check out the roadmap on GitHub, you’ll see that they’re working on built-in theming support for Windows 11. WPF apps will finally have a more modern look out-of-the-box.</a:t>
-            </a:r>
-          </a:p>
-          <a:p>
-            <a:endParaRPr lang="en-US" dirty="0"/>
-          </a:p>
-          <a:p>
-            <a:r>
-              <a:rPr lang="en-US" dirty="0"/>
-              <a:t>WPF is still the framework of choice for many companies building line-of-business apps for Windows, and Microsoft continues to position it as such.</a:t>
+              <a:t>Like WinForms, WPF has .NET 8 and .NET Framework project options and extensive third-party library support.</a:t>
+            </a:r>
+          </a:p>
+          <a:p>
+            <a:endParaRPr lang="en-US" dirty="0"/>
+          </a:p>
+          <a:p>
+            <a:r>
+              <a:rPr lang="en-US" dirty="0"/>
+              <a:t>It’s under active development, and if you check out the roadmap on GitHub, you’ll see that they’re working on built-in theming support for Windows 11. WPF apps will finally have a more modern look out-of-the-box.</a:t>
+            </a:r>
+          </a:p>
+          <a:p>
+            <a:endParaRPr lang="en-US" dirty="0"/>
+          </a:p>
+          <a:p>
+            <a:r>
+              <a:rPr lang="en-US" dirty="0"/>
+              <a:t>WPF is the framework of choice for many companies building complex line-of-business apps for Windows today.</a:t>
             </a:r>
           </a:p>
         </p:txBody>
@@ -3733,7 +3739,7 @@
           <a:p>
             <a:fld id="{D088F999-7A4E-6B4F-9FED-EF75B73AD044}" type="datetimeFigureOut">
               <a:rPr lang="en-US" smtClean="0"/>
-              <a:t>4/28/2024</a:t>
+              <a:t>4/29/2024</a:t>
             </a:fld>
             <a:endParaRPr lang="en-US"/>
           </a:p>
@@ -3901,7 +3907,7 @@
           <a:p>
             <a:fld id="{D088F999-7A4E-6B4F-9FED-EF75B73AD044}" type="datetimeFigureOut">
               <a:rPr lang="en-US" smtClean="0"/>
-              <a:t>4/28/2024</a:t>
+              <a:t>4/29/2024</a:t>
             </a:fld>
             <a:endParaRPr lang="en-US"/>
           </a:p>
@@ -4079,7 +4085,7 @@
           <a:p>
             <a:fld id="{D088F999-7A4E-6B4F-9FED-EF75B73AD044}" type="datetimeFigureOut">
               <a:rPr lang="en-US" smtClean="0"/>
-              <a:t>4/28/2024</a:t>
+              <a:t>4/29/2024</a:t>
             </a:fld>
             <a:endParaRPr lang="en-US"/>
           </a:p>
@@ -4248,7 +4254,7 @@
             <a:fld id="{3FE51E94-D08C-431E-88FC-7EB62E529A19}" type="datetimeFigureOut">
               <a:rPr lang="en-US" smtClean="0"/>
               <a:pPr/>
-              <a:t>4/28/2024</a:t>
+              <a:t>4/29/2024</a:t>
             </a:fld>
             <a:endParaRPr lang="en-US"/>
           </a:p>
@@ -4417,7 +4423,7 @@
           <a:p>
             <a:fld id="{D088F999-7A4E-6B4F-9FED-EF75B73AD044}" type="datetimeFigureOut">
               <a:rPr lang="en-US" smtClean="0"/>
-              <a:t>4/28/2024</a:t>
+              <a:t>4/29/2024</a:t>
             </a:fld>
             <a:endParaRPr lang="en-US"/>
           </a:p>
@@ -4662,7 +4668,7 @@
           <a:p>
             <a:fld id="{D088F999-7A4E-6B4F-9FED-EF75B73AD044}" type="datetimeFigureOut">
               <a:rPr lang="en-US" smtClean="0"/>
-              <a:t>4/28/2024</a:t>
+              <a:t>4/29/2024</a:t>
             </a:fld>
             <a:endParaRPr lang="en-US"/>
           </a:p>
@@ -4947,7 +4953,7 @@
           <a:p>
             <a:fld id="{D088F999-7A4E-6B4F-9FED-EF75B73AD044}" type="datetimeFigureOut">
               <a:rPr lang="en-US" smtClean="0"/>
-              <a:t>4/28/2024</a:t>
+              <a:t>4/29/2024</a:t>
             </a:fld>
             <a:endParaRPr lang="en-US"/>
           </a:p>
@@ -5366,7 +5372,7 @@
           <a:p>
             <a:fld id="{D088F999-7A4E-6B4F-9FED-EF75B73AD044}" type="datetimeFigureOut">
               <a:rPr lang="en-US" smtClean="0"/>
-              <a:t>4/28/2024</a:t>
+              <a:t>4/29/2024</a:t>
             </a:fld>
             <a:endParaRPr lang="en-US"/>
           </a:p>
@@ -5483,7 +5489,7 @@
           <a:p>
             <a:fld id="{D088F999-7A4E-6B4F-9FED-EF75B73AD044}" type="datetimeFigureOut">
               <a:rPr lang="en-US" smtClean="0"/>
-              <a:t>4/28/2024</a:t>
+              <a:t>4/29/2024</a:t>
             </a:fld>
             <a:endParaRPr lang="en-US"/>
           </a:p>
@@ -5578,7 +5584,7 @@
           <a:p>
             <a:fld id="{D088F999-7A4E-6B4F-9FED-EF75B73AD044}" type="datetimeFigureOut">
               <a:rPr lang="en-US" smtClean="0"/>
-              <a:t>4/28/2024</a:t>
+              <a:t>4/29/2024</a:t>
             </a:fld>
             <a:endParaRPr lang="en-US"/>
           </a:p>
@@ -5853,7 +5859,7 @@
           <a:p>
             <a:fld id="{D088F999-7A4E-6B4F-9FED-EF75B73AD044}" type="datetimeFigureOut">
               <a:rPr lang="en-US" smtClean="0"/>
-              <a:t>4/28/2024</a:t>
+              <a:t>4/29/2024</a:t>
             </a:fld>
             <a:endParaRPr lang="en-US"/>
           </a:p>
@@ -6105,7 +6111,7 @@
           <a:p>
             <a:fld id="{D088F999-7A4E-6B4F-9FED-EF75B73AD044}" type="datetimeFigureOut">
               <a:rPr lang="en-US" smtClean="0"/>
-              <a:t>4/28/2024</a:t>
+              <a:t>4/29/2024</a:t>
             </a:fld>
             <a:endParaRPr lang="en-US"/>
           </a:p>
@@ -6325,7 +6331,7 @@
           <a:p>
             <a:fld id="{D088F999-7A4E-6B4F-9FED-EF75B73AD044}" type="datetimeFigureOut">
               <a:rPr lang="en-US" smtClean="0"/>
-              <a:t>4/28/2024</a:t>
+              <a:t>4/29/2024</a:t>
             </a:fld>
             <a:endParaRPr lang="en-US"/>
           </a:p>
@@ -6842,7 +6848,7 @@
           <a:p>
             <a:fld id="{D088F999-7A4E-6B4F-9FED-EF75B73AD044}" type="datetimeFigureOut">
               <a:rPr lang="en-US" smtClean="0"/>
-              <a:t>4/28/2024</a:t>
+              <a:t>4/29/2024</a:t>
             </a:fld>
             <a:endParaRPr lang="en-US"/>
           </a:p>
@@ -7893,7 +7899,7 @@
             <a:pPr lvl="1"/>
             <a:r>
               <a:rPr lang="en-US" dirty="0"/>
-              <a:t>Default UI still looks like Windows Vista</a:t>
+              <a:t>Default UI still looks like Windows 7 or Vista</a:t>
             </a:r>
           </a:p>
           <a:p>
@@ -7965,7 +7971,7 @@
           <a:p>
             <a:r>
               <a:rPr lang="en-US" dirty="0"/>
-              <a:t>UWP Advantages</a:t>
+              <a:t>UWP Advantages*</a:t>
             </a:r>
           </a:p>
         </p:txBody>
@@ -8916,6 +8922,379 @@
 </file>
 
 <file path=ppt/slides/slide17.xml><?xml version="1.0" encoding="utf-8"?>
+<p:sld xmlns:a="http://schemas.openxmlformats.org/drawingml/2006/main" xmlns:r="http://schemas.openxmlformats.org/officeDocument/2006/relationships" xmlns:p="http://schemas.openxmlformats.org/presentationml/2006/main">
+  <p:cSld>
+    <p:spTree>
+      <p:nvGrpSpPr>
+        <p:cNvPr id="1" name=""/>
+        <p:cNvGrpSpPr/>
+        <p:nvPr/>
+      </p:nvGrpSpPr>
+      <p:grpSpPr>
+        <a:xfrm>
+          <a:off x="0" y="0"/>
+          <a:ext cx="0" cy="0"/>
+          <a:chOff x="0" y="0"/>
+          <a:chExt cx="0" cy="0"/>
+        </a:xfrm>
+      </p:grpSpPr>
+      <p:sp>
+        <p:nvSpPr>
+          <p:cNvPr id="2" name="Title 1">
+            <a:extLst>
+              <a:ext uri="{FF2B5EF4-FFF2-40B4-BE49-F238E27FC236}">
+                <a16:creationId xmlns:a16="http://schemas.microsoft.com/office/drawing/2014/main" id="{0472805C-6593-478E-93F9-0DA4426370EE}"/>
+              </a:ext>
+            </a:extLst>
+          </p:cNvPr>
+          <p:cNvSpPr>
+            <a:spLocks noGrp="1"/>
+          </p:cNvSpPr>
+          <p:nvPr>
+            <p:ph type="title"/>
+          </p:nvPr>
+        </p:nvSpPr>
+        <p:spPr/>
+        <p:txBody>
+          <a:bodyPr>
+            <a:noAutofit/>
+          </a:bodyPr>
+          <a:lstStyle/>
+          <a:p>
+            <a:r>
+              <a:rPr lang="en-US" sz="2800" dirty="0"/>
+              <a:t>Blazor Hybrid – Leverage web skills on native platforms</a:t>
+            </a:r>
+          </a:p>
+        </p:txBody>
+      </p:sp>
+      <p:sp>
+        <p:nvSpPr>
+          <p:cNvPr id="4" name="Content Placeholder 3">
+            <a:extLst>
+              <a:ext uri="{FF2B5EF4-FFF2-40B4-BE49-F238E27FC236}">
+                <a16:creationId xmlns:a16="http://schemas.microsoft.com/office/drawing/2014/main" id="{A1F8001B-9B86-DD0D-FACE-732B6A9B2E56}"/>
+              </a:ext>
+            </a:extLst>
+          </p:cNvPr>
+          <p:cNvSpPr>
+            <a:spLocks noGrp="1"/>
+          </p:cNvSpPr>
+          <p:nvPr>
+            <p:ph sz="half" idx="1"/>
+          </p:nvPr>
+        </p:nvSpPr>
+        <p:spPr/>
+        <p:txBody>
+          <a:bodyPr>
+            <a:normAutofit lnSpcReduction="10000"/>
+          </a:bodyPr>
+          <a:lstStyle/>
+          <a:p>
+            <a:pPr marL="0" indent="0">
+              <a:spcAft>
+                <a:spcPts val="600"/>
+              </a:spcAft>
+              <a:buNone/>
+            </a:pPr>
+            <a:r>
+              <a:rPr lang="en-US" sz="1800" b="1" kern="1200" dirty="0">
+                <a:solidFill>
+                  <a:schemeClr val="tx1"/>
+                </a:solidFill>
+                <a:latin typeface="+mn-lt"/>
+                <a:ea typeface="+mn-ea"/>
+                <a:cs typeface="+mn-cs"/>
+              </a:rPr>
+              <a:t>Pros</a:t>
+            </a:r>
+          </a:p>
+          <a:p>
+            <a:pPr marL="742950" lvl="1" indent="-285750">
+              <a:spcAft>
+                <a:spcPts val="600"/>
+              </a:spcAft>
+              <a:buFont typeface="Arial" panose="020B0604020202020204" pitchFamily="34" charset="0"/>
+              <a:buChar char="•"/>
+            </a:pPr>
+            <a:r>
+              <a:rPr lang="en-US" sz="1800" kern="1200" dirty="0">
+                <a:solidFill>
+                  <a:schemeClr val="tx1"/>
+                </a:solidFill>
+                <a:latin typeface="+mn-lt"/>
+                <a:ea typeface="+mn-ea"/>
+                <a:cs typeface="+mn-cs"/>
+              </a:rPr>
+              <a:t>No XAML learning curve for web developers</a:t>
+            </a:r>
+          </a:p>
+          <a:p>
+            <a:pPr marL="742950" lvl="1" indent="-285750">
+              <a:spcAft>
+                <a:spcPts val="600"/>
+              </a:spcAft>
+              <a:buFont typeface="Arial" panose="020B0604020202020204" pitchFamily="34" charset="0"/>
+              <a:buChar char="•"/>
+            </a:pPr>
+            <a:r>
+              <a:rPr lang="en-US" sz="1800" kern="1200" dirty="0">
+                <a:solidFill>
+                  <a:schemeClr val="tx1"/>
+                </a:solidFill>
+                <a:latin typeface="+mn-lt"/>
+                <a:ea typeface="+mn-ea"/>
+                <a:cs typeface="+mn-cs"/>
+              </a:rPr>
+              <a:t>Powerful CSS styling</a:t>
+            </a:r>
+          </a:p>
+          <a:p>
+            <a:pPr marL="742950" lvl="1" indent="-285750">
+              <a:spcAft>
+                <a:spcPts val="600"/>
+              </a:spcAft>
+              <a:buFont typeface="Arial" panose="020B0604020202020204" pitchFamily="34" charset="0"/>
+              <a:buChar char="•"/>
+            </a:pPr>
+            <a:r>
+              <a:rPr lang="en-US" sz="1800" kern="1200" dirty="0">
+                <a:solidFill>
+                  <a:schemeClr val="tx1"/>
+                </a:solidFill>
+                <a:latin typeface="+mn-lt"/>
+                <a:ea typeface="+mn-ea"/>
+                <a:cs typeface="+mn-cs"/>
+              </a:rPr>
+              <a:t>.NET compatibility</a:t>
+            </a:r>
+          </a:p>
+          <a:p>
+            <a:pPr marL="742950" lvl="1" indent="-285750">
+              <a:spcAft>
+                <a:spcPts val="600"/>
+              </a:spcAft>
+              <a:buFont typeface="Arial" panose="020B0604020202020204" pitchFamily="34" charset="0"/>
+              <a:buChar char="•"/>
+            </a:pPr>
+            <a:r>
+              <a:rPr lang="en-US" sz="1800" kern="1200" dirty="0">
+                <a:solidFill>
+                  <a:schemeClr val="tx1"/>
+                </a:solidFill>
+                <a:latin typeface="+mn-lt"/>
+                <a:ea typeface="+mn-ea"/>
+                <a:cs typeface="+mn-cs"/>
+              </a:rPr>
+              <a:t>Use WPF or WinForms to integrate with existing desktop apps</a:t>
+            </a:r>
+          </a:p>
+          <a:p>
+            <a:pPr marL="742950" lvl="1" indent="-285750">
+              <a:spcAft>
+                <a:spcPts val="600"/>
+              </a:spcAft>
+              <a:buFont typeface="Arial" panose="020B0604020202020204" pitchFamily="34" charset="0"/>
+              <a:buChar char="•"/>
+            </a:pPr>
+            <a:r>
+              <a:rPr lang="en-US" sz="1800" kern="1200" dirty="0">
+                <a:solidFill>
+                  <a:schemeClr val="tx1"/>
+                </a:solidFill>
+                <a:latin typeface="+mn-lt"/>
+                <a:ea typeface="+mn-ea"/>
+                <a:cs typeface="+mn-cs"/>
+              </a:rPr>
+              <a:t>Use .NET MAUI host for mobile apps</a:t>
+            </a:r>
+            <a:endParaRPr lang="en-US" dirty="0"/>
+          </a:p>
+          <a:p>
+            <a:endParaRPr lang="en-US" dirty="0"/>
+          </a:p>
+        </p:txBody>
+      </p:sp>
+      <p:sp>
+        <p:nvSpPr>
+          <p:cNvPr id="5" name="Content Placeholder 4">
+            <a:extLst>
+              <a:ext uri="{FF2B5EF4-FFF2-40B4-BE49-F238E27FC236}">
+                <a16:creationId xmlns:a16="http://schemas.microsoft.com/office/drawing/2014/main" id="{9D6D317E-BA97-1960-3496-276800AED453}"/>
+              </a:ext>
+            </a:extLst>
+          </p:cNvPr>
+          <p:cNvSpPr>
+            <a:spLocks noGrp="1"/>
+          </p:cNvSpPr>
+          <p:nvPr>
+            <p:ph sz="half" idx="2"/>
+          </p:nvPr>
+        </p:nvSpPr>
+        <p:spPr/>
+        <p:txBody>
+          <a:bodyPr>
+            <a:normAutofit lnSpcReduction="10000"/>
+          </a:bodyPr>
+          <a:lstStyle/>
+          <a:p>
+            <a:pPr marL="0" indent="0">
+              <a:spcAft>
+                <a:spcPts val="600"/>
+              </a:spcAft>
+              <a:buNone/>
+            </a:pPr>
+            <a:r>
+              <a:rPr lang="en-US" sz="1800" b="1" kern="1200" dirty="0">
+                <a:solidFill>
+                  <a:schemeClr val="tx1"/>
+                </a:solidFill>
+                <a:latin typeface="+mn-lt"/>
+                <a:ea typeface="+mn-ea"/>
+                <a:cs typeface="+mn-cs"/>
+              </a:rPr>
+              <a:t>Cons</a:t>
+            </a:r>
+          </a:p>
+          <a:p>
+            <a:pPr marL="742950" lvl="1" indent="-285750">
+              <a:spcAft>
+                <a:spcPts val="600"/>
+              </a:spcAft>
+              <a:buFont typeface="Arial" panose="020B0604020202020204" pitchFamily="34" charset="0"/>
+              <a:buChar char="•"/>
+            </a:pPr>
+            <a:r>
+              <a:rPr lang="en-US" sz="1800" kern="1200" dirty="0">
+                <a:solidFill>
+                  <a:schemeClr val="tx1"/>
+                </a:solidFill>
+                <a:latin typeface="+mn-lt"/>
+                <a:ea typeface="+mn-ea"/>
+                <a:cs typeface="+mn-cs"/>
+              </a:rPr>
+              <a:t>Interop has costs</a:t>
+            </a:r>
+          </a:p>
+          <a:p>
+            <a:pPr marL="1200150" lvl="2" indent="-285750">
+              <a:spcAft>
+                <a:spcPts val="600"/>
+              </a:spcAft>
+              <a:buFont typeface="Arial" panose="020B0604020202020204" pitchFamily="34" charset="0"/>
+              <a:buChar char="•"/>
+            </a:pPr>
+            <a:r>
+              <a:rPr lang="en-US" sz="1800" kern="1200" dirty="0">
+                <a:solidFill>
+                  <a:schemeClr val="tx1"/>
+                </a:solidFill>
+                <a:latin typeface="+mn-lt"/>
+                <a:ea typeface="+mn-ea"/>
+                <a:cs typeface="+mn-cs"/>
+              </a:rPr>
+              <a:t>Performance</a:t>
+            </a:r>
+          </a:p>
+          <a:p>
+            <a:pPr marL="1200150" lvl="2" indent="-285750">
+              <a:spcAft>
+                <a:spcPts val="600"/>
+              </a:spcAft>
+              <a:buFont typeface="Arial" panose="020B0604020202020204" pitchFamily="34" charset="0"/>
+              <a:buChar char="•"/>
+            </a:pPr>
+            <a:r>
+              <a:rPr lang="en-US" sz="1800" kern="1200" dirty="0">
+                <a:solidFill>
+                  <a:schemeClr val="tx1"/>
+                </a:solidFill>
+                <a:latin typeface="+mn-lt"/>
+                <a:ea typeface="+mn-ea"/>
+                <a:cs typeface="+mn-cs"/>
+              </a:rPr>
+              <a:t>Bugs?</a:t>
+            </a:r>
+          </a:p>
+          <a:p>
+            <a:pPr marL="1200150" lvl="2" indent="-285750">
+              <a:spcAft>
+                <a:spcPts val="600"/>
+              </a:spcAft>
+              <a:buFont typeface="Arial" panose="020B0604020202020204" pitchFamily="34" charset="0"/>
+              <a:buChar char="•"/>
+            </a:pPr>
+            <a:r>
+              <a:rPr lang="en-US" sz="1800" kern="1200" dirty="0">
+                <a:solidFill>
+                  <a:schemeClr val="tx1"/>
+                </a:solidFill>
+                <a:latin typeface="+mn-lt"/>
+                <a:ea typeface="+mn-ea"/>
+                <a:cs typeface="+mn-cs"/>
+              </a:rPr>
+              <a:t>Accessibility</a:t>
+            </a:r>
+          </a:p>
+          <a:p>
+            <a:pPr marL="1200150" lvl="2" indent="-285750">
+              <a:spcAft>
+                <a:spcPts val="600"/>
+              </a:spcAft>
+              <a:buFont typeface="Arial" panose="020B0604020202020204" pitchFamily="34" charset="0"/>
+              <a:buChar char="•"/>
+            </a:pPr>
+            <a:r>
+              <a:rPr lang="en-US" sz="1800" kern="1200" dirty="0">
+                <a:solidFill>
+                  <a:schemeClr val="tx1"/>
+                </a:solidFill>
+                <a:latin typeface="+mn-lt"/>
+                <a:ea typeface="+mn-ea"/>
+                <a:cs typeface="+mn-cs"/>
+              </a:rPr>
+              <a:t>Support across two products</a:t>
+            </a:r>
+          </a:p>
+          <a:p>
+            <a:pPr marL="742950" lvl="1" indent="-285750">
+              <a:spcAft>
+                <a:spcPts val="600"/>
+              </a:spcAft>
+              <a:buFont typeface="Arial" panose="020B0604020202020204" pitchFamily="34" charset="0"/>
+              <a:buChar char="•"/>
+            </a:pPr>
+            <a:r>
+              <a:rPr lang="en-US" sz="1800" kern="1200" dirty="0">
+                <a:solidFill>
+                  <a:schemeClr val="tx1"/>
+                </a:solidFill>
+                <a:latin typeface="+mn-lt"/>
+                <a:ea typeface="+mn-ea"/>
+                <a:cs typeface="+mn-cs"/>
+              </a:rPr>
+              <a:t>Feels like Web, not native</a:t>
+            </a:r>
+          </a:p>
+          <a:p>
+            <a:endParaRPr lang="en-US" dirty="0"/>
+          </a:p>
+        </p:txBody>
+      </p:sp>
+    </p:spTree>
+    <p:extLst>
+      <p:ext uri="{BB962C8B-B14F-4D97-AF65-F5344CB8AC3E}">
+        <p14:creationId xmlns:p14="http://schemas.microsoft.com/office/powerpoint/2010/main" val="728506196"/>
+      </p:ext>
+    </p:extLst>
+  </p:cSld>
+  <p:clrMapOvr>
+    <a:masterClrMapping/>
+  </p:clrMapOvr>
+</p:sld>
+</file>
+
+<file path=ppt/slides/slide18.xml><?xml version="1.0" encoding="utf-8"?>
 <p:sld xmlns:a="http://schemas.openxmlformats.org/drawingml/2006/main" xmlns:r="http://schemas.openxmlformats.org/officeDocument/2006/relationships" xmlns:p="http://schemas.openxmlformats.org/presentationml/2006/main">
   <p:cSld>
     <p:spTree>
@@ -9149,124 +9528,6 @@
 </p:sld>
 </file>
 
-<file path=ppt/slides/slide18.xml><?xml version="1.0" encoding="utf-8"?>
-<p:sld xmlns:a="http://schemas.openxmlformats.org/drawingml/2006/main" xmlns:r="http://schemas.openxmlformats.org/officeDocument/2006/relationships" xmlns:p="http://schemas.openxmlformats.org/presentationml/2006/main">
-  <p:cSld>
-    <p:spTree>
-      <p:nvGrpSpPr>
-        <p:cNvPr id="1" name=""/>
-        <p:cNvGrpSpPr/>
-        <p:nvPr/>
-      </p:nvGrpSpPr>
-      <p:grpSpPr>
-        <a:xfrm>
-          <a:off x="0" y="0"/>
-          <a:ext cx="0" cy="0"/>
-          <a:chOff x="0" y="0"/>
-          <a:chExt cx="0" cy="0"/>
-        </a:xfrm>
-      </p:grpSpPr>
-      <p:sp>
-        <p:nvSpPr>
-          <p:cNvPr id="2" name="Title 1">
-            <a:extLst>
-              <a:ext uri="{FF2B5EF4-FFF2-40B4-BE49-F238E27FC236}">
-                <a16:creationId xmlns:a16="http://schemas.microsoft.com/office/drawing/2014/main" id="{86DA5232-B4F4-9A79-7C4B-B5C2BC50FDE9}"/>
-              </a:ext>
-            </a:extLst>
-          </p:cNvPr>
-          <p:cNvSpPr>
-            <a:spLocks noGrp="1"/>
-          </p:cNvSpPr>
-          <p:nvPr>
-            <p:ph type="title"/>
-          </p:nvPr>
-        </p:nvSpPr>
-        <p:spPr/>
-        <p:txBody>
-          <a:bodyPr/>
-          <a:lstStyle/>
-          <a:p>
-            <a:r>
-              <a:rPr lang="en-US" dirty="0"/>
-              <a:t>Uno Platform Drawbacks &amp; Demo</a:t>
-            </a:r>
-          </a:p>
-        </p:txBody>
-      </p:sp>
-      <p:sp>
-        <p:nvSpPr>
-          <p:cNvPr id="3" name="Content Placeholder 2">
-            <a:extLst>
-              <a:ext uri="{FF2B5EF4-FFF2-40B4-BE49-F238E27FC236}">
-                <a16:creationId xmlns:a16="http://schemas.microsoft.com/office/drawing/2014/main" id="{3AC24E14-6BEC-69B3-93FF-88AC3BBCDCB2}"/>
-              </a:ext>
-            </a:extLst>
-          </p:cNvPr>
-          <p:cNvSpPr>
-            <a:spLocks noGrp="1"/>
-          </p:cNvSpPr>
-          <p:nvPr>
-            <p:ph idx="1"/>
-          </p:nvPr>
-        </p:nvSpPr>
-        <p:spPr/>
-        <p:txBody>
-          <a:bodyPr>
-            <a:normAutofit fontScale="92500" lnSpcReduction="20000"/>
-          </a:bodyPr>
-          <a:lstStyle/>
-          <a:p>
-            <a:r>
-              <a:rPr lang="en-US" dirty="0"/>
-              <a:t>No official support for VB or F#</a:t>
-            </a:r>
-          </a:p>
-          <a:p>
-            <a:r>
-              <a:rPr lang="en-US" dirty="0"/>
-              <a:t>Third-party solution</a:t>
-            </a:r>
-          </a:p>
-          <a:p>
-            <a:r>
-              <a:rPr lang="en-US" dirty="0"/>
-              <a:t>Pay for Advanced Support from Engineering Team</a:t>
-            </a:r>
-          </a:p>
-          <a:p>
-            <a:r>
-              <a:rPr lang="en-US" dirty="0"/>
-              <a:t>No XAML designer (use Hot Reload)</a:t>
-            </a:r>
-          </a:p>
-          <a:p>
-            <a:r>
-              <a:rPr lang="en-US" dirty="0"/>
-              <a:t>Some platform-specific code required for native features</a:t>
-            </a:r>
-          </a:p>
-          <a:p>
-            <a:r>
-              <a:rPr lang="en-US" dirty="0"/>
-              <a:t>Not as performant as native apps</a:t>
-            </a:r>
-          </a:p>
-        </p:txBody>
-      </p:sp>
-    </p:spTree>
-    <p:extLst>
-      <p:ext uri="{BB962C8B-B14F-4D97-AF65-F5344CB8AC3E}">
-        <p14:creationId xmlns:p14="http://schemas.microsoft.com/office/powerpoint/2010/main" val="318408692"/>
-      </p:ext>
-    </p:extLst>
-  </p:cSld>
-  <p:clrMapOvr>
-    <a:masterClrMapping/>
-  </p:clrMapOvr>
-</p:sld>
-</file>
-
 <file path=ppt/slides/slide19.xml><?xml version="1.0" encoding="utf-8"?>
 <p:sld xmlns:a="http://schemas.openxmlformats.org/drawingml/2006/main" xmlns:r="http://schemas.openxmlformats.org/officeDocument/2006/relationships" xmlns:p="http://schemas.openxmlformats.org/presentationml/2006/main">
   <p:cSld>
@@ -9289,7 +9550,7 @@
           <p:cNvPr id="2" name="Title 1">
             <a:extLst>
               <a:ext uri="{FF2B5EF4-FFF2-40B4-BE49-F238E27FC236}">
-                <a16:creationId xmlns:a16="http://schemas.microsoft.com/office/drawing/2014/main" id="{0472805C-6593-478E-93F9-0DA4426370EE}"/>
+                <a16:creationId xmlns:a16="http://schemas.microsoft.com/office/drawing/2014/main" id="{86DA5232-B4F4-9A79-7C4B-B5C2BC50FDE9}"/>
               </a:ext>
             </a:extLst>
           </p:cNvPr>
@@ -9302,24 +9563,22 @@
         </p:nvSpPr>
         <p:spPr/>
         <p:txBody>
-          <a:bodyPr>
-            <a:noAutofit/>
-          </a:bodyPr>
+          <a:bodyPr/>
           <a:lstStyle/>
           <a:p>
             <a:r>
-              <a:rPr lang="en-US" sz="2800" dirty="0"/>
-              <a:t>Blazor Hybrid – Leverage web skills on native platforms</a:t>
-            </a:r>
-          </a:p>
-        </p:txBody>
-      </p:sp>
-      <p:sp>
-        <p:nvSpPr>
-          <p:cNvPr id="4" name="Content Placeholder 3">
+              <a:rPr lang="en-US" dirty="0"/>
+              <a:t>Uno Platform Drawbacks &amp; Demo</a:t>
+            </a:r>
+          </a:p>
+        </p:txBody>
+      </p:sp>
+      <p:sp>
+        <p:nvSpPr>
+          <p:cNvPr id="3" name="Content Placeholder 2">
             <a:extLst>
               <a:ext uri="{FF2B5EF4-FFF2-40B4-BE49-F238E27FC236}">
-                <a16:creationId xmlns:a16="http://schemas.microsoft.com/office/drawing/2014/main" id="{A1F8001B-9B86-DD0D-FACE-732B6A9B2E56}"/>
+                <a16:creationId xmlns:a16="http://schemas.microsoft.com/office/drawing/2014/main" id="{3AC24E14-6BEC-69B3-93FF-88AC3BBCDCB2}"/>
               </a:ext>
             </a:extLst>
           </p:cNvPr>
@@ -9327,310 +9586,57 @@
             <a:spLocks noGrp="1"/>
           </p:cNvSpPr>
           <p:nvPr>
-            <p:ph sz="half" idx="1"/>
+            <p:ph idx="1"/>
           </p:nvPr>
         </p:nvSpPr>
         <p:spPr/>
         <p:txBody>
           <a:bodyPr>
-            <a:normAutofit lnSpcReduction="10000"/>
+            <a:normAutofit fontScale="92500" lnSpcReduction="20000"/>
           </a:bodyPr>
           <a:lstStyle/>
           <a:p>
-            <a:pPr marL="0" indent="0">
-              <a:spcAft>
-                <a:spcPts val="600"/>
-              </a:spcAft>
-              <a:buNone/>
-            </a:pPr>
-            <a:r>
-              <a:rPr lang="en-US" sz="1800" b="1" kern="1200" dirty="0">
-                <a:solidFill>
-                  <a:schemeClr val="tx1"/>
-                </a:solidFill>
-                <a:latin typeface="+mn-lt"/>
-                <a:ea typeface="+mn-ea"/>
-                <a:cs typeface="+mn-cs"/>
-              </a:rPr>
-              <a:t>Pros</a:t>
-            </a:r>
-          </a:p>
-          <a:p>
-            <a:pPr marL="742950" lvl="1" indent="-285750">
-              <a:spcAft>
-                <a:spcPts val="600"/>
-              </a:spcAft>
-              <a:buFont typeface="Arial" panose="020B0604020202020204" pitchFamily="34" charset="0"/>
-              <a:buChar char="•"/>
-            </a:pPr>
-            <a:r>
-              <a:rPr lang="en-US" sz="1800" kern="1200" dirty="0">
-                <a:solidFill>
-                  <a:schemeClr val="tx1"/>
-                </a:solidFill>
-                <a:latin typeface="+mn-lt"/>
-                <a:ea typeface="+mn-ea"/>
-                <a:cs typeface="+mn-cs"/>
-              </a:rPr>
-              <a:t>No XAML learning curve for web developers</a:t>
-            </a:r>
-          </a:p>
-          <a:p>
-            <a:pPr marL="742950" lvl="1" indent="-285750">
-              <a:spcAft>
-                <a:spcPts val="600"/>
-              </a:spcAft>
-              <a:buFont typeface="Arial" panose="020B0604020202020204" pitchFamily="34" charset="0"/>
-              <a:buChar char="•"/>
-            </a:pPr>
-            <a:r>
-              <a:rPr lang="en-US" sz="1800" kern="1200" dirty="0">
-                <a:solidFill>
-                  <a:schemeClr val="tx1"/>
-                </a:solidFill>
-                <a:latin typeface="+mn-lt"/>
-                <a:ea typeface="+mn-ea"/>
-                <a:cs typeface="+mn-cs"/>
-              </a:rPr>
-              <a:t>Powerful CSS styling</a:t>
-            </a:r>
-          </a:p>
-          <a:p>
-            <a:pPr marL="742950" lvl="1" indent="-285750">
-              <a:spcAft>
-                <a:spcPts val="600"/>
-              </a:spcAft>
-              <a:buFont typeface="Arial" panose="020B0604020202020204" pitchFamily="34" charset="0"/>
-              <a:buChar char="•"/>
-            </a:pPr>
-            <a:r>
-              <a:rPr lang="en-US" sz="1800" kern="1200" dirty="0">
-                <a:solidFill>
-                  <a:schemeClr val="tx1"/>
-                </a:solidFill>
-                <a:latin typeface="+mn-lt"/>
-                <a:ea typeface="+mn-ea"/>
-                <a:cs typeface="+mn-cs"/>
-              </a:rPr>
-              <a:t>.NET compatibility</a:t>
-            </a:r>
-          </a:p>
-          <a:p>
-            <a:pPr marL="742950" lvl="1" indent="-285750">
-              <a:spcAft>
-                <a:spcPts val="600"/>
-              </a:spcAft>
-              <a:buFont typeface="Arial" panose="020B0604020202020204" pitchFamily="34" charset="0"/>
-              <a:buChar char="•"/>
-            </a:pPr>
-            <a:r>
-              <a:rPr lang="en-US" sz="1800" kern="1200" dirty="0">
-                <a:solidFill>
-                  <a:schemeClr val="tx1"/>
-                </a:solidFill>
-                <a:latin typeface="+mn-lt"/>
-                <a:ea typeface="+mn-ea"/>
-                <a:cs typeface="+mn-cs"/>
-              </a:rPr>
-              <a:t>Use WPF or WinForms to integrate with existing desktop apps</a:t>
-            </a:r>
-          </a:p>
-          <a:p>
-            <a:pPr marL="742950" lvl="1" indent="-285750">
-              <a:spcAft>
-                <a:spcPts val="600"/>
-              </a:spcAft>
-              <a:buFont typeface="Arial" panose="020B0604020202020204" pitchFamily="34" charset="0"/>
-              <a:buChar char="•"/>
-            </a:pPr>
-            <a:r>
-              <a:rPr lang="en-US" sz="1800" kern="1200" dirty="0">
-                <a:solidFill>
-                  <a:schemeClr val="tx1"/>
-                </a:solidFill>
-                <a:latin typeface="+mn-lt"/>
-                <a:ea typeface="+mn-ea"/>
-                <a:cs typeface="+mn-cs"/>
-              </a:rPr>
-              <a:t>Use .NET MAUI host for mobile apps</a:t>
-            </a:r>
-            <a:endParaRPr lang="en-US" dirty="0"/>
-          </a:p>
-          <a:p>
-            <a:endParaRPr lang="en-US" dirty="0"/>
-          </a:p>
-        </p:txBody>
-      </p:sp>
-      <p:sp>
-        <p:nvSpPr>
-          <p:cNvPr id="5" name="Content Placeholder 4">
-            <a:extLst>
-              <a:ext uri="{FF2B5EF4-FFF2-40B4-BE49-F238E27FC236}">
-                <a16:creationId xmlns:a16="http://schemas.microsoft.com/office/drawing/2014/main" id="{9D6D317E-BA97-1960-3496-276800AED453}"/>
-              </a:ext>
-            </a:extLst>
-          </p:cNvPr>
-          <p:cNvSpPr>
-            <a:spLocks noGrp="1"/>
-          </p:cNvSpPr>
-          <p:nvPr>
-            <p:ph sz="half" idx="2"/>
-          </p:nvPr>
-        </p:nvSpPr>
-        <p:spPr/>
-        <p:txBody>
-          <a:bodyPr>
-            <a:normAutofit lnSpcReduction="10000"/>
-          </a:bodyPr>
-          <a:lstStyle/>
-          <a:p>
-            <a:pPr marL="0" indent="0">
-              <a:spcAft>
-                <a:spcPts val="600"/>
-              </a:spcAft>
-              <a:buNone/>
-            </a:pPr>
-            <a:r>
-              <a:rPr lang="en-US" sz="1800" b="1" kern="1200" dirty="0">
-                <a:solidFill>
-                  <a:schemeClr val="tx1"/>
-                </a:solidFill>
-                <a:latin typeface="+mn-lt"/>
-                <a:ea typeface="+mn-ea"/>
-                <a:cs typeface="+mn-cs"/>
-              </a:rPr>
-              <a:t>Cons</a:t>
-            </a:r>
-          </a:p>
-          <a:p>
-            <a:pPr marL="742950" lvl="1" indent="-285750">
-              <a:spcAft>
-                <a:spcPts val="600"/>
-              </a:spcAft>
-              <a:buFont typeface="Arial" panose="020B0604020202020204" pitchFamily="34" charset="0"/>
-              <a:buChar char="•"/>
-            </a:pPr>
-            <a:r>
-              <a:rPr lang="en-US" sz="1800" kern="1200" dirty="0">
-                <a:solidFill>
-                  <a:schemeClr val="tx1"/>
-                </a:solidFill>
-                <a:latin typeface="+mn-lt"/>
-                <a:ea typeface="+mn-ea"/>
-                <a:cs typeface="+mn-cs"/>
-              </a:rPr>
-              <a:t>Interop has costs</a:t>
-            </a:r>
-          </a:p>
-          <a:p>
-            <a:pPr marL="1200150" lvl="2" indent="-285750">
-              <a:spcAft>
-                <a:spcPts val="600"/>
-              </a:spcAft>
-              <a:buFont typeface="Arial" panose="020B0604020202020204" pitchFamily="34" charset="0"/>
-              <a:buChar char="•"/>
-            </a:pPr>
-            <a:r>
-              <a:rPr lang="en-US" sz="1800" kern="1200" dirty="0">
-                <a:solidFill>
-                  <a:schemeClr val="tx1"/>
-                </a:solidFill>
-                <a:latin typeface="+mn-lt"/>
-                <a:ea typeface="+mn-ea"/>
-                <a:cs typeface="+mn-cs"/>
-              </a:rPr>
-              <a:t>Performance</a:t>
-            </a:r>
-          </a:p>
-          <a:p>
-            <a:pPr marL="1200150" lvl="2" indent="-285750">
-              <a:spcAft>
-                <a:spcPts val="600"/>
-              </a:spcAft>
-              <a:buFont typeface="Arial" panose="020B0604020202020204" pitchFamily="34" charset="0"/>
-              <a:buChar char="•"/>
-            </a:pPr>
-            <a:r>
-              <a:rPr lang="en-US" sz="1800" kern="1200" dirty="0">
-                <a:solidFill>
-                  <a:schemeClr val="tx1"/>
-                </a:solidFill>
-                <a:latin typeface="+mn-lt"/>
-                <a:ea typeface="+mn-ea"/>
-                <a:cs typeface="+mn-cs"/>
-              </a:rPr>
-              <a:t>Bugs?</a:t>
-            </a:r>
-          </a:p>
-          <a:p>
-            <a:pPr marL="1200150" lvl="2" indent="-285750">
-              <a:spcAft>
-                <a:spcPts val="600"/>
-              </a:spcAft>
-              <a:buFont typeface="Arial" panose="020B0604020202020204" pitchFamily="34" charset="0"/>
-              <a:buChar char="•"/>
-            </a:pPr>
-            <a:r>
-              <a:rPr lang="en-US" sz="1800" kern="1200" dirty="0">
-                <a:solidFill>
-                  <a:schemeClr val="tx1"/>
-                </a:solidFill>
-                <a:latin typeface="+mn-lt"/>
-                <a:ea typeface="+mn-ea"/>
-                <a:cs typeface="+mn-cs"/>
-              </a:rPr>
-              <a:t>Accessibility</a:t>
-            </a:r>
-          </a:p>
-          <a:p>
-            <a:pPr marL="1200150" lvl="2" indent="-285750">
-              <a:spcAft>
-                <a:spcPts val="600"/>
-              </a:spcAft>
-              <a:buFont typeface="Arial" panose="020B0604020202020204" pitchFamily="34" charset="0"/>
-              <a:buChar char="•"/>
-            </a:pPr>
-            <a:r>
-              <a:rPr lang="en-US" sz="1800" kern="1200" dirty="0">
-                <a:solidFill>
-                  <a:schemeClr val="tx1"/>
-                </a:solidFill>
-                <a:latin typeface="+mn-lt"/>
-                <a:ea typeface="+mn-ea"/>
-                <a:cs typeface="+mn-cs"/>
-              </a:rPr>
-              <a:t>Support across two products</a:t>
-            </a:r>
-          </a:p>
-          <a:p>
-            <a:pPr marL="742950" lvl="1" indent="-285750">
-              <a:spcAft>
-                <a:spcPts val="600"/>
-              </a:spcAft>
-              <a:buFont typeface="Arial" panose="020B0604020202020204" pitchFamily="34" charset="0"/>
-              <a:buChar char="•"/>
-            </a:pPr>
-            <a:r>
-              <a:rPr lang="en-US" sz="1800" kern="1200" dirty="0">
-                <a:solidFill>
-                  <a:schemeClr val="tx1"/>
-                </a:solidFill>
-                <a:latin typeface="+mn-lt"/>
-                <a:ea typeface="+mn-ea"/>
-                <a:cs typeface="+mn-cs"/>
-              </a:rPr>
-              <a:t>Feels like Web, not native</a:t>
-            </a:r>
-          </a:p>
-          <a:p>
-            <a:endParaRPr lang="en-US" dirty="0"/>
+            <a:r>
+              <a:rPr lang="en-US" dirty="0"/>
+              <a:t>No official support for VB or F#</a:t>
+            </a:r>
+          </a:p>
+          <a:p>
+            <a:r>
+              <a:rPr lang="en-US" dirty="0"/>
+              <a:t>Third-party solution</a:t>
+            </a:r>
+          </a:p>
+          <a:p>
+            <a:r>
+              <a:rPr lang="en-US" dirty="0"/>
+              <a:t>Pay for Advanced Support from Engineering Team</a:t>
+            </a:r>
+          </a:p>
+          <a:p>
+            <a:r>
+              <a:rPr lang="en-US" dirty="0"/>
+              <a:t>No XAML designer (use Hot Reload)</a:t>
+            </a:r>
+          </a:p>
+          <a:p>
+            <a:r>
+              <a:rPr lang="en-US" dirty="0"/>
+              <a:t>Some platform-specific code required for native features</a:t>
+            </a:r>
+          </a:p>
+          <a:p>
+            <a:r>
+              <a:rPr lang="en-US" dirty="0"/>
+              <a:t>Not as performant as native apps</a:t>
+            </a:r>
           </a:p>
         </p:txBody>
       </p:sp>
     </p:spTree>
     <p:extLst>
       <p:ext uri="{BB962C8B-B14F-4D97-AF65-F5344CB8AC3E}">
-        <p14:creationId xmlns:p14="http://schemas.microsoft.com/office/powerpoint/2010/main" val="728506196"/>
+        <p14:creationId xmlns:p14="http://schemas.microsoft.com/office/powerpoint/2010/main" val="318408692"/>
       </p:ext>
     </p:extLst>
   </p:cSld>
@@ -10535,12 +10541,8 @@
           </a:p>
           <a:p>
             <a:r>
-              <a:rPr lang="en-US" dirty="0" err="1"/>
-              <a:t>TechBash</a:t>
-            </a:r>
-            <a:r>
-              <a:rPr lang="en-US" dirty="0"/>
-              <a:t> Developer Conference</a:t>
+              <a:rPr lang="en-US" dirty="0"/>
+              <a:t>TechBash Developer Conference - Poconos</a:t>
             </a:r>
           </a:p>
           <a:p>
@@ -10971,7 +10973,7 @@
       </p:sp>
       <p:pic>
         <p:nvPicPr>
-          <p:cNvPr id="3" name="Content Placeholder 10" descr="A screenshot of a computer&#10;&#10;Description automatically generated">
+          <p:cNvPr id="3" name="Content Placeholder 10">
             <a:extLst>
               <a:ext uri="{FF2B5EF4-FFF2-40B4-BE49-F238E27FC236}">
                 <a16:creationId xmlns:a16="http://schemas.microsoft.com/office/drawing/2014/main" id="{0BFDB4EE-B787-483E-CB90-91353A7A277B}"/>
@@ -10984,15 +10986,20 @@
           <p:nvPr/>
         </p:nvPicPr>
         <p:blipFill>
-          <a:blip r:embed="rId3"/>
-          <a:stretch>
-            <a:fillRect/>
-          </a:stretch>
+          <a:blip r:embed="rId3">
+            <a:extLst>
+              <a:ext uri="{28A0092B-C50C-407E-A947-70E740481C1C}">
+                <a14:useLocalDpi xmlns:a14="http://schemas.microsoft.com/office/drawing/2010/main" val="0"/>
+              </a:ext>
+            </a:extLst>
+          </a:blip>
+          <a:srcRect/>
+          <a:stretch/>
         </p:blipFill>
         <p:spPr>
           <a:xfrm>
-            <a:off x="195550" y="1193163"/>
-            <a:ext cx="3123947" cy="1461536"/>
+            <a:off x="270383" y="1193163"/>
+            <a:ext cx="2547650" cy="1724698"/>
           </a:xfrm>
           <a:prstGeom prst="rect">
             <a:avLst/>
@@ -11021,7 +11028,7 @@
         </p:blipFill>
         <p:spPr>
           <a:xfrm>
-            <a:off x="228602" y="2975983"/>
+            <a:off x="270383" y="3222283"/>
             <a:ext cx="2743200" cy="1591427"/>
           </a:xfrm>
           <a:prstGeom prst="rect">
@@ -11137,7 +11144,7 @@
         </p:blipFill>
         <p:spPr>
           <a:xfrm>
-            <a:off x="3755444" y="1185151"/>
+            <a:off x="3287567" y="1200181"/>
             <a:ext cx="2906753" cy="1729873"/>
           </a:xfrm>
           <a:prstGeom prst="rect">
@@ -11267,7 +11274,7 @@
           <a:p>
             <a:r>
               <a:rPr lang="en-US" dirty="0"/>
-              <a:t>Active* Development (Accessibility, High DPI, Performance, Dark Mode?)</a:t>
+              <a:t>Active Development (Accessibility, High DPI, Performance, Dark Mode?)</a:t>
             </a:r>
           </a:p>
           <a:p>
@@ -11403,7 +11410,7 @@
             <a:pPr lvl="1"/>
             <a:r>
               <a:rPr lang="en-US" dirty="0"/>
-              <a:t>Looks like Windows XP</a:t>
+              <a:t>Looks like Windows XP or 7</a:t>
             </a:r>
           </a:p>
           <a:p>
